--- a/poster/poster.pptx
+++ b/poster/poster.pptx
@@ -548,6 +548,34 @@
               <a:rPr lang="en-US" baseline="0" dirty="0" smtClean="0"/>
               <a:t>: neural networks, SVM</a:t>
             </a:r>
+          </a:p>
+          <a:p>
+            <a:endParaRPr lang="en-US" baseline="0" dirty="0" smtClean="0"/>
+          </a:p>
+          <a:p>
+            <a:r>
+              <a:rPr lang="en-US" baseline="0" dirty="0" err="1" smtClean="0"/>
+              <a:t>Neuralnet</a:t>
+            </a:r>
+            <a:r>
+              <a:rPr lang="en-US" baseline="0" dirty="0" smtClean="0"/>
+              <a:t> – 56%</a:t>
+            </a:r>
+          </a:p>
+          <a:p>
+            <a:r>
+              <a:rPr lang="en-US" baseline="0" dirty="0" smtClean="0"/>
+              <a:t>Gaussian – 50.2% (rerun)</a:t>
+            </a:r>
+          </a:p>
+          <a:p>
+            <a:r>
+              <a:rPr lang="en-US" baseline="0" smtClean="0"/>
+              <a:t>Bayesian regression – 51%</a:t>
+            </a:r>
+          </a:p>
+          <a:p>
+            <a:endParaRPr lang="en-US" baseline="0" dirty="0" smtClean="0"/>
           </a:p>
         </p:txBody>
       </p:sp>

--- a/poster/poster.pptx
+++ b/poster/poster.pptx
@@ -570,11 +570,70 @@
           </a:p>
           <a:p>
             <a:r>
+              <a:rPr lang="en-US" baseline="0" dirty="0" smtClean="0"/>
+              <a:t>Bayesian regression – 51%</a:t>
+            </a:r>
+          </a:p>
+          <a:p>
+            <a:r>
+              <a:rPr lang="en-US" baseline="0" dirty="0" smtClean="0"/>
+              <a:t>SVM – 50% </a:t>
+            </a:r>
+          </a:p>
+          <a:p>
+            <a:endParaRPr lang="en-US" baseline="0" dirty="0" smtClean="0"/>
+          </a:p>
+          <a:p>
+            <a:r>
+              <a:rPr lang="en-US" baseline="0" dirty="0" smtClean="0"/>
+              <a:t>Analysis: </a:t>
+            </a:r>
+          </a:p>
+          <a:p>
+            <a:r>
+              <a:rPr lang="en-US" baseline="0" dirty="0" smtClean="0"/>
+              <a:t>We predict price very well (figure)</a:t>
+            </a:r>
+          </a:p>
+          <a:p>
+            <a:r>
+              <a:rPr lang="en-US" baseline="0" dirty="0" smtClean="0"/>
+              <a:t>However, it is more important to predict that change in price.</a:t>
+            </a:r>
+          </a:p>
+          <a:p>
+            <a:r>
+              <a:rPr lang="en-US" baseline="0" dirty="0" smtClean="0"/>
+              <a:t>We also predict an optimal policy well given perfect price predictions in pilot studies. </a:t>
+            </a:r>
+          </a:p>
+          <a:p>
+            <a:r>
+              <a:rPr lang="en-US" baseline="0" dirty="0" smtClean="0"/>
+              <a:t>The challenge that remains is to predict the change in price; we currently achieve about 55% accuracy. </a:t>
+            </a:r>
+          </a:p>
+          <a:p>
+            <a:r>
+              <a:rPr lang="en-US" baseline="0" dirty="0" smtClean="0"/>
+              <a:t>Future ideas: taking the second derivative of price to predict its first derivative; using a binary classifier for +/- changes; including more data </a:t>
+            </a:r>
+          </a:p>
+          <a:p>
+            <a:endParaRPr lang="en-US" baseline="0" dirty="0" smtClean="0"/>
+          </a:p>
+          <a:p>
+            <a:endParaRPr lang="en-US" baseline="0" dirty="0" smtClean="0"/>
+          </a:p>
+          <a:p>
+            <a:r>
+              <a:rPr lang="en-US" baseline="0" dirty="0" smtClean="0"/>
+              <a:t>Actual=blue</a:t>
+            </a:r>
+            <a:r>
               <a:rPr lang="en-US" baseline="0" smtClean="0"/>
-              <a:t>Bayesian regression – 51%</a:t>
-            </a:r>
-          </a:p>
-          <a:p>
+              <a:t>, predicted=red</a:t>
+            </a:r>
             <a:endParaRPr lang="en-US" baseline="0" dirty="0" smtClean="0"/>
           </a:p>
         </p:txBody>
@@ -3682,19 +3741,7 @@
                 <a:latin typeface="Helvetica"/>
                 <a:cs typeface="Helvetica"/>
               </a:rPr>
-              <a:t>Bitcoin</a:t>
-            </a:r>
-            <a:r>
-              <a:rPr lang="en-US" sz="4800" b="1" dirty="0">
-                <a:solidFill>
-                  <a:schemeClr val="accent2">
-                    <a:lumMod val="75000"/>
-                  </a:schemeClr>
-                </a:solidFill>
-                <a:latin typeface="Helvetica"/>
-                <a:cs typeface="Helvetica"/>
-              </a:rPr>
-              <a:t> </a:t>
+              <a:t>BitCoin</a:t>
             </a:r>
             <a:r>
               <a:rPr lang="en-US" sz="4800" b="1" dirty="0" smtClean="0">
@@ -3706,7 +3753,7 @@
                 <a:latin typeface="Helvetica"/>
                 <a:cs typeface="Helvetica"/>
               </a:rPr>
-              <a:t>Without Really Trying</a:t>
+              <a:t> Without Really Trying</a:t>
             </a:r>
             <a:endParaRPr lang="en-US" sz="4800" b="1" dirty="0">
               <a:solidFill>
@@ -3807,7 +3854,7 @@
         </p:nvSpPr>
         <p:spPr>
           <a:xfrm>
-            <a:off x="18390327" y="2282678"/>
+            <a:off x="20648182" y="2262521"/>
             <a:ext cx="7822473" cy="543733"/>
           </a:xfrm>
           <a:prstGeom prst="rect">
@@ -3829,7 +3876,7 @@
                 <a:latin typeface="Helvetica"/>
                 <a:cs typeface="Helvetica"/>
               </a:rPr>
-              <a:t>Trading decision algorithms &amp; results </a:t>
+              <a:t>Trading decision algorithms</a:t>
             </a:r>
             <a:endParaRPr lang="en-US" sz="3200" b="1" dirty="0">
               <a:latin typeface="Helvetica"/>
@@ -3846,8 +3893,8 @@
         </p:nvSpPr>
         <p:spPr>
           <a:xfrm>
-            <a:off x="18464998" y="2900637"/>
-            <a:ext cx="8686800" cy="45720"/>
+            <a:off x="20662369" y="2900637"/>
+            <a:ext cx="6400800" cy="45720"/>
           </a:xfrm>
           <a:prstGeom prst="rect">
             <a:avLst/>
@@ -3973,8 +4020,8 @@
         </p:nvSpPr>
         <p:spPr>
           <a:xfrm>
-            <a:off x="9482801" y="2903633"/>
-            <a:ext cx="8686800" cy="45720"/>
+            <a:off x="7708766" y="2903633"/>
+            <a:ext cx="11887200" cy="45720"/>
           </a:xfrm>
           <a:prstGeom prst="rect">
             <a:avLst/>
@@ -4067,7 +4114,7 @@
         <p:spPr>
           <a:xfrm>
             <a:off x="446064" y="2906629"/>
-            <a:ext cx="8686800" cy="45720"/>
+            <a:ext cx="6858000" cy="45720"/>
           </a:xfrm>
           <a:prstGeom prst="rect">
             <a:avLst/>
@@ -4121,7 +4168,7 @@
         <p:spPr>
           <a:xfrm>
             <a:off x="203201" y="3189111"/>
-            <a:ext cx="6705599" cy="4893647"/>
+            <a:ext cx="6705599" cy="3477875"/>
           </a:xfrm>
           <a:prstGeom prst="rect">
             <a:avLst/>
@@ -4135,139 +4182,139 @@
           <a:lstStyle/>
           <a:p>
             <a:r>
-              <a:rPr lang="en-US" sz="2400" dirty="0">
+              <a:rPr lang="en-US" sz="2000" dirty="0">
                 <a:latin typeface="Helvetica"/>
                 <a:cs typeface="Helvetica"/>
               </a:rPr>
               <a:t> </a:t>
             </a:r>
             <a:r>
-              <a:rPr lang="en-US" sz="2400" dirty="0" smtClean="0">
+              <a:rPr lang="en-US" sz="2000" dirty="0" smtClean="0">
                 <a:latin typeface="Helvetica"/>
                 <a:cs typeface="Helvetica"/>
               </a:rPr>
               <a:t>       </a:t>
             </a:r>
             <a:r>
-              <a:rPr lang="en-US" sz="2400" dirty="0" err="1" smtClean="0">
+              <a:rPr lang="en-US" sz="2000" dirty="0" err="1" smtClean="0">
                 <a:latin typeface="Helvetica"/>
                 <a:cs typeface="Helvetica"/>
               </a:rPr>
               <a:t>Bitcoin</a:t>
             </a:r>
             <a:r>
-              <a:rPr lang="en-US" sz="2400" dirty="0" smtClean="0">
+              <a:rPr lang="en-US" sz="2000" dirty="0" smtClean="0">
                 <a:latin typeface="Helvetica"/>
                 <a:cs typeface="Helvetica"/>
               </a:rPr>
               <a:t> is the world’s first decentralized</a:t>
             </a:r>
             <a:r>
-              <a:rPr lang="en-US" sz="2400" dirty="0">
+              <a:rPr lang="en-US" sz="2000" dirty="0">
                 <a:latin typeface="Helvetica"/>
                 <a:cs typeface="Helvetica"/>
               </a:rPr>
               <a:t> </a:t>
             </a:r>
             <a:r>
-              <a:rPr lang="en-US" sz="2400" dirty="0" err="1" smtClean="0">
+              <a:rPr lang="en-US" sz="2000" dirty="0" err="1" smtClean="0">
                 <a:latin typeface="Helvetica"/>
                 <a:cs typeface="Helvetica"/>
               </a:rPr>
               <a:t>cryptocurrency</a:t>
             </a:r>
             <a:r>
-              <a:rPr lang="en-US" sz="2400" dirty="0" smtClean="0">
+              <a:rPr lang="en-US" sz="2000" dirty="0" smtClean="0">
                 <a:latin typeface="Helvetica"/>
                 <a:cs typeface="Helvetica"/>
               </a:rPr>
               <a:t>. In this project, we </a:t>
             </a:r>
             <a:r>
-              <a:rPr lang="en-US" sz="2400" dirty="0">
+              <a:rPr lang="en-US" sz="2000" dirty="0">
                 <a:latin typeface="Helvetica"/>
                 <a:cs typeface="Helvetica"/>
               </a:rPr>
               <a:t>take advantage of various concepts in artificial intelligence and the vast amount of </a:t>
             </a:r>
             <a:r>
-              <a:rPr lang="en-US" sz="2400" dirty="0" smtClean="0">
+              <a:rPr lang="en-US" sz="2000" dirty="0" smtClean="0">
                 <a:latin typeface="Helvetica"/>
                 <a:cs typeface="Helvetica"/>
               </a:rPr>
               <a:t>transactional </a:t>
             </a:r>
             <a:r>
-              <a:rPr lang="en-US" sz="2400" dirty="0">
+              <a:rPr lang="en-US" sz="2000" dirty="0">
                 <a:latin typeface="Helvetica"/>
                 <a:cs typeface="Helvetica"/>
               </a:rPr>
               <a:t>data surrounding </a:t>
             </a:r>
             <a:r>
-              <a:rPr lang="en-US" sz="2400" dirty="0" err="1">
+              <a:rPr lang="en-US" sz="2000" dirty="0" err="1">
                 <a:latin typeface="Helvetica"/>
                 <a:cs typeface="Helvetica"/>
               </a:rPr>
               <a:t>Bitcoin</a:t>
             </a:r>
             <a:r>
-              <a:rPr lang="en-US" sz="2400" dirty="0">
+              <a:rPr lang="en-US" sz="2000" dirty="0">
                 <a:latin typeface="Helvetica"/>
                 <a:cs typeface="Helvetica"/>
               </a:rPr>
               <a:t> to create a </a:t>
             </a:r>
             <a:r>
-              <a:rPr lang="en-US" sz="2400" dirty="0" err="1">
+              <a:rPr lang="en-US" sz="2000" dirty="0" err="1">
                 <a:latin typeface="Helvetica"/>
                 <a:cs typeface="Helvetica"/>
               </a:rPr>
               <a:t>Bitcoin</a:t>
             </a:r>
             <a:r>
-              <a:rPr lang="en-US" sz="2400" dirty="0">
+              <a:rPr lang="en-US" sz="2000" dirty="0">
                 <a:latin typeface="Helvetica"/>
                 <a:cs typeface="Helvetica"/>
               </a:rPr>
               <a:t> </a:t>
             </a:r>
             <a:r>
-              <a:rPr lang="en-US" sz="2400" dirty="0" smtClean="0">
+              <a:rPr lang="en-US" sz="2000" dirty="0" smtClean="0">
                 <a:latin typeface="Helvetica"/>
                 <a:cs typeface="Helvetica"/>
               </a:rPr>
               <a:t>trading bot. This bot will maximize </a:t>
             </a:r>
             <a:r>
-              <a:rPr lang="en-US" sz="2400" dirty="0">
+              <a:rPr lang="en-US" sz="2000" dirty="0">
                 <a:latin typeface="Helvetica"/>
                 <a:cs typeface="Helvetica"/>
               </a:rPr>
               <a:t>profit by predicting future </a:t>
             </a:r>
             <a:r>
-              <a:rPr lang="en-US" sz="2400" dirty="0" err="1">
+              <a:rPr lang="en-US" sz="2000" dirty="0" err="1">
                 <a:latin typeface="Helvetica"/>
                 <a:cs typeface="Helvetica"/>
               </a:rPr>
               <a:t>Bitcoin</a:t>
             </a:r>
             <a:r>
-              <a:rPr lang="en-US" sz="2400" dirty="0">
+              <a:rPr lang="en-US" sz="2000" dirty="0">
                 <a:latin typeface="Helvetica"/>
                 <a:cs typeface="Helvetica"/>
               </a:rPr>
               <a:t> prices. </a:t>
             </a:r>
-            <a:endParaRPr lang="en-US" sz="2400" dirty="0" smtClean="0">
+            <a:endParaRPr lang="en-US" sz="2000" dirty="0" smtClean="0">
               <a:latin typeface="Helvetica"/>
               <a:cs typeface="Helvetica"/>
             </a:endParaRPr>
           </a:p>
           <a:p>
             <a:r>
-              <a:rPr lang="en-US" sz="2400" dirty="0" smtClean="0">
+              <a:rPr lang="en-US" sz="2000" dirty="0" smtClean="0">
                 <a:latin typeface="Helvetica"/>
                 <a:cs typeface="Helvetica"/>
               </a:rPr>
@@ -4284,8 +4331,8 @@
         </p:nvSpPr>
         <p:spPr>
           <a:xfrm>
-            <a:off x="564957" y="8349475"/>
-            <a:ext cx="4313726" cy="492443"/>
+            <a:off x="564957" y="6765861"/>
+            <a:ext cx="3360866" cy="400110"/>
           </a:xfrm>
           <a:prstGeom prst="rect">
             <a:avLst/>
@@ -4299,10 +4346,10 @@
           <a:lstStyle/>
           <a:p>
             <a:r>
-              <a:rPr lang="en-US" sz="2600" dirty="0" smtClean="0"/>
+              <a:rPr lang="en-US" sz="2000" dirty="0" smtClean="0"/>
               <a:t>Historical  price &amp; trading data</a:t>
             </a:r>
-            <a:endParaRPr lang="en-US" sz="2600" dirty="0"/>
+            <a:endParaRPr lang="en-US" sz="2000" dirty="0"/>
           </a:p>
         </p:txBody>
       </p:sp>
@@ -4314,8 +4361,8 @@
         </p:nvSpPr>
         <p:spPr>
           <a:xfrm>
-            <a:off x="1068246" y="9583750"/>
-            <a:ext cx="3340803" cy="492443"/>
+            <a:off x="1054135" y="7887247"/>
+            <a:ext cx="2612464" cy="400110"/>
           </a:xfrm>
           <a:prstGeom prst="rect">
             <a:avLst/>
@@ -4329,10 +4376,10 @@
           <a:lstStyle/>
           <a:p>
             <a:r>
-              <a:rPr lang="en-US" sz="2600" dirty="0" smtClean="0"/>
+              <a:rPr lang="en-US" sz="2000" dirty="0" smtClean="0"/>
               <a:t>Future predicted prices </a:t>
             </a:r>
-            <a:endParaRPr lang="en-US" sz="2600" dirty="0"/>
+            <a:endParaRPr lang="en-US" sz="2000" dirty="0"/>
           </a:p>
         </p:txBody>
       </p:sp>
@@ -4344,8 +4391,8 @@
         </p:nvSpPr>
         <p:spPr>
           <a:xfrm>
-            <a:off x="1587215" y="10770986"/>
-            <a:ext cx="2529221" cy="492443"/>
+            <a:off x="1573104" y="8975705"/>
+            <a:ext cx="1988169" cy="400110"/>
           </a:xfrm>
           <a:prstGeom prst="rect">
             <a:avLst/>
@@ -4359,10 +4406,10 @@
           <a:lstStyle/>
           <a:p>
             <a:r>
-              <a:rPr lang="en-US" sz="2600" dirty="0" smtClean="0"/>
+              <a:rPr lang="en-US" sz="2000" dirty="0" smtClean="0"/>
               <a:t>Trading decisions</a:t>
             </a:r>
-            <a:endParaRPr lang="en-US" sz="2600" dirty="0"/>
+            <a:endParaRPr lang="en-US" sz="2000" dirty="0"/>
           </a:p>
         </p:txBody>
       </p:sp>
@@ -4374,7 +4421,7 @@
         </p:nvCxnSpPr>
         <p:spPr>
           <a:xfrm>
-            <a:off x="2850295" y="8976650"/>
+            <a:off x="2850295" y="7209592"/>
             <a:ext cx="0" cy="689891"/>
           </a:xfrm>
           <a:prstGeom prst="straightConnector1">
@@ -4407,7 +4454,7 @@
         </p:nvCxnSpPr>
         <p:spPr>
           <a:xfrm>
-            <a:off x="2845907" y="10195246"/>
+            <a:off x="2831796" y="8329410"/>
             <a:ext cx="0" cy="689891"/>
           </a:xfrm>
           <a:prstGeom prst="straightConnector1">
@@ -4440,7 +4487,7 @@
         </p:nvCxnSpPr>
         <p:spPr>
           <a:xfrm>
-            <a:off x="2841519" y="11413842"/>
+            <a:off x="2841519" y="9435117"/>
             <a:ext cx="0" cy="689891"/>
           </a:xfrm>
           <a:prstGeom prst="straightConnector1">
@@ -4473,8 +4520,8 @@
         </p:nvSpPr>
         <p:spPr>
           <a:xfrm>
-            <a:off x="1984517" y="12193413"/>
-            <a:ext cx="1660819" cy="492443"/>
+            <a:off x="1970406" y="10186466"/>
+            <a:ext cx="1320168" cy="400110"/>
           </a:xfrm>
           <a:prstGeom prst="rect">
             <a:avLst/>
@@ -4488,14 +4535,14 @@
           <a:lstStyle/>
           <a:p>
             <a:r>
-              <a:rPr lang="en-US" sz="2600" dirty="0" err="1" smtClean="0"/>
+              <a:rPr lang="en-US" sz="2000" dirty="0" err="1" smtClean="0"/>
               <a:t>Bitcoin</a:t>
             </a:r>
             <a:r>
-              <a:rPr lang="en-US" sz="2600" dirty="0" smtClean="0"/>
+              <a:rPr lang="en-US" sz="2000" dirty="0" smtClean="0"/>
               <a:t> bot </a:t>
             </a:r>
-            <a:endParaRPr lang="en-US" sz="2600" dirty="0"/>
+            <a:endParaRPr lang="en-US" sz="2000" dirty="0"/>
           </a:p>
         </p:txBody>
       </p:sp>
@@ -4507,7 +4554,7 @@
         </p:nvCxnSpPr>
         <p:spPr>
           <a:xfrm>
-            <a:off x="2805774" y="12773552"/>
+            <a:off x="2805774" y="10625493"/>
             <a:ext cx="0" cy="689891"/>
           </a:xfrm>
           <a:prstGeom prst="straightConnector1">
@@ -4540,8 +4587,8 @@
         </p:nvSpPr>
         <p:spPr>
           <a:xfrm>
-            <a:off x="2278027" y="13490406"/>
-            <a:ext cx="1045741" cy="492443"/>
+            <a:off x="2278027" y="11342348"/>
+            <a:ext cx="847032" cy="400110"/>
           </a:xfrm>
           <a:prstGeom prst="rect">
             <a:avLst/>
@@ -4555,10 +4602,10 @@
           <a:lstStyle/>
           <a:p>
             <a:r>
-              <a:rPr lang="en-US" sz="2600" dirty="0" smtClean="0"/>
+              <a:rPr lang="en-US" sz="2000" dirty="0" smtClean="0"/>
               <a:t>Profit!</a:t>
             </a:r>
-            <a:endParaRPr lang="en-US" sz="2600" dirty="0"/>
+            <a:endParaRPr lang="en-US" sz="2000" dirty="0"/>
           </a:p>
         </p:txBody>
       </p:sp>
@@ -4594,7 +4641,7 @@
         </p:nvSpPr>
         <p:spPr>
           <a:xfrm>
-            <a:off x="3130357" y="9035275"/>
+            <a:off x="3158579" y="7310549"/>
             <a:ext cx="3181530" cy="400110"/>
           </a:xfrm>
           <a:prstGeom prst="rect">
@@ -4624,7 +4671,7 @@
         </p:nvSpPr>
         <p:spPr>
           <a:xfrm>
-            <a:off x="3155757" y="10305275"/>
+            <a:off x="3183979" y="8481772"/>
             <a:ext cx="1203324" cy="400110"/>
           </a:xfrm>
           <a:prstGeom prst="rect">
@@ -4654,7 +4701,7 @@
         </p:nvSpPr>
         <p:spPr>
           <a:xfrm>
-            <a:off x="498393" y="14252070"/>
+            <a:off x="377439" y="11754368"/>
             <a:ext cx="6667313" cy="543733"/>
           </a:xfrm>
           <a:prstGeom prst="rect">
@@ -4693,8 +4740,8 @@
         </p:nvSpPr>
         <p:spPr>
           <a:xfrm>
-            <a:off x="496864" y="14870029"/>
-            <a:ext cx="8686800" cy="45720"/>
+            <a:off x="313195" y="12372327"/>
+            <a:ext cx="6858000" cy="45720"/>
           </a:xfrm>
           <a:prstGeom prst="rect">
             <a:avLst/>
@@ -4773,8 +4820,8 @@
         </p:nvSpPr>
         <p:spPr>
           <a:xfrm>
-            <a:off x="381000" y="15025511"/>
-            <a:ext cx="6426200" cy="3046988"/>
+            <a:off x="239887" y="12527809"/>
+            <a:ext cx="6773335" cy="1631216"/>
           </a:xfrm>
           <a:prstGeom prst="rect">
             <a:avLst/>
@@ -4792,25 +4839,11 @@
               <a:buChar char="•"/>
             </a:pPr>
             <a:r>
-              <a:rPr lang="en-US" sz="2400" dirty="0" smtClean="0">
-                <a:latin typeface="Helvetica"/>
-                <a:cs typeface="Helvetica"/>
-              </a:rPr>
-              <a:t>Minute-granularity historical </a:t>
-            </a:r>
-            <a:r>
-              <a:rPr lang="en-US" sz="2400" dirty="0" err="1" smtClean="0">
-                <a:latin typeface="Helvetica"/>
-                <a:cs typeface="Helvetica"/>
-              </a:rPr>
-              <a:t>Bitcoin</a:t>
-            </a:r>
-            <a:r>
-              <a:rPr lang="en-US" sz="2400" dirty="0" smtClean="0">
-                <a:latin typeface="Helvetica"/>
-                <a:cs typeface="Helvetica"/>
-              </a:rPr>
-              <a:t>-USD conversion rates</a:t>
+              <a:rPr lang="en-US" sz="2000" dirty="0" smtClean="0">
+                <a:latin typeface="Helvetica"/>
+                <a:cs typeface="Helvetica"/>
+              </a:rPr>
+              <a:t>Minute-granularity historical prices</a:t>
             </a:r>
           </a:p>
           <a:p>
@@ -4819,21 +4852,21 @@
               <a:buChar char="•"/>
             </a:pPr>
             <a:r>
-              <a:rPr lang="en-US" sz="2400" dirty="0" smtClean="0">
+              <a:rPr lang="en-US" sz="2000" dirty="0" smtClean="0">
                 <a:latin typeface="Helvetica"/>
                 <a:cs typeface="Helvetica"/>
               </a:rPr>
               <a:t>Various </a:t>
             </a:r>
             <a:r>
-              <a:rPr lang="en-US" sz="2400" dirty="0" err="1" smtClean="0">
+              <a:rPr lang="en-US" sz="2000" dirty="0" err="1" smtClean="0">
                 <a:latin typeface="Helvetica"/>
                 <a:cs typeface="Helvetica"/>
               </a:rPr>
               <a:t>Bitcoin</a:t>
             </a:r>
             <a:r>
-              <a:rPr lang="en-US" sz="2400" dirty="0" smtClean="0">
+              <a:rPr lang="en-US" sz="2000" dirty="0" smtClean="0">
                 <a:latin typeface="Helvetica"/>
                 <a:cs typeface="Helvetica"/>
               </a:rPr>
@@ -4846,11 +4879,26 @@
               <a:buChar char="•"/>
             </a:pPr>
             <a:r>
-              <a:rPr lang="en-US" sz="2400" dirty="0" smtClean="0">
-                <a:latin typeface="Helvetica"/>
-                <a:cs typeface="Helvetica"/>
-              </a:rPr>
-              <a:t>Sampled order book data, which generates buy/sell ratios</a:t>
+              <a:rPr lang="en-US" sz="2000" dirty="0" smtClean="0">
+                <a:latin typeface="Helvetica"/>
+                <a:cs typeface="Helvetica"/>
+              </a:rPr>
+              <a:t>Sampled order book data </a:t>
+            </a:r>
+            <a:r>
+              <a:rPr lang="en-US" sz="2000" dirty="0" smtClean="0">
+                <a:latin typeface="Helvetica"/>
+                <a:cs typeface="Helvetica"/>
+                <a:sym typeface="Wingdings"/>
+              </a:rPr>
+              <a:t> </a:t>
+            </a:r>
+            <a:r>
+              <a:rPr lang="en-US" sz="2000" dirty="0" smtClean="0">
+                <a:latin typeface="Helvetica"/>
+                <a:cs typeface="Helvetica"/>
+              </a:rPr>
+              <a:t>buy/sell ratios</a:t>
             </a:r>
           </a:p>
           <a:p>
@@ -4859,11 +4907,11 @@
               <a:buChar char="•"/>
             </a:pPr>
             <a:r>
-              <a:rPr lang="en-US" sz="2400" dirty="0" smtClean="0">
-                <a:latin typeface="Helvetica"/>
-                <a:cs typeface="Helvetica"/>
-              </a:rPr>
-              <a:t>Missing data was cubic-spline interpolated when appropriate</a:t>
+              <a:rPr lang="en-US" sz="2000" dirty="0" smtClean="0">
+                <a:latin typeface="Helvetica"/>
+                <a:cs typeface="Helvetica"/>
+              </a:rPr>
+              <a:t>Missing data was cubic-spline interpolated or imputed when appropriate</a:t>
             </a:r>
           </a:p>
         </p:txBody>
@@ -4876,8 +4924,8 @@
         </p:nvSpPr>
         <p:spPr>
           <a:xfrm>
-            <a:off x="9474201" y="3189111"/>
-            <a:ext cx="8607778" cy="12649613"/>
+            <a:off x="7671141" y="3251828"/>
+            <a:ext cx="12836322" cy="9941183"/>
           </a:xfrm>
           <a:prstGeom prst="rect">
             <a:avLst/>
@@ -4890,194 +4938,324 @@
           </a:bodyPr>
           <a:lstStyle/>
           <a:p>
-            <a:endParaRPr lang="en-US" sz="2400" b="1" dirty="0">
+            <a:r>
+              <a:rPr lang="en-US" sz="2000" dirty="0" smtClean="0">
+                <a:latin typeface="Helvetica"/>
+                <a:cs typeface="Helvetica"/>
+              </a:rPr>
+              <a:t>Goal: predict </a:t>
+            </a:r>
+            <a:r>
+              <a:rPr lang="en-US" sz="2000" i="1" dirty="0" smtClean="0">
+                <a:latin typeface="Helvetica"/>
+                <a:cs typeface="Helvetica"/>
+              </a:rPr>
+              <a:t>n </a:t>
+            </a:r>
+            <a:r>
+              <a:rPr lang="en-US" sz="2000" dirty="0" smtClean="0">
+                <a:latin typeface="Helvetica"/>
+                <a:cs typeface="Helvetica"/>
+              </a:rPr>
+              <a:t>future </a:t>
+            </a:r>
+            <a:r>
+              <a:rPr lang="en-US" sz="2000" dirty="0" err="1" smtClean="0">
+                <a:latin typeface="Helvetica"/>
+                <a:cs typeface="Helvetica"/>
+              </a:rPr>
+              <a:t>Bitcoin</a:t>
+            </a:r>
+            <a:r>
+              <a:rPr lang="en-US" sz="2000" dirty="0" smtClean="0">
+                <a:latin typeface="Helvetica"/>
+                <a:cs typeface="Helvetica"/>
+              </a:rPr>
+              <a:t> price changes over </a:t>
+            </a:r>
+            <a:r>
+              <a:rPr lang="en-US" sz="2000" i="1" dirty="0" err="1" smtClean="0">
+                <a:latin typeface="Helvetica"/>
+                <a:cs typeface="Helvetica"/>
+              </a:rPr>
+              <a:t>dt</a:t>
+            </a:r>
+            <a:r>
+              <a:rPr lang="en-US" sz="2000" dirty="0" smtClean="0">
+                <a:latin typeface="Helvetica"/>
+                <a:cs typeface="Helvetica"/>
+              </a:rPr>
+              <a:t> from past </a:t>
+            </a:r>
+            <a:r>
+              <a:rPr lang="en-US" sz="2000" dirty="0" err="1" smtClean="0">
+                <a:latin typeface="Helvetica"/>
+                <a:cs typeface="Helvetica"/>
+              </a:rPr>
+              <a:t>bitcoin</a:t>
+            </a:r>
+            <a:r>
+              <a:rPr lang="en-US" sz="2000" dirty="0" smtClean="0">
+                <a:latin typeface="Helvetica"/>
+                <a:cs typeface="Helvetica"/>
+              </a:rPr>
+              <a:t> prices and other data </a:t>
+            </a:r>
+            <a:endParaRPr lang="en-US" sz="2000" dirty="0">
               <a:latin typeface="Helvetica"/>
               <a:cs typeface="Helvetica"/>
             </a:endParaRPr>
           </a:p>
           <a:p>
-            <a:endParaRPr lang="en-US" sz="2400" b="1" dirty="0" smtClean="0">
+            <a:endParaRPr lang="en-US" sz="2000" b="1" dirty="0" smtClean="0">
               <a:latin typeface="Helvetica"/>
               <a:cs typeface="Helvetica"/>
             </a:endParaRPr>
           </a:p>
           <a:p>
-            <a:endParaRPr lang="en-US" sz="2400" i="1" dirty="0" smtClean="0">
+            <a:endParaRPr lang="en-US" sz="2000" i="1" dirty="0" smtClean="0">
               <a:latin typeface="Helvetica"/>
               <a:cs typeface="Helvetica"/>
             </a:endParaRPr>
           </a:p>
           <a:p>
-            <a:endParaRPr lang="en-US" sz="2400" i="1" dirty="0">
+            <a:endParaRPr lang="en-US" sz="2000" i="1" dirty="0">
               <a:latin typeface="Helvetica"/>
               <a:cs typeface="Helvetica"/>
             </a:endParaRPr>
           </a:p>
           <a:p>
-            <a:endParaRPr lang="en-US" sz="2400" i="1" dirty="0" smtClean="0">
+            <a:endParaRPr lang="en-US" sz="2000" i="1" dirty="0" smtClean="0">
               <a:latin typeface="Helvetica"/>
               <a:cs typeface="Helvetica"/>
             </a:endParaRPr>
           </a:p>
           <a:p>
-            <a:endParaRPr lang="en-US" sz="2400" i="1" dirty="0">
+            <a:endParaRPr lang="en-US" sz="2000" i="1" dirty="0">
               <a:latin typeface="Helvetica"/>
               <a:cs typeface="Helvetica"/>
             </a:endParaRPr>
           </a:p>
           <a:p>
-            <a:endParaRPr lang="en-US" sz="2400" i="1" dirty="0" smtClean="0">
+            <a:endParaRPr lang="en-US" sz="2000" i="1" dirty="0" smtClean="0">
               <a:latin typeface="Helvetica"/>
               <a:cs typeface="Helvetica"/>
             </a:endParaRPr>
           </a:p>
           <a:p>
-            <a:r>
-              <a:rPr lang="en-US" sz="2400" i="1" dirty="0" err="1" smtClean="0">
-                <a:latin typeface="Helvetica"/>
-                <a:cs typeface="Helvetica"/>
-              </a:rPr>
-              <a:t>Imrpove</a:t>
-            </a:r>
-            <a:r>
-              <a:rPr lang="en-US" sz="2400" i="1" dirty="0" smtClean="0">
-                <a:latin typeface="Helvetica"/>
-                <a:cs typeface="Helvetica"/>
-              </a:rPr>
-              <a:t> this diagram</a:t>
-            </a:r>
-          </a:p>
-          <a:p>
-            <a:r>
-              <a:rPr lang="en-US" sz="2400" b="1" dirty="0" smtClean="0">
-                <a:latin typeface="Helvetica"/>
-                <a:cs typeface="Helvetica"/>
-              </a:rPr>
-              <a:t>Neural Networks</a:t>
-            </a:r>
-          </a:p>
-          <a:p>
-            <a:endParaRPr lang="en-US" sz="2400" b="1" dirty="0" smtClean="0">
+            <a:endParaRPr lang="en-US" sz="2000" b="1" dirty="0" smtClean="0">
               <a:latin typeface="Helvetica"/>
               <a:cs typeface="Helvetica"/>
             </a:endParaRPr>
           </a:p>
           <a:p>
-            <a:endParaRPr lang="en-US" sz="2400" b="1" dirty="0">
+            <a:endParaRPr lang="en-US" sz="2000" b="1" dirty="0">
               <a:latin typeface="Helvetica"/>
               <a:cs typeface="Helvetica"/>
             </a:endParaRPr>
           </a:p>
           <a:p>
-            <a:endParaRPr lang="en-US" sz="2400" b="1" dirty="0" smtClean="0">
+            <a:r>
+              <a:rPr lang="en-US" sz="2000" b="1" dirty="0" smtClean="0">
+                <a:latin typeface="Helvetica"/>
+                <a:cs typeface="Helvetica"/>
+              </a:rPr>
+              <a:t>Neural Networks</a:t>
+            </a:r>
+          </a:p>
+          <a:p>
+            <a:endParaRPr lang="en-US" sz="2000" dirty="0" smtClean="0">
               <a:latin typeface="Helvetica"/>
               <a:cs typeface="Helvetica"/>
             </a:endParaRPr>
           </a:p>
           <a:p>
-            <a:endParaRPr lang="en-US" sz="2400" b="1" dirty="0">
+            <a:endParaRPr lang="en-US" sz="2000" b="1" dirty="0">
               <a:latin typeface="Helvetica"/>
               <a:cs typeface="Helvetica"/>
             </a:endParaRPr>
           </a:p>
           <a:p>
-            <a:endParaRPr lang="en-US" sz="2400" b="1" dirty="0" smtClean="0">
+            <a:endParaRPr lang="en-US" sz="2000" b="1" dirty="0" smtClean="0">
               <a:latin typeface="Helvetica"/>
               <a:cs typeface="Helvetica"/>
             </a:endParaRPr>
           </a:p>
           <a:p>
-            <a:endParaRPr lang="en-US" sz="2400" b="1" dirty="0">
+            <a:endParaRPr lang="en-US" sz="2000" b="1" dirty="0">
               <a:latin typeface="Helvetica"/>
               <a:cs typeface="Helvetica"/>
             </a:endParaRPr>
           </a:p>
           <a:p>
-            <a:endParaRPr lang="en-US" sz="2400" b="1" dirty="0" smtClean="0">
+            <a:r>
+              <a:rPr lang="en-US" sz="2000" b="1" dirty="0" smtClean="0">
+                <a:latin typeface="Helvetica"/>
+                <a:cs typeface="Helvetica"/>
+              </a:rPr>
+              <a:t>Neural Networks		   </a:t>
+            </a:r>
+            <a:r>
+              <a:rPr lang="en-US" sz="1800" dirty="0" smtClean="0">
+                <a:latin typeface="Helvetica"/>
+                <a:cs typeface="Helvetica"/>
+              </a:rPr>
+              <a:t>past	                     future</a:t>
+            </a:r>
+            <a:endParaRPr lang="en-US" sz="2000" b="1" dirty="0" smtClean="0">
               <a:latin typeface="Helvetica"/>
               <a:cs typeface="Helvetica"/>
             </a:endParaRPr>
           </a:p>
           <a:p>
-            <a:endParaRPr lang="en-US" sz="2400" b="1" dirty="0">
+            <a:r>
+              <a:rPr lang="en-US" sz="2000" dirty="0" smtClean="0">
+                <a:latin typeface="Helvetica"/>
+                <a:cs typeface="Helvetica"/>
+              </a:rPr>
+              <a:t>Our most effective method of price </a:t>
+            </a:r>
+          </a:p>
+          <a:p>
+            <a:r>
+              <a:rPr lang="en-US" sz="2000" dirty="0" smtClean="0">
+                <a:latin typeface="Helvetica"/>
+                <a:cs typeface="Helvetica"/>
+              </a:rPr>
+              <a:t>Prediction was a Neural Network</a:t>
+            </a:r>
+          </a:p>
+          <a:p>
+            <a:r>
+              <a:rPr lang="en-US" sz="2000" dirty="0" smtClean="0">
+                <a:latin typeface="Helvetica"/>
+                <a:cs typeface="Helvetica"/>
+              </a:rPr>
+              <a:t>In which we trained the network on </a:t>
+            </a:r>
+          </a:p>
+          <a:p>
+            <a:r>
+              <a:rPr lang="en-US" sz="2000" dirty="0" smtClean="0">
+                <a:latin typeface="Helvetica"/>
+                <a:cs typeface="Helvetica"/>
+              </a:rPr>
+              <a:t>Multiple windows of past prices and </a:t>
+            </a:r>
+          </a:p>
+          <a:p>
+            <a:r>
+              <a:rPr lang="en-US" sz="2000" dirty="0" smtClean="0">
+                <a:latin typeface="Helvetica"/>
+                <a:cs typeface="Helvetica"/>
+              </a:rPr>
+              <a:t>Used a final window to predict an </a:t>
+            </a:r>
+          </a:p>
+          <a:p>
+            <a:r>
+              <a:rPr lang="en-US" sz="2000" dirty="0" smtClean="0">
+                <a:latin typeface="Helvetica"/>
+                <a:cs typeface="Helvetica"/>
+              </a:rPr>
+              <a:t>Unseen future price. </a:t>
+            </a:r>
+            <a:endParaRPr lang="en-US" sz="2000" dirty="0">
               <a:latin typeface="Helvetica"/>
               <a:cs typeface="Helvetica"/>
             </a:endParaRPr>
           </a:p>
           <a:p>
-            <a:endParaRPr lang="en-US" sz="2400" b="1" dirty="0" smtClean="0">
+            <a:endParaRPr lang="en-US" sz="2000" b="1" dirty="0" smtClean="0">
               <a:latin typeface="Helvetica"/>
               <a:cs typeface="Helvetica"/>
             </a:endParaRPr>
           </a:p>
           <a:p>
-            <a:endParaRPr lang="en-US" sz="2400" b="1" dirty="0">
+            <a:r>
+              <a:rPr lang="en-US" sz="2000" b="1" dirty="0" smtClean="0">
+                <a:latin typeface="Helvetica"/>
+                <a:cs typeface="Helvetica"/>
+              </a:rPr>
+              <a:t>Regression</a:t>
+            </a:r>
+          </a:p>
+          <a:p>
+            <a:pPr marL="342900" indent="-342900">
+              <a:buFont typeface="Arial"/>
+              <a:buChar char="•"/>
+            </a:pPr>
+            <a:r>
+              <a:rPr lang="en-US" sz="2000" dirty="0" smtClean="0">
+                <a:latin typeface="Helvetica"/>
+                <a:cs typeface="Helvetica"/>
+              </a:rPr>
+              <a:t>Gaussian regression outputs a standard deviation for the prediction (useful for MDP transition probabilities). </a:t>
+            </a:r>
+          </a:p>
+          <a:p>
+            <a:pPr marL="342900" indent="-342900">
+              <a:buFont typeface="Arial"/>
+              <a:buChar char="•"/>
+            </a:pPr>
+            <a:r>
+              <a:rPr lang="en-US" sz="2000" dirty="0" smtClean="0">
+                <a:latin typeface="Helvetica"/>
+                <a:cs typeface="Helvetica"/>
+              </a:rPr>
+              <a:t>We combined Bayesian regression with k-means trend clustering learn from hidden </a:t>
+            </a:r>
+            <a:r>
+              <a:rPr lang="en-US" sz="2000" dirty="0" err="1" smtClean="0">
+                <a:latin typeface="Helvetica"/>
+                <a:cs typeface="Helvetica"/>
+              </a:rPr>
+              <a:t>Bitcoin</a:t>
+            </a:r>
+            <a:r>
+              <a:rPr lang="en-US" sz="2000" dirty="0" smtClean="0">
+                <a:latin typeface="Helvetica"/>
+                <a:cs typeface="Helvetica"/>
+              </a:rPr>
+              <a:t> price trends.</a:t>
+            </a:r>
+          </a:p>
+          <a:p>
+            <a:endParaRPr lang="en-US" sz="2000" b="1" dirty="0">
               <a:latin typeface="Helvetica"/>
               <a:cs typeface="Helvetica"/>
             </a:endParaRPr>
           </a:p>
           <a:p>
-            <a:endParaRPr lang="en-US" sz="2400" b="1" dirty="0" smtClean="0">
+            <a:endParaRPr lang="en-US" sz="2000" b="1" dirty="0" smtClean="0">
               <a:latin typeface="Helvetica"/>
               <a:cs typeface="Helvetica"/>
             </a:endParaRPr>
           </a:p>
           <a:p>
-            <a:endParaRPr lang="en-US" sz="2400" b="1" dirty="0">
+            <a:endParaRPr lang="en-US" sz="2000" b="1" dirty="0">
               <a:latin typeface="Helvetica"/>
               <a:cs typeface="Helvetica"/>
             </a:endParaRPr>
           </a:p>
           <a:p>
-            <a:endParaRPr lang="en-US" sz="2400" b="1" dirty="0" smtClean="0">
+            <a:endParaRPr lang="en-US" sz="2000" b="1" dirty="0" smtClean="0">
               <a:latin typeface="Helvetica"/>
               <a:cs typeface="Helvetica"/>
             </a:endParaRPr>
           </a:p>
           <a:p>
-            <a:r>
-              <a:rPr lang="en-US" sz="2400" b="1" dirty="0" smtClean="0">
-                <a:latin typeface="Helvetica"/>
-                <a:cs typeface="Helvetica"/>
-              </a:rPr>
-              <a:t>Bayesian Regression</a:t>
-            </a:r>
-          </a:p>
-          <a:p>
-            <a:r>
-              <a:rPr lang="en-US" sz="2400" dirty="0"/>
-              <a:t>In this method, we utilized the algorithm proposed by [1]. Studies suggest that there are hidden geometric patterns for price movements, which could be used to predict future price changes. We constructed tens of most common and effective patterns of different lengths by running k-means algorithm, and then use them to train a linear model which predicts price changes</a:t>
-            </a:r>
-            <a:r>
-              <a:rPr lang="en-US" sz="2400" dirty="0" smtClean="0"/>
-              <a:t>.</a:t>
-            </a:r>
-          </a:p>
-          <a:p>
-            <a:endParaRPr lang="en-US" sz="2400" dirty="0"/>
-          </a:p>
-          <a:p>
-            <a:r>
-              <a:rPr lang="en-US" sz="2400" b="1" dirty="0" smtClean="0"/>
-              <a:t>SVMs</a:t>
-            </a:r>
-          </a:p>
-          <a:p>
-            <a:endParaRPr lang="en-US" sz="2400" b="1" dirty="0"/>
-          </a:p>
-          <a:p>
-            <a:r>
-              <a:rPr lang="en-US" sz="2400" b="1" dirty="0" smtClean="0"/>
-              <a:t>Comparison of Price Prediction Algorithms</a:t>
-            </a:r>
-            <a:endParaRPr lang="en-US" sz="2400" b="1" dirty="0"/>
-          </a:p>
-          <a:p>
-            <a:endParaRPr lang="en-US" sz="2400" b="1" dirty="0" smtClean="0">
+            <a:endParaRPr lang="en-US" sz="2000" dirty="0">
               <a:latin typeface="Helvetica"/>
               <a:cs typeface="Helvetica"/>
             </a:endParaRPr>
           </a:p>
+          <a:p>
+            <a:endParaRPr lang="en-US" sz="2000" b="1" dirty="0" smtClean="0">
+              <a:latin typeface="Helvetica"/>
+              <a:cs typeface="Helvetica"/>
+            </a:endParaRPr>
+          </a:p>
         </p:txBody>
       </p:sp>
       <p:sp>
@@ -5088,8 +5266,8 @@
         </p:nvSpPr>
         <p:spPr>
           <a:xfrm>
-            <a:off x="20370799" y="2909711"/>
-            <a:ext cx="6753579" cy="11541618"/>
+            <a:off x="20489333" y="2956748"/>
+            <a:ext cx="6942667" cy="7478970"/>
           </a:xfrm>
           <a:prstGeom prst="rect">
             <a:avLst/>
@@ -5103,46 +5281,38 @@
           <a:lstStyle/>
           <a:p>
             <a:r>
-              <a:rPr lang="en-US" sz="2400" dirty="0" smtClean="0">
+              <a:rPr lang="en-US" sz="2000" dirty="0" smtClean="0">
                 <a:latin typeface="Helvetica"/>
                 <a:cs typeface="Helvetica"/>
               </a:rPr>
               <a:t>We framed the trading decision as a recommendation of the optimal time(s) to sell a fixed number of </a:t>
             </a:r>
             <a:r>
-              <a:rPr lang="en-US" sz="2400" dirty="0" err="1" smtClean="0">
+              <a:rPr lang="en-US" sz="2000" dirty="0" err="1" smtClean="0">
                 <a:latin typeface="Helvetica"/>
                 <a:cs typeface="Helvetica"/>
               </a:rPr>
               <a:t>Bitcoins</a:t>
             </a:r>
             <a:r>
-              <a:rPr lang="en-US" sz="2400" dirty="0" smtClean="0">
+              <a:rPr lang="en-US" sz="2000" dirty="0" smtClean="0">
                 <a:latin typeface="Helvetica"/>
                 <a:cs typeface="Helvetica"/>
               </a:rPr>
               <a:t> within an allotted amount of time.</a:t>
             </a:r>
-          </a:p>
-          <a:p>
-            <a:endParaRPr lang="en-US" sz="2400" b="1" dirty="0">
+            <a:endParaRPr lang="en-US" sz="2000" b="1" dirty="0">
               <a:latin typeface="Helvetica"/>
               <a:cs typeface="Helvetica"/>
             </a:endParaRPr>
           </a:p>
           <a:p>
             <a:r>
-              <a:rPr lang="en-US" sz="2400" b="1" dirty="0" smtClean="0">
+              <a:rPr lang="en-US" sz="2000" b="1" dirty="0" smtClean="0">
                 <a:latin typeface="Helvetica"/>
                 <a:cs typeface="Helvetica"/>
               </a:rPr>
               <a:t>Markov Decision Process</a:t>
-            </a:r>
-          </a:p>
-          <a:p>
-            <a:r>
-              <a:rPr lang="en-US" sz="2400" dirty="0"/>
-              <a:t>Our MDP model is formulated as follows, the predicted price and standard deviation is computed from Gaussian Processes:</a:t>
             </a:r>
           </a:p>
           <a:p>
@@ -5151,30 +5321,65 @@
               <a:buChar char="•"/>
             </a:pPr>
             <a:r>
-              <a:rPr lang="en-US" sz="2400" dirty="0"/>
-              <a:t>States: (time remaining, </a:t>
-            </a:r>
-            <a:r>
-              <a:rPr lang="en-US" sz="2400" dirty="0" err="1"/>
+              <a:rPr lang="en-US" sz="2000" dirty="0" smtClean="0">
+                <a:latin typeface="Helvetica"/>
+                <a:cs typeface="Helvetica"/>
+              </a:rPr>
+              <a:t>States</a:t>
+            </a:r>
+            <a:r>
+              <a:rPr lang="en-US" sz="2000" dirty="0">
+                <a:latin typeface="Helvetica"/>
+                <a:cs typeface="Helvetica"/>
+              </a:rPr>
+              <a:t>: (time remaining, </a:t>
+            </a:r>
+            <a:r>
+              <a:rPr lang="en-US" sz="2000" dirty="0" err="1">
+                <a:latin typeface="Helvetica"/>
+                <a:cs typeface="Helvetica"/>
+              </a:rPr>
               <a:t>bitcoins</a:t>
             </a:r>
             <a:r>
-              <a:rPr lang="en-US" sz="2400" dirty="0"/>
+              <a:rPr lang="en-US" sz="2000" dirty="0">
+                <a:latin typeface="Helvetica"/>
+                <a:cs typeface="Helvetica"/>
+              </a:rPr>
               <a:t> remaining, price diff (predicted price – bought price), </a:t>
             </a:r>
             <a:r>
-              <a:rPr lang="en-US" sz="2400" dirty="0" err="1"/>
-              <a:t>std</a:t>
-            </a:r>
-            <a:r>
-              <a:rPr lang="en-US" sz="2400" dirty="0"/>
-              <a:t> of predicted price</a:t>
-            </a:r>
-            <a:r>
-              <a:rPr lang="en-US" sz="2400" dirty="0" smtClean="0"/>
+              <a:rPr lang="en-US" sz="2000" dirty="0" err="1" smtClean="0">
+                <a:latin typeface="Helvetica"/>
+                <a:cs typeface="Helvetica"/>
+              </a:rPr>
+              <a:t>stdev</a:t>
+            </a:r>
+            <a:r>
+              <a:rPr lang="en-US" sz="2000" dirty="0" smtClean="0">
+                <a:latin typeface="Helvetica"/>
+                <a:cs typeface="Helvetica"/>
+              </a:rPr>
+              <a:t> </a:t>
+            </a:r>
+            <a:r>
+              <a:rPr lang="en-US" sz="2000" dirty="0">
+                <a:latin typeface="Helvetica"/>
+                <a:cs typeface="Helvetica"/>
+              </a:rPr>
+              <a:t>of predicted price</a:t>
+            </a:r>
+            <a:r>
+              <a:rPr lang="en-US" sz="2000" dirty="0" smtClean="0">
+                <a:latin typeface="Helvetica"/>
+                <a:cs typeface="Helvetica"/>
+              </a:rPr>
               <a:t>)</a:t>
             </a:r>
-            <a:endParaRPr lang="en-US" sz="2400" dirty="0"/>
+            <a:endParaRPr lang="en-US" sz="2000" dirty="0">
+              <a:latin typeface="Helvetica"/>
+              <a:cs typeface="Helvetica"/>
+            </a:endParaRPr>
           </a:p>
           <a:p>
             <a:pPr marL="342900" lvl="0" indent="-342900">
@@ -5182,22 +5387,37 @@
               <a:buChar char="•"/>
             </a:pPr>
             <a:r>
-              <a:rPr lang="en-US" sz="2400" dirty="0"/>
+              <a:rPr lang="en-US" sz="2000" dirty="0">
+                <a:latin typeface="Helvetica"/>
+                <a:cs typeface="Helvetica"/>
+              </a:rPr>
               <a:t>Actions: {sell i </a:t>
             </a:r>
             <a:r>
-              <a:rPr lang="en-US" sz="2400" dirty="0" err="1"/>
+              <a:rPr lang="en-US" sz="2000" dirty="0" err="1">
+                <a:latin typeface="Helvetica"/>
+                <a:cs typeface="Helvetica"/>
+              </a:rPr>
               <a:t>bitcoins</a:t>
             </a:r>
             <a:r>
-              <a:rPr lang="en-US" sz="2400" dirty="0"/>
+              <a:rPr lang="en-US" sz="2000" dirty="0">
+                <a:latin typeface="Helvetica"/>
+                <a:cs typeface="Helvetica"/>
+              </a:rPr>
               <a:t>, do nothing</a:t>
             </a:r>
             <a:r>
-              <a:rPr lang="en-US" sz="2400" dirty="0" smtClean="0"/>
+              <a:rPr lang="en-US" sz="2000" dirty="0" smtClean="0">
+                <a:latin typeface="Helvetica"/>
+                <a:cs typeface="Helvetica"/>
+              </a:rPr>
               <a:t>}</a:t>
             </a:r>
-            <a:endParaRPr lang="en-US" sz="2400" dirty="0"/>
+            <a:endParaRPr lang="en-US" sz="2000" dirty="0">
+              <a:latin typeface="Helvetica"/>
+              <a:cs typeface="Helvetica"/>
+            </a:endParaRPr>
           </a:p>
           <a:p>
             <a:pPr marL="342900" lvl="0" indent="-342900">
@@ -5205,22 +5425,37 @@
               <a:buChar char="•"/>
             </a:pPr>
             <a:r>
-              <a:rPr lang="en-US" sz="2400" dirty="0"/>
+              <a:rPr lang="en-US" sz="2000" dirty="0">
+                <a:latin typeface="Helvetica"/>
+                <a:cs typeface="Helvetica"/>
+              </a:rPr>
               <a:t>Rewards(s, a, s): -#</a:t>
             </a:r>
             <a:r>
-              <a:rPr lang="en-US" sz="2400" dirty="0" err="1"/>
+              <a:rPr lang="en-US" sz="2000" dirty="0" err="1">
+                <a:latin typeface="Helvetica"/>
+                <a:cs typeface="Helvetica"/>
+              </a:rPr>
               <a:t>bitcoins</a:t>
             </a:r>
             <a:r>
-              <a:rPr lang="en-US" sz="2400" dirty="0"/>
+              <a:rPr lang="en-US" sz="2000" dirty="0">
+                <a:latin typeface="Helvetica"/>
+                <a:cs typeface="Helvetica"/>
+              </a:rPr>
               <a:t> sold in action a * s[price diff</a:t>
             </a:r>
             <a:r>
-              <a:rPr lang="en-US" sz="2400" dirty="0" smtClean="0"/>
+              <a:rPr lang="en-US" sz="2000" dirty="0" smtClean="0">
+                <a:latin typeface="Helvetica"/>
+                <a:cs typeface="Helvetica"/>
+              </a:rPr>
               <a:t>]</a:t>
             </a:r>
-            <a:endParaRPr lang="en-US" sz="2400" dirty="0"/>
+            <a:endParaRPr lang="en-US" sz="2000" dirty="0">
+              <a:latin typeface="Helvetica"/>
+              <a:cs typeface="Helvetica"/>
+            </a:endParaRPr>
           </a:p>
           <a:p>
             <a:pPr marL="342900" lvl="0" indent="-342900">
@@ -5228,30 +5463,51 @@
               <a:buChar char="•"/>
             </a:pPr>
             <a:r>
-              <a:rPr lang="en-US" sz="2400" dirty="0"/>
+              <a:rPr lang="en-US" sz="2000" dirty="0">
+                <a:latin typeface="Helvetica"/>
+                <a:cs typeface="Helvetica"/>
+              </a:rPr>
               <a:t>Transition probabilities: T(</a:t>
             </a:r>
             <a:r>
-              <a:rPr lang="en-US" sz="2400" dirty="0" err="1"/>
+              <a:rPr lang="en-US" sz="2000" dirty="0" err="1">
+                <a:latin typeface="Helvetica"/>
+                <a:cs typeface="Helvetica"/>
+              </a:rPr>
               <a:t>s,a,s</a:t>
             </a:r>
             <a:r>
-              <a:rPr lang="en-US" sz="2400" dirty="0"/>
+              <a:rPr lang="en-US" sz="2000" dirty="0">
+                <a:latin typeface="Helvetica"/>
+                <a:cs typeface="Helvetica"/>
+              </a:rPr>
               <a:t>) ~ N(s[price diff],s[</a:t>
             </a:r>
             <a:r>
-              <a:rPr lang="en-US" sz="2400" dirty="0" err="1"/>
+              <a:rPr lang="en-US" sz="2000" dirty="0" err="1">
+                <a:latin typeface="Helvetica"/>
+                <a:cs typeface="Helvetica"/>
+              </a:rPr>
               <a:t>std</a:t>
             </a:r>
             <a:r>
-              <a:rPr lang="en-US" sz="2400" dirty="0"/>
+              <a:rPr lang="en-US" sz="2000" dirty="0">
+                <a:latin typeface="Helvetica"/>
+                <a:cs typeface="Helvetica"/>
+              </a:rPr>
               <a:t>]2</a:t>
             </a:r>
             <a:r>
-              <a:rPr lang="en-US" sz="2400" dirty="0" smtClean="0"/>
+              <a:rPr lang="en-US" sz="2000" dirty="0" smtClean="0">
+                <a:latin typeface="Helvetica"/>
+                <a:cs typeface="Helvetica"/>
+              </a:rPr>
               <a:t>)</a:t>
             </a:r>
-            <a:endParaRPr lang="en-US" sz="2400" dirty="0"/>
+            <a:endParaRPr lang="en-US" sz="2000" dirty="0">
+              <a:latin typeface="Helvetica"/>
+              <a:cs typeface="Helvetica"/>
+            </a:endParaRPr>
           </a:p>
           <a:p>
             <a:pPr marL="342900" lvl="0" indent="-342900">
@@ -5259,96 +5515,201 @@
               <a:buChar char="•"/>
             </a:pPr>
             <a:r>
-              <a:rPr lang="en-US" sz="2400" dirty="0" err="1"/>
+              <a:rPr lang="en-US" sz="2000" dirty="0" err="1">
+                <a:latin typeface="Helvetica"/>
+                <a:cs typeface="Helvetica"/>
+              </a:rPr>
               <a:t>IsEnd</a:t>
             </a:r>
             <a:r>
-              <a:rPr lang="en-US" sz="2400" dirty="0"/>
+              <a:rPr lang="en-US" sz="2000" dirty="0">
+                <a:latin typeface="Helvetica"/>
+                <a:cs typeface="Helvetica"/>
+              </a:rPr>
               <a:t>(s): s[time remaining] = </a:t>
             </a:r>
             <a:r>
-              <a:rPr lang="en-US" sz="2400" dirty="0" smtClean="0"/>
+              <a:rPr lang="en-US" sz="2000" dirty="0" smtClean="0">
+                <a:latin typeface="Helvetica"/>
+                <a:cs typeface="Helvetica"/>
+              </a:rPr>
               <a:t>0</a:t>
             </a:r>
-            <a:endParaRPr lang="en-US" sz="2400" b="1" dirty="0" smtClean="0">
+            <a:endParaRPr lang="en-US" sz="2000" b="1" dirty="0" smtClean="0">
               <a:latin typeface="Helvetica"/>
               <a:cs typeface="Helvetica"/>
             </a:endParaRPr>
           </a:p>
           <a:p>
-            <a:endParaRPr lang="en-US" sz="2400" b="1" dirty="0">
+            <a:endParaRPr lang="en-US" sz="2000" b="1" dirty="0">
               <a:latin typeface="Helvetica"/>
               <a:cs typeface="Helvetica"/>
             </a:endParaRPr>
           </a:p>
           <a:p>
-            <a:endParaRPr lang="en-US" sz="2400" b="1" dirty="0" smtClean="0">
+            <a:endParaRPr lang="en-US" sz="2000" b="1" dirty="0" smtClean="0">
               <a:latin typeface="Helvetica"/>
               <a:cs typeface="Helvetica"/>
             </a:endParaRPr>
           </a:p>
           <a:p>
-            <a:endParaRPr lang="en-US" sz="2400" b="1" dirty="0" smtClean="0">
+            <a:endParaRPr lang="en-US" sz="2000" b="1" dirty="0" smtClean="0">
               <a:latin typeface="Helvetica"/>
               <a:cs typeface="Helvetica"/>
             </a:endParaRPr>
           </a:p>
           <a:p>
-            <a:endParaRPr lang="en-US" sz="2400" b="1" dirty="0">
+            <a:endParaRPr lang="en-US" sz="2000" b="1" dirty="0">
               <a:latin typeface="Helvetica"/>
               <a:cs typeface="Helvetica"/>
             </a:endParaRPr>
           </a:p>
           <a:p>
-            <a:endParaRPr lang="en-US" sz="2400" b="1" dirty="0" smtClean="0">
+            <a:endParaRPr lang="en-US" sz="2000" b="1" dirty="0" smtClean="0">
               <a:latin typeface="Helvetica"/>
               <a:cs typeface="Helvetica"/>
             </a:endParaRPr>
           </a:p>
           <a:p>
-            <a:endParaRPr lang="en-US" sz="2400" b="1" dirty="0">
+            <a:endParaRPr lang="en-US" sz="2000" b="1" dirty="0">
               <a:latin typeface="Helvetica"/>
               <a:cs typeface="Helvetica"/>
             </a:endParaRPr>
           </a:p>
           <a:p>
-            <a:endParaRPr lang="en-US" sz="2400" b="1" dirty="0" smtClean="0">
+            <a:endParaRPr lang="en-US" sz="2000" i="1" dirty="0" smtClean="0">
               <a:latin typeface="Helvetica"/>
               <a:cs typeface="Helvetica"/>
             </a:endParaRPr>
           </a:p>
           <a:p>
-            <a:endParaRPr lang="en-US" sz="2400" b="1" dirty="0">
+            <a:r>
+              <a:rPr lang="en-US" sz="2000" b="1" dirty="0" smtClean="0">
+                <a:latin typeface="Helvetica"/>
+                <a:cs typeface="Helvetica"/>
+              </a:rPr>
+              <a:t>Constraint Satisfaction Problem</a:t>
+            </a:r>
+          </a:p>
+          <a:p>
+            <a:pPr marL="342900" indent="-342900">
+              <a:buFont typeface="Arial"/>
+              <a:buChar char="•"/>
+            </a:pPr>
+            <a:r>
+              <a:rPr lang="en-US" sz="2000" dirty="0" smtClean="0">
+                <a:latin typeface="Helvetica"/>
+                <a:cs typeface="Helvetica"/>
+              </a:rPr>
+              <a:t>Variables: number of </a:t>
+            </a:r>
+            <a:r>
+              <a:rPr lang="en-US" sz="2000" dirty="0" err="1" smtClean="0">
+                <a:latin typeface="Helvetica"/>
+                <a:cs typeface="Helvetica"/>
+              </a:rPr>
+              <a:t>bitcoins</a:t>
+            </a:r>
+            <a:r>
+              <a:rPr lang="en-US" sz="2000" dirty="0" smtClean="0">
+                <a:latin typeface="Helvetica"/>
+                <a:cs typeface="Helvetica"/>
+              </a:rPr>
+              <a:t> to sell at each timestamp.</a:t>
+            </a:r>
+          </a:p>
+          <a:p>
+            <a:pPr marL="342900" indent="-342900">
+              <a:buFont typeface="Arial"/>
+              <a:buChar char="•"/>
+            </a:pPr>
+            <a:r>
+              <a:rPr lang="en-US" sz="2000" dirty="0" smtClean="0">
+                <a:latin typeface="Helvetica"/>
+                <a:cs typeface="Helvetica"/>
+              </a:rPr>
+              <a:t>Potential: earlier, more certain predictions are weighted higher.</a:t>
+            </a:r>
+          </a:p>
+          <a:p>
+            <a:pPr marL="342900" indent="-342900">
+              <a:buFont typeface="Arial"/>
+              <a:buChar char="•"/>
+            </a:pPr>
+            <a:r>
+              <a:rPr lang="en-US" sz="2000" dirty="0" smtClean="0">
+                <a:latin typeface="Helvetica"/>
+                <a:cs typeface="Helvetica"/>
+              </a:rPr>
+              <a:t>Potential: </a:t>
+            </a:r>
+          </a:p>
+          <a:p>
+            <a:pPr marL="342900" indent="-342900">
+              <a:buFont typeface="Arial"/>
+              <a:buChar char="•"/>
+            </a:pPr>
+            <a:r>
+              <a:rPr lang="en-US" sz="2000" dirty="0" smtClean="0">
+                <a:latin typeface="Helvetica"/>
+                <a:cs typeface="Helvetica"/>
+              </a:rPr>
+              <a:t>Potential: do not sell more </a:t>
+            </a:r>
+            <a:r>
+              <a:rPr lang="en-US" sz="2000" dirty="0" err="1" smtClean="0">
+                <a:latin typeface="Helvetica"/>
+                <a:cs typeface="Helvetica"/>
+              </a:rPr>
+              <a:t>Bitcoins</a:t>
+            </a:r>
+            <a:r>
+              <a:rPr lang="en-US" sz="2000" dirty="0" smtClean="0">
+                <a:latin typeface="Helvetica"/>
+                <a:cs typeface="Helvetica"/>
+              </a:rPr>
+              <a:t> than you own.</a:t>
+            </a:r>
+          </a:p>
+          <a:p>
+            <a:pPr marL="342900" indent="-342900">
+              <a:buFont typeface="Arial"/>
+              <a:buChar char="•"/>
+            </a:pPr>
+            <a:r>
+              <a:rPr lang="en-US" sz="2000" dirty="0" smtClean="0">
+                <a:latin typeface="Helvetica"/>
+                <a:cs typeface="Helvetica"/>
+              </a:rPr>
+              <a:t>Potential: more </a:t>
+            </a:r>
+            <a:r>
+              <a:rPr lang="en-US" sz="2000" dirty="0" err="1" smtClean="0">
+                <a:latin typeface="Helvetica"/>
+                <a:cs typeface="Helvetica"/>
+              </a:rPr>
+              <a:t>profit</a:t>
+            </a:r>
+            <a:r>
+              <a:rPr lang="en-US" sz="2000" dirty="0" err="1" smtClean="0">
+                <a:latin typeface="Helvetica"/>
+                <a:cs typeface="Helvetica"/>
+                <a:sym typeface="Wingdings"/>
+              </a:rPr>
+              <a:t>higher</a:t>
+            </a:r>
+            <a:r>
+              <a:rPr lang="en-US" sz="2000" dirty="0" smtClean="0">
+                <a:latin typeface="Helvetica"/>
+                <a:cs typeface="Helvetica"/>
+                <a:sym typeface="Wingdings"/>
+              </a:rPr>
+              <a:t> weight.</a:t>
+            </a:r>
+            <a:endParaRPr lang="en-US" sz="2000" dirty="0" smtClean="0">
               <a:latin typeface="Helvetica"/>
               <a:cs typeface="Helvetica"/>
             </a:endParaRPr>
-          </a:p>
-          <a:p>
-            <a:endParaRPr lang="en-US" sz="2400" b="1" dirty="0" smtClean="0">
-              <a:latin typeface="Helvetica"/>
-              <a:cs typeface="Helvetica"/>
-            </a:endParaRPr>
-          </a:p>
-          <a:p>
-            <a:endParaRPr lang="en-US" sz="2400" i="1" dirty="0">
-              <a:latin typeface="Helvetica"/>
-              <a:cs typeface="Helvetica"/>
-            </a:endParaRPr>
-          </a:p>
-          <a:p>
-            <a:endParaRPr lang="en-US" sz="2400" i="1" dirty="0" smtClean="0">
-              <a:latin typeface="Helvetica"/>
-              <a:cs typeface="Helvetica"/>
-            </a:endParaRPr>
-          </a:p>
-          <a:p>
-            <a:r>
-              <a:rPr lang="en-US" sz="2400" b="1" dirty="0" smtClean="0">
-                <a:latin typeface="Helvetica"/>
-                <a:cs typeface="Helvetica"/>
-              </a:rPr>
-              <a:t>Constraint Satisfaction Problem</a:t>
-            </a:r>
           </a:p>
         </p:txBody>
       </p:sp>
@@ -5360,16 +5721,15 @@
           </p:cNvPicPr>
           <p:nvPr/>
         </p:nvPicPr>
-        <p:blipFill>
+        <p:blipFill rotWithShape="1">
           <a:blip r:embed="rId5"/>
-          <a:stretch>
-            <a:fillRect/>
-          </a:stretch>
+          <a:srcRect l="800" t="33167" r="41365" b="32188"/>
+          <a:stretch/>
         </p:blipFill>
         <p:spPr>
           <a:xfrm>
-            <a:off x="9770969" y="6760941"/>
-            <a:ext cx="7758106" cy="4199143"/>
+            <a:off x="12802950" y="7449438"/>
+            <a:ext cx="7452165" cy="2416291"/>
           </a:xfrm>
           <a:prstGeom prst="rect">
             <a:avLst/>
@@ -5396,8 +5756,8 @@
         </p:blipFill>
         <p:spPr>
           <a:xfrm>
-            <a:off x="20073202" y="9964505"/>
-            <a:ext cx="7358798" cy="3293235"/>
+            <a:off x="21871910" y="6083565"/>
+            <a:ext cx="5027010" cy="1991299"/>
           </a:xfrm>
           <a:prstGeom prst="rect">
             <a:avLst/>
@@ -5412,7 +5772,7 @@
         </p:nvSpPr>
         <p:spPr>
           <a:xfrm>
-            <a:off x="9424594" y="3709821"/>
+            <a:off x="12065484" y="4917120"/>
             <a:ext cx="1789841" cy="1336873"/>
           </a:xfrm>
           <a:prstGeom prst="ellipse">
@@ -5470,7 +5830,7 @@
         </p:nvSpPr>
         <p:spPr>
           <a:xfrm>
-            <a:off x="12165077" y="4194437"/>
+            <a:off x="14805967" y="5401736"/>
             <a:ext cx="1654316" cy="1303452"/>
           </a:xfrm>
           <a:prstGeom prst="rect">
@@ -5512,7 +5872,7 @@
         </p:nvSpPr>
         <p:spPr>
           <a:xfrm>
-            <a:off x="12451158" y="3193784"/>
+            <a:off x="15092048" y="4401083"/>
             <a:ext cx="1084158" cy="766701"/>
           </a:xfrm>
           <a:prstGeom prst="rect">
@@ -5554,7 +5914,7 @@
         </p:nvCxnSpPr>
         <p:spPr>
           <a:xfrm flipV="1">
-            <a:off x="11329563" y="4361547"/>
+            <a:off x="13970453" y="5568846"/>
             <a:ext cx="735252" cy="1"/>
           </a:xfrm>
           <a:prstGeom prst="straightConnector1">
@@ -5587,7 +5947,7 @@
         </p:nvSpPr>
         <p:spPr>
           <a:xfrm>
-            <a:off x="15041252" y="4246572"/>
+            <a:off x="17682142" y="5453871"/>
             <a:ext cx="1886255" cy="933809"/>
           </a:xfrm>
           <a:prstGeom prst="ellipse">
@@ -5641,7 +6001,7 @@
         </p:nvSpPr>
         <p:spPr>
           <a:xfrm>
-            <a:off x="15043257" y="3128944"/>
+            <a:off x="17684147" y="4336243"/>
             <a:ext cx="1886255" cy="933809"/>
           </a:xfrm>
           <a:prstGeom prst="ellipse">
@@ -5699,7 +6059,7 @@
         </p:nvCxnSpPr>
         <p:spPr>
           <a:xfrm flipV="1">
-            <a:off x="13987671" y="4712476"/>
+            <a:off x="16628561" y="5919775"/>
             <a:ext cx="884471" cy="8294"/>
           </a:xfrm>
           <a:prstGeom prst="straightConnector1">
@@ -5732,7 +6092,7 @@
         </p:nvCxnSpPr>
         <p:spPr>
           <a:xfrm flipV="1">
-            <a:off x="13956256" y="3594847"/>
+            <a:off x="16597146" y="4802146"/>
             <a:ext cx="884471" cy="8294"/>
           </a:xfrm>
           <a:prstGeom prst="straightConnector1">
@@ -5765,7 +6125,7 @@
         </p:nvCxnSpPr>
         <p:spPr>
           <a:xfrm>
-            <a:off x="13974976" y="3755541"/>
+            <a:off x="16615866" y="4962840"/>
             <a:ext cx="830325" cy="739693"/>
           </a:xfrm>
           <a:prstGeom prst="straightConnector1">
@@ -5792,16 +6152,16 @@
       </p:cxnSp>
       <p:sp>
         <p:nvSpPr>
-          <p:cNvPr id="202" name="TextBox 201"/>
-          <p:cNvSpPr txBox="1"/>
+          <p:cNvPr id="208" name="Oval 207"/>
+          <p:cNvSpPr/>
           <p:nvPr/>
         </p:nvSpPr>
         <p:spPr>
           <a:xfrm>
-            <a:off x="-1" y="2060070"/>
-            <a:ext cx="6858000" cy="543733"/>
-          </a:xfrm>
-          <a:prstGeom prst="rect">
+            <a:off x="21725016" y="11491447"/>
+            <a:ext cx="1285423" cy="652671"/>
+          </a:xfrm>
+          <a:prstGeom prst="ellipse">
             <a:avLst/>
           </a:prstGeom>
         </p:spPr>
@@ -5820,35 +6180,62 @@
           </a:fontRef>
         </p:style>
         <p:txBody>
-          <a:bodyPr wrap="square" lIns="50795" tIns="25397" rIns="50795" bIns="25397" rtlCol="0">
-            <a:spAutoFit/>
-          </a:bodyPr>
-          <a:lstStyle/>
-          <a:p>
-            <a:r>
-              <a:rPr lang="en-US" sz="3200" b="1" dirty="0" smtClean="0">
-                <a:latin typeface="Helvetica"/>
-                <a:cs typeface="Helvetica"/>
-              </a:rPr>
-              <a:t>Introduction</a:t>
-            </a:r>
-            <a:endParaRPr lang="en-US" sz="3200" b="1" dirty="0">
-              <a:latin typeface="Helvetica"/>
-              <a:cs typeface="Helvetica"/>
-            </a:endParaRPr>
-          </a:p>
-        </p:txBody>
-      </p:sp>
-      <p:sp>
-        <p:nvSpPr>
-          <p:cNvPr id="204" name="TextBox 203"/>
-          <p:cNvSpPr txBox="1"/>
+          <a:bodyPr rtlCol="0" anchor="ctr"/>
+          <a:lstStyle/>
+          <a:p>
+            <a:pPr algn="ctr"/>
+            <a:r>
+              <a:rPr lang="en-US" sz="1800" dirty="0" smtClean="0"/>
+              <a:t>Sell at t=1?</a:t>
+            </a:r>
+            <a:endParaRPr lang="en-US" sz="1800" dirty="0"/>
+          </a:p>
+        </p:txBody>
+      </p:sp>
+      <p:cxnSp>
+        <p:nvCxnSpPr>
+          <p:cNvPr id="210" name="Straight Arrow Connector 209"/>
+          <p:cNvCxnSpPr/>
           <p:nvPr/>
-        </p:nvSpPr>
-        <p:spPr>
-          <a:xfrm>
-            <a:off x="6857999" y="2060070"/>
-            <a:ext cx="6858000" cy="543733"/>
+        </p:nvCxnSpPr>
+        <p:spPr>
+          <a:xfrm flipV="1">
+            <a:off x="23029668" y="11824777"/>
+            <a:ext cx="735252" cy="1"/>
+          </a:xfrm>
+          <a:prstGeom prst="straightConnector1">
+            <a:avLst/>
+          </a:prstGeom>
+          <a:ln>
+            <a:headEnd type="none"/>
+            <a:tailEnd type="none"/>
+          </a:ln>
+        </p:spPr>
+        <p:style>
+          <a:lnRef idx="1">
+            <a:schemeClr val="dk1"/>
+          </a:lnRef>
+          <a:fillRef idx="0">
+            <a:schemeClr val="dk1"/>
+          </a:fillRef>
+          <a:effectRef idx="0">
+            <a:schemeClr val="dk1"/>
+          </a:effectRef>
+          <a:fontRef idx="minor">
+            <a:schemeClr val="tx1"/>
+          </a:fontRef>
+        </p:style>
+      </p:cxnSp>
+      <p:sp>
+        <p:nvSpPr>
+          <p:cNvPr id="59" name="Rectangle 58"/>
+          <p:cNvSpPr/>
+          <p:nvPr/>
+        </p:nvSpPr>
+        <p:spPr>
+          <a:xfrm>
+            <a:off x="23294827" y="11720765"/>
+            <a:ext cx="194021" cy="194037"/>
           </a:xfrm>
           <a:prstGeom prst="rect">
             <a:avLst/>
@@ -5869,35 +6256,58 @@
           </a:fontRef>
         </p:style>
         <p:txBody>
-          <a:bodyPr wrap="square" lIns="50795" tIns="25397" rIns="50795" bIns="25397" rtlCol="0">
-            <a:spAutoFit/>
-          </a:bodyPr>
-          <a:lstStyle/>
-          <a:p>
-            <a:r>
-              <a:rPr lang="en-US" sz="3200" b="1" dirty="0" smtClean="0">
-                <a:latin typeface="Helvetica"/>
-                <a:cs typeface="Helvetica"/>
-              </a:rPr>
-              <a:t>Introduction</a:t>
-            </a:r>
-            <a:endParaRPr lang="en-US" sz="3200" b="1" dirty="0">
-              <a:latin typeface="Helvetica"/>
-              <a:cs typeface="Helvetica"/>
-            </a:endParaRPr>
-          </a:p>
-        </p:txBody>
-      </p:sp>
-      <p:sp>
-        <p:nvSpPr>
-          <p:cNvPr id="205" name="TextBox 204"/>
-          <p:cNvSpPr txBox="1"/>
+          <a:bodyPr rtlCol="0" anchor="ctr"/>
+          <a:lstStyle/>
+          <a:p>
+            <a:pPr algn="ctr"/>
+            <a:endParaRPr lang="en-US"/>
+          </a:p>
+        </p:txBody>
+      </p:sp>
+      <p:cxnSp>
+        <p:nvCxnSpPr>
+          <p:cNvPr id="211" name="Straight Arrow Connector 210"/>
+          <p:cNvCxnSpPr/>
           <p:nvPr/>
-        </p:nvSpPr>
-        <p:spPr>
-          <a:xfrm>
-            <a:off x="13715999" y="2060070"/>
-            <a:ext cx="6858000" cy="543733"/>
+        </p:nvCxnSpPr>
+        <p:spPr>
+          <a:xfrm flipV="1">
+            <a:off x="25051730" y="11650206"/>
+            <a:ext cx="465526" cy="185855"/>
+          </a:xfrm>
+          <a:prstGeom prst="straightConnector1">
+            <a:avLst/>
+          </a:prstGeom>
+          <a:ln>
+            <a:headEnd type="none"/>
+            <a:tailEnd type="none"/>
+          </a:ln>
+        </p:spPr>
+        <p:style>
+          <a:lnRef idx="1">
+            <a:schemeClr val="dk1"/>
+          </a:lnRef>
+          <a:fillRef idx="0">
+            <a:schemeClr val="dk1"/>
+          </a:fillRef>
+          <a:effectRef idx="0">
+            <a:schemeClr val="dk1"/>
+          </a:effectRef>
+          <a:fontRef idx="minor">
+            <a:schemeClr val="tx1"/>
+          </a:fontRef>
+        </p:style>
+      </p:cxnSp>
+      <p:sp>
+        <p:nvSpPr>
+          <p:cNvPr id="212" name="Rectangle 211"/>
+          <p:cNvSpPr/>
+          <p:nvPr/>
+        </p:nvSpPr>
+        <p:spPr>
+          <a:xfrm>
+            <a:off x="25457996" y="11502731"/>
+            <a:ext cx="194021" cy="194037"/>
           </a:xfrm>
           <a:prstGeom prst="rect">
             <a:avLst/>
@@ -5918,35 +6328,62 @@
           </a:fontRef>
         </p:style>
         <p:txBody>
-          <a:bodyPr wrap="square" lIns="50795" tIns="25397" rIns="50795" bIns="25397" rtlCol="0">
+          <a:bodyPr rtlCol="0" anchor="ctr"/>
+          <a:lstStyle/>
+          <a:p>
+            <a:pPr algn="ctr"/>
+            <a:endParaRPr lang="en-US"/>
+          </a:p>
+        </p:txBody>
+      </p:sp>
+      <p:sp>
+        <p:nvSpPr>
+          <p:cNvPr id="64" name="TextBox 63"/>
+          <p:cNvSpPr txBox="1"/>
+          <p:nvPr/>
+        </p:nvSpPr>
+        <p:spPr>
+          <a:xfrm>
+            <a:off x="25764192" y="10979895"/>
+            <a:ext cx="1463981" cy="923330"/>
+          </a:xfrm>
+          <a:prstGeom prst="rect">
+            <a:avLst/>
+          </a:prstGeom>
+          <a:noFill/>
+        </p:spPr>
+        <p:txBody>
+          <a:bodyPr wrap="square" rtlCol="0">
             <a:spAutoFit/>
           </a:bodyPr>
           <a:lstStyle/>
           <a:p>
             <a:r>
-              <a:rPr lang="en-US" sz="3200" b="1" dirty="0" smtClean="0">
-                <a:latin typeface="Helvetica"/>
-                <a:cs typeface="Helvetica"/>
-              </a:rPr>
-              <a:t>Introduction</a:t>
-            </a:r>
-            <a:endParaRPr lang="en-US" sz="3200" b="1" dirty="0">
-              <a:latin typeface="Helvetica"/>
-              <a:cs typeface="Helvetica"/>
-            </a:endParaRPr>
-          </a:p>
-        </p:txBody>
-      </p:sp>
-      <p:sp>
-        <p:nvSpPr>
-          <p:cNvPr id="206" name="TextBox 205"/>
-          <p:cNvSpPr txBox="1"/>
+              <a:rPr lang="en-US" sz="1800" dirty="0" smtClean="0"/>
+              <a:t>Sum &lt;= </a:t>
+            </a:r>
+            <a:r>
+              <a:rPr lang="en-US" sz="1800" dirty="0" err="1" smtClean="0"/>
+              <a:t>bitcoins</a:t>
+            </a:r>
+            <a:r>
+              <a:rPr lang="en-US" sz="1800" dirty="0" smtClean="0"/>
+              <a:t> in wallet</a:t>
+            </a:r>
+            <a:endParaRPr lang="en-US" sz="1800" dirty="0"/>
+          </a:p>
+        </p:txBody>
+      </p:sp>
+      <p:sp>
+        <p:nvSpPr>
+          <p:cNvPr id="213" name="Rectangle 212"/>
+          <p:cNvSpPr/>
           <p:nvPr/>
         </p:nvSpPr>
         <p:spPr>
           <a:xfrm>
-            <a:off x="20574000" y="2060070"/>
-            <a:ext cx="6858000" cy="543733"/>
+            <a:off x="22312031" y="11020101"/>
+            <a:ext cx="194021" cy="194037"/>
           </a:xfrm>
           <a:prstGeom prst="rect">
             <a:avLst/>
@@ -5967,6 +6404,500 @@
           </a:fontRef>
         </p:style>
         <p:txBody>
+          <a:bodyPr rtlCol="0" anchor="ctr"/>
+          <a:lstStyle/>
+          <a:p>
+            <a:pPr algn="ctr"/>
+            <a:endParaRPr lang="en-US"/>
+          </a:p>
+        </p:txBody>
+      </p:sp>
+      <p:sp>
+        <p:nvSpPr>
+          <p:cNvPr id="214" name="Rectangle 213"/>
+          <p:cNvSpPr/>
+          <p:nvPr/>
+        </p:nvSpPr>
+        <p:spPr>
+          <a:xfrm>
+            <a:off x="24340436" y="10984821"/>
+            <a:ext cx="194021" cy="194037"/>
+          </a:xfrm>
+          <a:prstGeom prst="rect">
+            <a:avLst/>
+          </a:prstGeom>
+        </p:spPr>
+        <p:style>
+          <a:lnRef idx="2">
+            <a:schemeClr val="dk1"/>
+          </a:lnRef>
+          <a:fillRef idx="1">
+            <a:schemeClr val="lt1"/>
+          </a:fillRef>
+          <a:effectRef idx="0">
+            <a:schemeClr val="dk1"/>
+          </a:effectRef>
+          <a:fontRef idx="minor">
+            <a:schemeClr val="dk1"/>
+          </a:fontRef>
+        </p:style>
+        <p:txBody>
+          <a:bodyPr rtlCol="0" anchor="ctr"/>
+          <a:lstStyle/>
+          <a:p>
+            <a:pPr algn="ctr"/>
+            <a:endParaRPr lang="en-US"/>
+          </a:p>
+        </p:txBody>
+      </p:sp>
+      <p:cxnSp>
+        <p:nvCxnSpPr>
+          <p:cNvPr id="215" name="Straight Arrow Connector 214"/>
+          <p:cNvCxnSpPr/>
+          <p:nvPr/>
+        </p:nvCxnSpPr>
+        <p:spPr>
+          <a:xfrm flipV="1">
+            <a:off x="22412911" y="11226852"/>
+            <a:ext cx="0" cy="246956"/>
+          </a:xfrm>
+          <a:prstGeom prst="straightConnector1">
+            <a:avLst/>
+          </a:prstGeom>
+          <a:ln>
+            <a:headEnd type="none"/>
+            <a:tailEnd type="none"/>
+          </a:ln>
+        </p:spPr>
+        <p:style>
+          <a:lnRef idx="1">
+            <a:schemeClr val="dk1"/>
+          </a:lnRef>
+          <a:fillRef idx="0">
+            <a:schemeClr val="dk1"/>
+          </a:fillRef>
+          <a:effectRef idx="0">
+            <a:schemeClr val="dk1"/>
+          </a:effectRef>
+          <a:fontRef idx="minor">
+            <a:schemeClr val="tx1"/>
+          </a:fontRef>
+        </p:style>
+      </p:cxnSp>
+      <p:cxnSp>
+        <p:nvCxnSpPr>
+          <p:cNvPr id="216" name="Straight Arrow Connector 215"/>
+          <p:cNvCxnSpPr/>
+          <p:nvPr/>
+        </p:nvCxnSpPr>
+        <p:spPr>
+          <a:xfrm flipH="1" flipV="1">
+            <a:off x="24434973" y="11185215"/>
+            <a:ext cx="4365" cy="267697"/>
+          </a:xfrm>
+          <a:prstGeom prst="straightConnector1">
+            <a:avLst/>
+          </a:prstGeom>
+          <a:ln>
+            <a:headEnd type="none"/>
+            <a:tailEnd type="none"/>
+          </a:ln>
+        </p:spPr>
+        <p:style>
+          <a:lnRef idx="1">
+            <a:schemeClr val="dk1"/>
+          </a:lnRef>
+          <a:fillRef idx="0">
+            <a:schemeClr val="dk1"/>
+          </a:fillRef>
+          <a:effectRef idx="0">
+            <a:schemeClr val="dk1"/>
+          </a:effectRef>
+          <a:fontRef idx="minor">
+            <a:schemeClr val="tx1"/>
+          </a:fontRef>
+        </p:style>
+      </p:cxnSp>
+      <p:cxnSp>
+        <p:nvCxnSpPr>
+          <p:cNvPr id="217" name="Straight Arrow Connector 216"/>
+          <p:cNvCxnSpPr/>
+          <p:nvPr/>
+        </p:nvCxnSpPr>
+        <p:spPr>
+          <a:xfrm flipH="1" flipV="1">
+            <a:off x="24428628" y="12166682"/>
+            <a:ext cx="4365" cy="267697"/>
+          </a:xfrm>
+          <a:prstGeom prst="straightConnector1">
+            <a:avLst/>
+          </a:prstGeom>
+          <a:ln>
+            <a:headEnd type="none"/>
+            <a:tailEnd type="none"/>
+          </a:ln>
+        </p:spPr>
+        <p:style>
+          <a:lnRef idx="1">
+            <a:schemeClr val="dk1"/>
+          </a:lnRef>
+          <a:fillRef idx="0">
+            <a:schemeClr val="dk1"/>
+          </a:fillRef>
+          <a:effectRef idx="0">
+            <a:schemeClr val="dk1"/>
+          </a:effectRef>
+          <a:fontRef idx="minor">
+            <a:schemeClr val="tx1"/>
+          </a:fontRef>
+        </p:style>
+      </p:cxnSp>
+      <p:sp>
+        <p:nvSpPr>
+          <p:cNvPr id="218" name="Rectangle 217"/>
+          <p:cNvSpPr/>
+          <p:nvPr/>
+        </p:nvSpPr>
+        <p:spPr>
+          <a:xfrm>
+            <a:off x="24334091" y="12460202"/>
+            <a:ext cx="194021" cy="194037"/>
+          </a:xfrm>
+          <a:prstGeom prst="rect">
+            <a:avLst/>
+          </a:prstGeom>
+        </p:spPr>
+        <p:style>
+          <a:lnRef idx="2">
+            <a:schemeClr val="dk1"/>
+          </a:lnRef>
+          <a:fillRef idx="1">
+            <a:schemeClr val="lt1"/>
+          </a:fillRef>
+          <a:effectRef idx="0">
+            <a:schemeClr val="dk1"/>
+          </a:effectRef>
+          <a:fontRef idx="minor">
+            <a:schemeClr val="dk1"/>
+          </a:fontRef>
+        </p:style>
+        <p:txBody>
+          <a:bodyPr rtlCol="0" anchor="ctr"/>
+          <a:lstStyle/>
+          <a:p>
+            <a:pPr algn="ctr"/>
+            <a:endParaRPr lang="en-US"/>
+          </a:p>
+        </p:txBody>
+      </p:sp>
+      <p:cxnSp>
+        <p:nvCxnSpPr>
+          <p:cNvPr id="219" name="Straight Arrow Connector 218"/>
+          <p:cNvCxnSpPr/>
+          <p:nvPr/>
+        </p:nvCxnSpPr>
+        <p:spPr>
+          <a:xfrm flipH="1" flipV="1">
+            <a:off x="22393875" y="12160324"/>
+            <a:ext cx="4365" cy="267697"/>
+          </a:xfrm>
+          <a:prstGeom prst="straightConnector1">
+            <a:avLst/>
+          </a:prstGeom>
+          <a:ln>
+            <a:headEnd type="none"/>
+            <a:tailEnd type="none"/>
+          </a:ln>
+        </p:spPr>
+        <p:style>
+          <a:lnRef idx="1">
+            <a:schemeClr val="dk1"/>
+          </a:lnRef>
+          <a:fillRef idx="0">
+            <a:schemeClr val="dk1"/>
+          </a:fillRef>
+          <a:effectRef idx="0">
+            <a:schemeClr val="dk1"/>
+          </a:effectRef>
+          <a:fontRef idx="minor">
+            <a:schemeClr val="tx1"/>
+          </a:fontRef>
+        </p:style>
+      </p:cxnSp>
+      <p:sp>
+        <p:nvSpPr>
+          <p:cNvPr id="220" name="Rectangle 219"/>
+          <p:cNvSpPr/>
+          <p:nvPr/>
+        </p:nvSpPr>
+        <p:spPr>
+          <a:xfrm>
+            <a:off x="22299340" y="12453844"/>
+            <a:ext cx="194021" cy="194037"/>
+          </a:xfrm>
+          <a:prstGeom prst="rect">
+            <a:avLst/>
+          </a:prstGeom>
+        </p:spPr>
+        <p:style>
+          <a:lnRef idx="2">
+            <a:schemeClr val="dk1"/>
+          </a:lnRef>
+          <a:fillRef idx="1">
+            <a:schemeClr val="lt1"/>
+          </a:fillRef>
+          <a:effectRef idx="0">
+            <a:schemeClr val="dk1"/>
+          </a:effectRef>
+          <a:fontRef idx="minor">
+            <a:schemeClr val="dk1"/>
+          </a:fontRef>
+        </p:style>
+        <p:txBody>
+          <a:bodyPr rtlCol="0" anchor="ctr"/>
+          <a:lstStyle/>
+          <a:p>
+            <a:pPr algn="ctr"/>
+            <a:endParaRPr lang="en-US"/>
+          </a:p>
+        </p:txBody>
+      </p:sp>
+      <p:sp>
+        <p:nvSpPr>
+          <p:cNvPr id="221" name="TextBox 220"/>
+          <p:cNvSpPr txBox="1"/>
+          <p:nvPr/>
+        </p:nvSpPr>
+        <p:spPr>
+          <a:xfrm>
+            <a:off x="21048414" y="10444345"/>
+            <a:ext cx="2616817" cy="369332"/>
+          </a:xfrm>
+          <a:prstGeom prst="rect">
+            <a:avLst/>
+          </a:prstGeom>
+          <a:noFill/>
+        </p:spPr>
+        <p:txBody>
+          <a:bodyPr wrap="square" rtlCol="0">
+            <a:spAutoFit/>
+          </a:bodyPr>
+          <a:lstStyle/>
+          <a:p>
+            <a:r>
+              <a:rPr lang="en-US" sz="1800" dirty="0" smtClean="0"/>
+              <a:t>Max(predicted profit,1)</a:t>
+            </a:r>
+            <a:endParaRPr lang="en-US" sz="1800" dirty="0"/>
+          </a:p>
+        </p:txBody>
+      </p:sp>
+      <p:sp>
+        <p:nvSpPr>
+          <p:cNvPr id="222" name="TextBox 221"/>
+          <p:cNvSpPr txBox="1"/>
+          <p:nvPr/>
+        </p:nvSpPr>
+        <p:spPr>
+          <a:xfrm>
+            <a:off x="23458520" y="10473266"/>
+            <a:ext cx="1463981" cy="369332"/>
+          </a:xfrm>
+          <a:prstGeom prst="rect">
+            <a:avLst/>
+          </a:prstGeom>
+          <a:noFill/>
+        </p:spPr>
+        <p:txBody>
+          <a:bodyPr wrap="square" rtlCol="0">
+            <a:spAutoFit/>
+          </a:bodyPr>
+          <a:lstStyle/>
+          <a:p>
+            <a:r>
+              <a:rPr lang="en-US" sz="1800" dirty="0" smtClean="0"/>
+              <a:t>Max(profit,1)</a:t>
+            </a:r>
+            <a:endParaRPr lang="en-US" sz="1800" dirty="0"/>
+          </a:p>
+        </p:txBody>
+      </p:sp>
+      <p:sp>
+        <p:nvSpPr>
+          <p:cNvPr id="223" name="TextBox 222"/>
+          <p:cNvSpPr txBox="1"/>
+          <p:nvPr/>
+        </p:nvSpPr>
+        <p:spPr>
+          <a:xfrm>
+            <a:off x="21388491" y="12583677"/>
+            <a:ext cx="1463981" cy="369332"/>
+          </a:xfrm>
+          <a:prstGeom prst="rect">
+            <a:avLst/>
+          </a:prstGeom>
+          <a:noFill/>
+        </p:spPr>
+        <p:txBody>
+          <a:bodyPr wrap="square" rtlCol="0">
+            <a:spAutoFit/>
+          </a:bodyPr>
+          <a:lstStyle/>
+          <a:p>
+            <a:r>
+              <a:rPr lang="en-US" sz="1800" dirty="0" smtClean="0"/>
+              <a:t>1/log(i+1)</a:t>
+            </a:r>
+            <a:endParaRPr lang="en-US" sz="1800" dirty="0"/>
+          </a:p>
+        </p:txBody>
+      </p:sp>
+      <p:sp>
+        <p:nvSpPr>
+          <p:cNvPr id="224" name="Oval 223"/>
+          <p:cNvSpPr/>
+          <p:nvPr/>
+        </p:nvSpPr>
+        <p:spPr>
+          <a:xfrm>
+            <a:off x="23782355" y="11502729"/>
+            <a:ext cx="1285423" cy="652671"/>
+          </a:xfrm>
+          <a:prstGeom prst="ellipse">
+            <a:avLst/>
+          </a:prstGeom>
+        </p:spPr>
+        <p:style>
+          <a:lnRef idx="2">
+            <a:schemeClr val="dk1"/>
+          </a:lnRef>
+          <a:fillRef idx="1">
+            <a:schemeClr val="lt1"/>
+          </a:fillRef>
+          <a:effectRef idx="0">
+            <a:schemeClr val="dk1"/>
+          </a:effectRef>
+          <a:fontRef idx="minor">
+            <a:schemeClr val="dk1"/>
+          </a:fontRef>
+        </p:style>
+        <p:txBody>
+          <a:bodyPr rtlCol="0" anchor="ctr"/>
+          <a:lstStyle/>
+          <a:p>
+            <a:pPr algn="ctr"/>
+            <a:r>
+              <a:rPr lang="en-US" sz="1800" dirty="0" smtClean="0"/>
+              <a:t>Sell at t=2?</a:t>
+            </a:r>
+            <a:endParaRPr lang="en-US" sz="1800" dirty="0"/>
+          </a:p>
+        </p:txBody>
+      </p:sp>
+      <p:sp>
+        <p:nvSpPr>
+          <p:cNvPr id="225" name="TextBox 224"/>
+          <p:cNvSpPr txBox="1"/>
+          <p:nvPr/>
+        </p:nvSpPr>
+        <p:spPr>
+          <a:xfrm>
+            <a:off x="23322360" y="12559678"/>
+            <a:ext cx="1463981" cy="369332"/>
+          </a:xfrm>
+          <a:prstGeom prst="rect">
+            <a:avLst/>
+          </a:prstGeom>
+          <a:noFill/>
+        </p:spPr>
+        <p:txBody>
+          <a:bodyPr wrap="square" rtlCol="0">
+            <a:spAutoFit/>
+          </a:bodyPr>
+          <a:lstStyle/>
+          <a:p>
+            <a:r>
+              <a:rPr lang="en-US" sz="1800" dirty="0" smtClean="0"/>
+              <a:t>1/log(i+1)</a:t>
+            </a:r>
+            <a:endParaRPr lang="en-US" sz="1800" dirty="0"/>
+          </a:p>
+        </p:txBody>
+      </p:sp>
+      <p:pic>
+        <p:nvPicPr>
+          <p:cNvPr id="231" name="Picture 230" descr="goal.png"/>
+          <p:cNvPicPr>
+            <a:picLocks noChangeAspect="1"/>
+          </p:cNvPicPr>
+          <p:nvPr/>
+        </p:nvPicPr>
+        <p:blipFill>
+          <a:blip r:embed="rId7">
+            <a:extLst>
+              <a:ext uri="{28A0092B-C50C-407E-A947-70E740481C1C}">
+                <a14:useLocalDpi xmlns:a14="http://schemas.microsoft.com/office/drawing/2010/main" val="0"/>
+              </a:ext>
+            </a:extLst>
+          </a:blip>
+          <a:stretch>
+            <a:fillRect/>
+          </a:stretch>
+        </p:blipFill>
+        <p:spPr>
+          <a:xfrm>
+            <a:off x="7550440" y="3712596"/>
+            <a:ext cx="4020671" cy="3567146"/>
+          </a:xfrm>
+          <a:prstGeom prst="rect">
+            <a:avLst/>
+          </a:prstGeom>
+        </p:spPr>
+      </p:pic>
+      <p:pic>
+        <p:nvPicPr>
+          <p:cNvPr id="230" name="Picture 229"/>
+          <p:cNvPicPr>
+            <a:picLocks noChangeAspect="1"/>
+          </p:cNvPicPr>
+          <p:nvPr/>
+        </p:nvPicPr>
+        <p:blipFill>
+          <a:blip r:embed="rId8"/>
+          <a:stretch>
+            <a:fillRect/>
+          </a:stretch>
+        </p:blipFill>
+        <p:spPr>
+          <a:xfrm>
+            <a:off x="9173939" y="4247989"/>
+            <a:ext cx="2005707" cy="479626"/>
+          </a:xfrm>
+          <a:prstGeom prst="rect">
+            <a:avLst/>
+          </a:prstGeom>
+        </p:spPr>
+      </p:pic>
+      <p:sp>
+        <p:nvSpPr>
+          <p:cNvPr id="234" name="TextBox 233"/>
+          <p:cNvSpPr txBox="1"/>
+          <p:nvPr/>
+        </p:nvSpPr>
+        <p:spPr>
+          <a:xfrm>
+            <a:off x="20398283" y="13106212"/>
+            <a:ext cx="6667313" cy="543733"/>
+          </a:xfrm>
+          <a:prstGeom prst="rect">
+            <a:avLst/>
+          </a:prstGeom>
+          <a:noFill/>
+          <a:effectLst>
+            <a:softEdge rad="31750"/>
+          </a:effectLst>
+        </p:spPr>
+        <p:txBody>
           <a:bodyPr wrap="square" lIns="50795" tIns="25397" rIns="50795" bIns="25397" rtlCol="0">
             <a:spAutoFit/>
           </a:bodyPr>
@@ -5977,12 +6908,428 @@
                 <a:latin typeface="Helvetica"/>
                 <a:cs typeface="Helvetica"/>
               </a:rPr>
-              <a:t>Introduction</a:t>
+              <a:t>Future work</a:t>
             </a:r>
             <a:endParaRPr lang="en-US" sz="3200" b="1" dirty="0">
               <a:latin typeface="Helvetica"/>
               <a:cs typeface="Helvetica"/>
             </a:endParaRPr>
+          </a:p>
+        </p:txBody>
+      </p:sp>
+      <p:sp>
+        <p:nvSpPr>
+          <p:cNvPr id="235" name="Rectangle 234"/>
+          <p:cNvSpPr/>
+          <p:nvPr/>
+        </p:nvSpPr>
+        <p:spPr>
+          <a:xfrm>
+            <a:off x="20334039" y="13724171"/>
+            <a:ext cx="6858000" cy="45720"/>
+          </a:xfrm>
+          <a:prstGeom prst="rect">
+            <a:avLst/>
+          </a:prstGeom>
+          <a:solidFill>
+            <a:schemeClr val="accent2">
+              <a:lumMod val="75000"/>
+            </a:schemeClr>
+          </a:solidFill>
+          <a:ln>
+            <a:noFill/>
+          </a:ln>
+          <a:effectLst>
+            <a:softEdge rad="12700"/>
+          </a:effectLst>
+        </p:spPr>
+        <p:style>
+          <a:lnRef idx="2">
+            <a:schemeClr val="accent1">
+              <a:shade val="50000"/>
+            </a:schemeClr>
+          </a:lnRef>
+          <a:fillRef idx="1">
+            <a:schemeClr val="accent1"/>
+          </a:fillRef>
+          <a:effectRef idx="0">
+            <a:schemeClr val="accent1"/>
+          </a:effectRef>
+          <a:fontRef idx="minor">
+            <a:schemeClr val="lt1"/>
+          </a:fontRef>
+        </p:style>
+        <p:txBody>
+          <a:bodyPr lIns="50795" tIns="25397" rIns="50795" bIns="25397" rtlCol="0" anchor="ctr"/>
+          <a:lstStyle/>
+          <a:p>
+            <a:pPr algn="ctr"/>
+            <a:endParaRPr lang="en-US" sz="5300">
+              <a:latin typeface="Helvetica"/>
+              <a:cs typeface="Helvetica"/>
+            </a:endParaRPr>
+          </a:p>
+        </p:txBody>
+      </p:sp>
+      <p:pic>
+        <p:nvPicPr>
+          <p:cNvPr id="238" name="Picture 237" descr="accuracy.png"/>
+          <p:cNvPicPr>
+            <a:picLocks noChangeAspect="1"/>
+          </p:cNvPicPr>
+          <p:nvPr/>
+        </p:nvPicPr>
+        <p:blipFill rotWithShape="1">
+          <a:blip r:embed="rId9">
+            <a:extLst>
+              <a:ext uri="{28A0092B-C50C-407E-A947-70E740481C1C}">
+                <a14:useLocalDpi xmlns:a14="http://schemas.microsoft.com/office/drawing/2010/main" val="0"/>
+              </a:ext>
+            </a:extLst>
+          </a:blip>
+          <a:srcRect b="10014"/>
+          <a:stretch/>
+        </p:blipFill>
+        <p:spPr>
+          <a:xfrm>
+            <a:off x="8151732" y="13637584"/>
+            <a:ext cx="5749878" cy="3459830"/>
+          </a:xfrm>
+          <a:prstGeom prst="rect">
+            <a:avLst/>
+          </a:prstGeom>
+        </p:spPr>
+      </p:pic>
+      <p:pic>
+        <p:nvPicPr>
+          <p:cNvPr id="250" name="Picture 249" descr="svm_actualvpredprice.png"/>
+          <p:cNvPicPr>
+            <a:picLocks noChangeAspect="1"/>
+          </p:cNvPicPr>
+          <p:nvPr/>
+        </p:nvPicPr>
+        <p:blipFill>
+          <a:blip r:embed="rId10">
+            <a:extLst>
+              <a:ext uri="{28A0092B-C50C-407E-A947-70E740481C1C}">
+                <a14:useLocalDpi xmlns:a14="http://schemas.microsoft.com/office/drawing/2010/main" val="0"/>
+              </a:ext>
+            </a:extLst>
+          </a:blip>
+          <a:stretch>
+            <a:fillRect/>
+          </a:stretch>
+        </p:blipFill>
+        <p:spPr>
+          <a:xfrm>
+            <a:off x="14047002" y="13466735"/>
+            <a:ext cx="5957998" cy="4468499"/>
+          </a:xfrm>
+          <a:prstGeom prst="rect">
+            <a:avLst/>
+          </a:prstGeom>
+        </p:spPr>
+      </p:pic>
+      <p:pic>
+        <p:nvPicPr>
+          <p:cNvPr id="251" name="Picture 250" descr="svm_actualvpred_percentchange.png"/>
+          <p:cNvPicPr>
+            <a:picLocks noChangeAspect="1"/>
+          </p:cNvPicPr>
+          <p:nvPr/>
+        </p:nvPicPr>
+        <p:blipFill rotWithShape="1">
+          <a:blip r:embed="rId11">
+            <a:extLst>
+              <a:ext uri="{28A0092B-C50C-407E-A947-70E740481C1C}">
+                <a14:useLocalDpi xmlns:a14="http://schemas.microsoft.com/office/drawing/2010/main" val="0"/>
+              </a:ext>
+            </a:extLst>
+          </a:blip>
+          <a:srcRect t="5218" r="3892" b="49169"/>
+          <a:stretch/>
+        </p:blipFill>
+        <p:spPr>
+          <a:xfrm>
+            <a:off x="7575050" y="10943847"/>
+            <a:ext cx="6750291" cy="2402796"/>
+          </a:xfrm>
+          <a:prstGeom prst="rect">
+            <a:avLst/>
+          </a:prstGeom>
+        </p:spPr>
+      </p:pic>
+      <p:pic>
+        <p:nvPicPr>
+          <p:cNvPr id="252" name="Picture 251" descr="nn_percentchange_error.png"/>
+          <p:cNvPicPr>
+            <a:picLocks noChangeAspect="1"/>
+          </p:cNvPicPr>
+          <p:nvPr/>
+        </p:nvPicPr>
+        <p:blipFill rotWithShape="1">
+          <a:blip r:embed="rId12">
+            <a:extLst>
+              <a:ext uri="{28A0092B-C50C-407E-A947-70E740481C1C}">
+                <a14:useLocalDpi xmlns:a14="http://schemas.microsoft.com/office/drawing/2010/main" val="0"/>
+              </a:ext>
+            </a:extLst>
+          </a:blip>
+          <a:srcRect t="5903" b="44060"/>
+          <a:stretch/>
+        </p:blipFill>
+        <p:spPr>
+          <a:xfrm>
+            <a:off x="14188731" y="11111926"/>
+            <a:ext cx="6314713" cy="2369831"/>
+          </a:xfrm>
+          <a:prstGeom prst="rect">
+            <a:avLst/>
+          </a:prstGeom>
+        </p:spPr>
+      </p:pic>
+      <p:sp>
+        <p:nvSpPr>
+          <p:cNvPr id="255" name="TextBox 254"/>
+          <p:cNvSpPr txBox="1"/>
+          <p:nvPr/>
+        </p:nvSpPr>
+        <p:spPr>
+          <a:xfrm>
+            <a:off x="20356687" y="13890942"/>
+            <a:ext cx="6782705" cy="2246769"/>
+          </a:xfrm>
+          <a:prstGeom prst="rect">
+            <a:avLst/>
+          </a:prstGeom>
+          <a:noFill/>
+        </p:spPr>
+        <p:txBody>
+          <a:bodyPr wrap="square" rtlCol="0">
+            <a:spAutoFit/>
+          </a:bodyPr>
+          <a:lstStyle/>
+          <a:p>
+            <a:pPr marL="457200" indent="-457200">
+              <a:buFont typeface="Arial"/>
+              <a:buChar char="•"/>
+            </a:pPr>
+            <a:r>
+              <a:rPr lang="en-US" sz="2000" dirty="0" smtClean="0">
+                <a:latin typeface="Helvetica"/>
+                <a:cs typeface="Helvetica"/>
+              </a:rPr>
+              <a:t>Take the second derivative of price in order to predict its first derivative. </a:t>
+            </a:r>
+          </a:p>
+          <a:p>
+            <a:pPr marL="457200" indent="-457200">
+              <a:buFont typeface="Arial"/>
+              <a:buChar char="•"/>
+            </a:pPr>
+            <a:r>
+              <a:rPr lang="en-US" sz="2000" dirty="0" smtClean="0">
+                <a:latin typeface="Helvetica"/>
+                <a:cs typeface="Helvetica"/>
+              </a:rPr>
+              <a:t>Use a binary classifier to predict negative or positive changes. </a:t>
+            </a:r>
+          </a:p>
+          <a:p>
+            <a:pPr marL="457200" indent="-457200">
+              <a:buFont typeface="Arial"/>
+              <a:buChar char="•"/>
+            </a:pPr>
+            <a:r>
+              <a:rPr lang="en-US" sz="2000" dirty="0" smtClean="0">
+                <a:latin typeface="Helvetica"/>
+                <a:cs typeface="Helvetica"/>
+              </a:rPr>
+              <a:t>Include more non-price data; continue searching for granular data. </a:t>
+            </a:r>
+          </a:p>
+          <a:p>
+            <a:pPr marL="457200" indent="-457200">
+              <a:buFont typeface="Arial"/>
+              <a:buChar char="•"/>
+            </a:pPr>
+            <a:r>
+              <a:rPr lang="en-US" sz="2000" dirty="0" smtClean="0">
+                <a:latin typeface="Helvetica"/>
+                <a:cs typeface="Helvetica"/>
+              </a:rPr>
+              <a:t>Integrate with </a:t>
+            </a:r>
+            <a:r>
+              <a:rPr lang="en-US" sz="2000" dirty="0" err="1" smtClean="0">
+                <a:latin typeface="Helvetica"/>
+                <a:cs typeface="Helvetica"/>
+              </a:rPr>
+              <a:t>Bitcoin</a:t>
+            </a:r>
+            <a:r>
+              <a:rPr lang="en-US" sz="2000" dirty="0" smtClean="0">
+                <a:latin typeface="Helvetica"/>
+                <a:cs typeface="Helvetica"/>
+              </a:rPr>
+              <a:t> trading APIs to create bot</a:t>
+            </a:r>
+          </a:p>
+        </p:txBody>
+      </p:sp>
+      <p:sp>
+        <p:nvSpPr>
+          <p:cNvPr id="256" name="TextBox 255"/>
+          <p:cNvSpPr txBox="1"/>
+          <p:nvPr/>
+        </p:nvSpPr>
+        <p:spPr>
+          <a:xfrm>
+            <a:off x="205284" y="14489090"/>
+            <a:ext cx="6667313" cy="543733"/>
+          </a:xfrm>
+          <a:prstGeom prst="rect">
+            <a:avLst/>
+          </a:prstGeom>
+          <a:noFill/>
+          <a:effectLst>
+            <a:softEdge rad="31750"/>
+          </a:effectLst>
+        </p:spPr>
+        <p:txBody>
+          <a:bodyPr wrap="square" lIns="50795" tIns="25397" rIns="50795" bIns="25397" rtlCol="0">
+            <a:spAutoFit/>
+          </a:bodyPr>
+          <a:lstStyle/>
+          <a:p>
+            <a:r>
+              <a:rPr lang="en-US" sz="3200" b="1" dirty="0" smtClean="0">
+                <a:latin typeface="Helvetica"/>
+                <a:cs typeface="Helvetica"/>
+              </a:rPr>
+              <a:t>Analysis</a:t>
+            </a:r>
+            <a:endParaRPr lang="en-US" sz="3200" b="1" dirty="0">
+              <a:latin typeface="Helvetica"/>
+              <a:cs typeface="Helvetica"/>
+            </a:endParaRPr>
+          </a:p>
+        </p:txBody>
+      </p:sp>
+      <p:sp>
+        <p:nvSpPr>
+          <p:cNvPr id="257" name="Rectangle 256"/>
+          <p:cNvSpPr/>
+          <p:nvPr/>
+        </p:nvSpPr>
+        <p:spPr>
+          <a:xfrm>
+            <a:off x="141040" y="15107049"/>
+            <a:ext cx="6858000" cy="45720"/>
+          </a:xfrm>
+          <a:prstGeom prst="rect">
+            <a:avLst/>
+          </a:prstGeom>
+          <a:solidFill>
+            <a:schemeClr val="accent2">
+              <a:lumMod val="75000"/>
+            </a:schemeClr>
+          </a:solidFill>
+          <a:ln>
+            <a:noFill/>
+          </a:ln>
+          <a:effectLst>
+            <a:softEdge rad="12700"/>
+          </a:effectLst>
+        </p:spPr>
+        <p:style>
+          <a:lnRef idx="2">
+            <a:schemeClr val="accent1">
+              <a:shade val="50000"/>
+            </a:schemeClr>
+          </a:lnRef>
+          <a:fillRef idx="1">
+            <a:schemeClr val="accent1"/>
+          </a:fillRef>
+          <a:effectRef idx="0">
+            <a:schemeClr val="accent1"/>
+          </a:effectRef>
+          <a:fontRef idx="minor">
+            <a:schemeClr val="lt1"/>
+          </a:fontRef>
+        </p:style>
+        <p:txBody>
+          <a:bodyPr lIns="50795" tIns="25397" rIns="50795" bIns="25397" rtlCol="0" anchor="ctr"/>
+          <a:lstStyle/>
+          <a:p>
+            <a:pPr algn="ctr"/>
+            <a:endParaRPr lang="en-US" sz="5300">
+              <a:latin typeface="Helvetica"/>
+              <a:cs typeface="Helvetica"/>
+            </a:endParaRPr>
+          </a:p>
+        </p:txBody>
+      </p:sp>
+      <p:sp>
+        <p:nvSpPr>
+          <p:cNvPr id="258" name="TextBox 257"/>
+          <p:cNvSpPr txBox="1"/>
+          <p:nvPr/>
+        </p:nvSpPr>
+        <p:spPr>
+          <a:xfrm>
+            <a:off x="251173" y="15220128"/>
+            <a:ext cx="6773335" cy="1323439"/>
+          </a:xfrm>
+          <a:prstGeom prst="rect">
+            <a:avLst/>
+          </a:prstGeom>
+          <a:noFill/>
+        </p:spPr>
+        <p:txBody>
+          <a:bodyPr wrap="square" rtlCol="0">
+            <a:spAutoFit/>
+          </a:bodyPr>
+          <a:lstStyle/>
+          <a:p>
+            <a:pPr marL="457200" indent="-457200">
+              <a:buFont typeface="Arial"/>
+              <a:buChar char="•"/>
+            </a:pPr>
+            <a:r>
+              <a:rPr lang="en-US" sz="2000" dirty="0" smtClean="0">
+                <a:latin typeface="Helvetica"/>
+                <a:cs typeface="Helvetica"/>
+              </a:rPr>
+              <a:t>Price prediction continues to be the most difficult and most important aspect of </a:t>
+            </a:r>
+            <a:r>
+              <a:rPr lang="en-US" sz="2000" dirty="0" err="1" smtClean="0">
+                <a:latin typeface="Helvetica"/>
+                <a:cs typeface="Helvetica"/>
+              </a:rPr>
+              <a:t>bitcoin</a:t>
+            </a:r>
+            <a:r>
+              <a:rPr lang="en-US" sz="2000" dirty="0" smtClean="0">
+                <a:latin typeface="Helvetica"/>
+                <a:cs typeface="Helvetica"/>
+              </a:rPr>
+              <a:t> bot creation</a:t>
+            </a:r>
+          </a:p>
+          <a:p>
+            <a:pPr marL="457200" indent="-457200">
+              <a:buFont typeface="Arial"/>
+              <a:buChar char="•"/>
+            </a:pPr>
+            <a:r>
+              <a:rPr lang="en-US" sz="2000" dirty="0" smtClean="0">
+                <a:latin typeface="Helvetica"/>
+                <a:cs typeface="Helvetica"/>
+              </a:rPr>
+              <a:t>CSP chooses the optimal action given perfect price predictions</a:t>
+            </a:r>
           </a:p>
         </p:txBody>
       </p:sp>

--- a/poster/poster.pptx
+++ b/poster/poster.pptx
@@ -192,7 +192,7 @@
           <a:p>
             <a:fld id="{7B0E8FA9-8B5F-4493-A208-FBBD06A1EBF4}" type="datetimeFigureOut">
               <a:rPr lang="en-US" smtClean="0"/>
-              <a:t>12/2/14</a:t>
+              <a:t>12/3/14</a:t>
             </a:fld>
             <a:endParaRPr lang="en-US"/>
           </a:p>
@@ -953,7 +953,7 @@
           <a:p>
             <a:fld id="{A1C7F76D-A730-4432-85DE-CA47D32BB251}" type="datetimeFigureOut">
               <a:rPr lang="en-US" smtClean="0"/>
-              <a:t>12/2/14</a:t>
+              <a:t>12/3/14</a:t>
             </a:fld>
             <a:endParaRPr lang="en-US"/>
           </a:p>
@@ -1133,7 +1133,7 @@
           <a:p>
             <a:fld id="{A1C7F76D-A730-4432-85DE-CA47D32BB251}" type="datetimeFigureOut">
               <a:rPr lang="en-US" smtClean="0"/>
-              <a:t>12/2/14</a:t>
+              <a:t>12/3/14</a:t>
             </a:fld>
             <a:endParaRPr lang="en-US"/>
           </a:p>
@@ -1303,7 +1303,7 @@
           <a:p>
             <a:fld id="{A1C7F76D-A730-4432-85DE-CA47D32BB251}" type="datetimeFigureOut">
               <a:rPr lang="en-US" smtClean="0"/>
-              <a:t>12/2/14</a:t>
+              <a:t>12/3/14</a:t>
             </a:fld>
             <a:endParaRPr lang="en-US"/>
           </a:p>
@@ -1549,7 +1549,7 @@
           <a:p>
             <a:fld id="{A1C7F76D-A730-4432-85DE-CA47D32BB251}" type="datetimeFigureOut">
               <a:rPr lang="en-US" smtClean="0"/>
-              <a:t>12/2/14</a:t>
+              <a:t>12/3/14</a:t>
             </a:fld>
             <a:endParaRPr lang="en-US"/>
           </a:p>
@@ -1837,7 +1837,7 @@
           <a:p>
             <a:fld id="{A1C7F76D-A730-4432-85DE-CA47D32BB251}" type="datetimeFigureOut">
               <a:rPr lang="en-US" smtClean="0"/>
-              <a:t>12/2/14</a:t>
+              <a:t>12/3/14</a:t>
             </a:fld>
             <a:endParaRPr lang="en-US"/>
           </a:p>
@@ -2264,7 +2264,7 @@
           <a:p>
             <a:fld id="{A1C7F76D-A730-4432-85DE-CA47D32BB251}" type="datetimeFigureOut">
               <a:rPr lang="en-US" smtClean="0"/>
-              <a:t>12/2/14</a:t>
+              <a:t>12/3/14</a:t>
             </a:fld>
             <a:endParaRPr lang="en-US"/>
           </a:p>
@@ -2382,7 +2382,7 @@
           <a:p>
             <a:fld id="{A1C7F76D-A730-4432-85DE-CA47D32BB251}" type="datetimeFigureOut">
               <a:rPr lang="en-US" smtClean="0"/>
-              <a:t>12/2/14</a:t>
+              <a:t>12/3/14</a:t>
             </a:fld>
             <a:endParaRPr lang="en-US"/>
           </a:p>
@@ -2477,7 +2477,7 @@
           <a:p>
             <a:fld id="{A1C7F76D-A730-4432-85DE-CA47D32BB251}" type="datetimeFigureOut">
               <a:rPr lang="en-US" smtClean="0"/>
-              <a:t>12/2/14</a:t>
+              <a:t>12/3/14</a:t>
             </a:fld>
             <a:endParaRPr lang="en-US"/>
           </a:p>
@@ -2754,7 +2754,7 @@
           <a:p>
             <a:fld id="{A1C7F76D-A730-4432-85DE-CA47D32BB251}" type="datetimeFigureOut">
               <a:rPr lang="en-US" smtClean="0"/>
-              <a:t>12/2/14</a:t>
+              <a:t>12/3/14</a:t>
             </a:fld>
             <a:endParaRPr lang="en-US"/>
           </a:p>
@@ -3007,7 +3007,7 @@
           <a:p>
             <a:fld id="{A1C7F76D-A730-4432-85DE-CA47D32BB251}" type="datetimeFigureOut">
               <a:rPr lang="en-US" smtClean="0"/>
-              <a:t>12/2/14</a:t>
+              <a:t>12/3/14</a:t>
             </a:fld>
             <a:endParaRPr lang="en-US"/>
           </a:p>
@@ -3220,7 +3220,7 @@
           <a:p>
             <a:fld id="{A1C7F76D-A730-4432-85DE-CA47D32BB251}" type="datetimeFigureOut">
               <a:rPr lang="en-US" smtClean="0"/>
-              <a:t>12/2/14</a:t>
+              <a:t>12/3/14</a:t>
             </a:fld>
             <a:endParaRPr lang="en-US"/>
           </a:p>
@@ -3597,6 +3597,361 @@
       </p:grpSpPr>
       <p:sp>
         <p:nvSpPr>
+          <p:cNvPr id="184" name="TextBox 183"/>
+          <p:cNvSpPr txBox="1"/>
+          <p:nvPr/>
+        </p:nvSpPr>
+        <p:spPr>
+          <a:xfrm>
+            <a:off x="7558253" y="3016648"/>
+            <a:ext cx="12836322" cy="8140691"/>
+          </a:xfrm>
+          <a:prstGeom prst="rect">
+            <a:avLst/>
+          </a:prstGeom>
+          <a:noFill/>
+        </p:spPr>
+        <p:txBody>
+          <a:bodyPr wrap="square" rtlCol="0">
+            <a:spAutoFit/>
+          </a:bodyPr>
+          <a:lstStyle/>
+          <a:p>
+            <a:r>
+              <a:rPr lang="en-US" sz="2000" dirty="0" smtClean="0">
+                <a:latin typeface="Helvetica"/>
+                <a:cs typeface="Helvetica"/>
+              </a:rPr>
+              <a:t>Goal: predict </a:t>
+            </a:r>
+            <a:r>
+              <a:rPr lang="en-US" sz="2000" i="1" dirty="0" smtClean="0">
+                <a:latin typeface="Helvetica"/>
+                <a:cs typeface="Helvetica"/>
+              </a:rPr>
+              <a:t>n </a:t>
+            </a:r>
+            <a:r>
+              <a:rPr lang="en-US" sz="2000" dirty="0" smtClean="0">
+                <a:latin typeface="Helvetica"/>
+                <a:cs typeface="Helvetica"/>
+              </a:rPr>
+              <a:t>future </a:t>
+            </a:r>
+            <a:r>
+              <a:rPr lang="en-US" sz="2000" dirty="0" err="1" smtClean="0">
+                <a:latin typeface="Helvetica"/>
+                <a:cs typeface="Helvetica"/>
+              </a:rPr>
+              <a:t>Bitcoin</a:t>
+            </a:r>
+            <a:r>
+              <a:rPr lang="en-US" sz="2000" dirty="0" smtClean="0">
+                <a:latin typeface="Helvetica"/>
+                <a:cs typeface="Helvetica"/>
+              </a:rPr>
+              <a:t> price changes over </a:t>
+            </a:r>
+            <a:r>
+              <a:rPr lang="en-US" sz="2000" i="1" dirty="0" err="1" smtClean="0">
+                <a:latin typeface="Helvetica"/>
+                <a:cs typeface="Helvetica"/>
+              </a:rPr>
+              <a:t>dt</a:t>
+            </a:r>
+            <a:r>
+              <a:rPr lang="en-US" sz="2000" dirty="0" smtClean="0">
+                <a:latin typeface="Helvetica"/>
+                <a:cs typeface="Helvetica"/>
+              </a:rPr>
+              <a:t> from past </a:t>
+            </a:r>
+            <a:r>
+              <a:rPr lang="en-US" sz="2000" dirty="0" err="1" smtClean="0">
+                <a:latin typeface="Helvetica"/>
+                <a:cs typeface="Helvetica"/>
+              </a:rPr>
+              <a:t>bitcoin</a:t>
+            </a:r>
+            <a:r>
+              <a:rPr lang="en-US" sz="2000" dirty="0" smtClean="0">
+                <a:latin typeface="Helvetica"/>
+                <a:cs typeface="Helvetica"/>
+              </a:rPr>
+              <a:t> prices and other data </a:t>
+            </a:r>
+            <a:endParaRPr lang="en-US" sz="2000" dirty="0">
+              <a:latin typeface="Helvetica"/>
+              <a:cs typeface="Helvetica"/>
+            </a:endParaRPr>
+          </a:p>
+          <a:p>
+            <a:endParaRPr lang="en-US" sz="2000" b="1" dirty="0" smtClean="0">
+              <a:latin typeface="Helvetica"/>
+              <a:cs typeface="Helvetica"/>
+            </a:endParaRPr>
+          </a:p>
+          <a:p>
+            <a:endParaRPr lang="en-US" sz="2000" i="1" dirty="0" smtClean="0">
+              <a:latin typeface="Helvetica"/>
+              <a:cs typeface="Helvetica"/>
+            </a:endParaRPr>
+          </a:p>
+          <a:p>
+            <a:endParaRPr lang="en-US" sz="2000" i="1" dirty="0">
+              <a:latin typeface="Helvetica"/>
+              <a:cs typeface="Helvetica"/>
+            </a:endParaRPr>
+          </a:p>
+          <a:p>
+            <a:endParaRPr lang="en-US" sz="2000" i="1" dirty="0" smtClean="0">
+              <a:latin typeface="Helvetica"/>
+              <a:cs typeface="Helvetica"/>
+            </a:endParaRPr>
+          </a:p>
+          <a:p>
+            <a:endParaRPr lang="en-US" sz="2000" i="1" dirty="0">
+              <a:latin typeface="Helvetica"/>
+              <a:cs typeface="Helvetica"/>
+            </a:endParaRPr>
+          </a:p>
+          <a:p>
+            <a:endParaRPr lang="en-US" sz="2000" i="1" dirty="0" smtClean="0">
+              <a:latin typeface="Helvetica"/>
+              <a:cs typeface="Helvetica"/>
+            </a:endParaRPr>
+          </a:p>
+          <a:p>
+            <a:endParaRPr lang="en-US" sz="2000" b="1" dirty="0" smtClean="0">
+              <a:latin typeface="Helvetica"/>
+              <a:cs typeface="Helvetica"/>
+            </a:endParaRPr>
+          </a:p>
+          <a:p>
+            <a:endParaRPr lang="en-US" sz="2000" b="1" dirty="0">
+              <a:latin typeface="Helvetica"/>
+              <a:cs typeface="Helvetica"/>
+            </a:endParaRPr>
+          </a:p>
+          <a:p>
+            <a:r>
+              <a:rPr lang="en-US" sz="2000" b="1" dirty="0" smtClean="0">
+                <a:latin typeface="Helvetica"/>
+                <a:cs typeface="Helvetica"/>
+              </a:rPr>
+              <a:t>Neural Networks</a:t>
+            </a:r>
+          </a:p>
+          <a:p>
+            <a:endParaRPr lang="en-US" sz="2000" dirty="0" smtClean="0">
+              <a:latin typeface="Helvetica"/>
+              <a:cs typeface="Helvetica"/>
+            </a:endParaRPr>
+          </a:p>
+          <a:p>
+            <a:endParaRPr lang="en-US" sz="2000" b="1" dirty="0">
+              <a:latin typeface="Helvetica"/>
+              <a:cs typeface="Helvetica"/>
+            </a:endParaRPr>
+          </a:p>
+          <a:p>
+            <a:endParaRPr lang="en-US" sz="2000" b="1" dirty="0" smtClean="0">
+              <a:latin typeface="Helvetica"/>
+              <a:cs typeface="Helvetica"/>
+            </a:endParaRPr>
+          </a:p>
+          <a:p>
+            <a:endParaRPr lang="en-US" sz="2000" b="1" dirty="0">
+              <a:latin typeface="Helvetica"/>
+              <a:cs typeface="Helvetica"/>
+            </a:endParaRPr>
+          </a:p>
+          <a:p>
+            <a:r>
+              <a:rPr lang="en-US" sz="2000" b="1" dirty="0" smtClean="0">
+                <a:latin typeface="Helvetica"/>
+                <a:cs typeface="Helvetica"/>
+              </a:rPr>
+              <a:t>Neural Networks		   </a:t>
+            </a:r>
+            <a:r>
+              <a:rPr lang="en-US" sz="1800" dirty="0" smtClean="0">
+                <a:latin typeface="Helvetica"/>
+                <a:cs typeface="Helvetica"/>
+              </a:rPr>
+              <a:t>past	           future</a:t>
+            </a:r>
+            <a:r>
+              <a:rPr lang="en-US" sz="1800" dirty="0" smtClean="0">
+                <a:latin typeface="Helvetica"/>
+                <a:cs typeface="Helvetica"/>
+              </a:rPr>
+              <a:t>	</a:t>
+            </a:r>
+            <a:endParaRPr lang="en-US" sz="2000" b="1" dirty="0" smtClean="0">
+              <a:latin typeface="Helvetica"/>
+              <a:cs typeface="Helvetica"/>
+            </a:endParaRPr>
+          </a:p>
+          <a:p>
+            <a:r>
+              <a:rPr lang="en-US" sz="2000" dirty="0" smtClean="0">
+                <a:latin typeface="Helvetica"/>
+                <a:cs typeface="Helvetica"/>
+              </a:rPr>
+              <a:t>Our most effective method of price </a:t>
+            </a:r>
+          </a:p>
+          <a:p>
+            <a:r>
+              <a:rPr lang="en-US" sz="2000" dirty="0" smtClean="0">
+                <a:latin typeface="Helvetica"/>
+                <a:cs typeface="Helvetica"/>
+              </a:rPr>
+              <a:t>Prediction was a Neural Network</a:t>
+            </a:r>
+          </a:p>
+          <a:p>
+            <a:r>
+              <a:rPr lang="en-US" sz="2000" dirty="0" smtClean="0">
+                <a:latin typeface="Helvetica"/>
+                <a:cs typeface="Helvetica"/>
+              </a:rPr>
+              <a:t>In which we trained the network on </a:t>
+            </a:r>
+          </a:p>
+          <a:p>
+            <a:r>
+              <a:rPr lang="en-US" sz="2000" dirty="0" smtClean="0">
+                <a:latin typeface="Helvetica"/>
+                <a:cs typeface="Helvetica"/>
+              </a:rPr>
+              <a:t>Multiple windows of past prices and </a:t>
+            </a:r>
+          </a:p>
+          <a:p>
+            <a:r>
+              <a:rPr lang="en-US" sz="2000" dirty="0" smtClean="0">
+                <a:latin typeface="Helvetica"/>
+                <a:cs typeface="Helvetica"/>
+              </a:rPr>
+              <a:t>Used a final window to predict an </a:t>
+            </a:r>
+          </a:p>
+          <a:p>
+            <a:r>
+              <a:rPr lang="en-US" sz="2000" dirty="0" smtClean="0">
+                <a:latin typeface="Helvetica"/>
+                <a:cs typeface="Helvetica"/>
+              </a:rPr>
+              <a:t>Unseen future price. </a:t>
+            </a:r>
+            <a:endParaRPr lang="en-US" sz="2000" dirty="0">
+              <a:latin typeface="Helvetica"/>
+              <a:cs typeface="Helvetica"/>
+            </a:endParaRPr>
+          </a:p>
+          <a:p>
+            <a:endParaRPr lang="en-US" sz="2000" b="1" dirty="0" smtClean="0">
+              <a:latin typeface="Helvetica"/>
+              <a:cs typeface="Helvetica"/>
+            </a:endParaRPr>
+          </a:p>
+          <a:p>
+            <a:r>
+              <a:rPr lang="en-US" sz="2000" b="1" dirty="0" smtClean="0">
+                <a:latin typeface="Helvetica"/>
+                <a:cs typeface="Helvetica"/>
+              </a:rPr>
+              <a:t>Regression</a:t>
+            </a:r>
+          </a:p>
+          <a:p>
+            <a:pPr marL="342900" indent="-342900">
+              <a:buFont typeface="Arial"/>
+              <a:buChar char="•"/>
+            </a:pPr>
+            <a:r>
+              <a:rPr lang="en-US" sz="2000" dirty="0" smtClean="0">
+                <a:latin typeface="Helvetica"/>
+                <a:cs typeface="Helvetica"/>
+              </a:rPr>
+              <a:t>Gaussian regression outputs a standard deviation for the prediction (useful for MDP transition probabilities). </a:t>
+            </a:r>
+          </a:p>
+          <a:p>
+            <a:pPr marL="342900" indent="-342900">
+              <a:buFont typeface="Arial"/>
+              <a:buChar char="•"/>
+            </a:pPr>
+            <a:r>
+              <a:rPr lang="en-US" sz="2000" dirty="0" smtClean="0">
+                <a:latin typeface="Helvetica"/>
+                <a:cs typeface="Helvetica"/>
+              </a:rPr>
+              <a:t>We combined Bayesian regression with k-means trend clustering learn from hidden </a:t>
+            </a:r>
+            <a:r>
+              <a:rPr lang="en-US" sz="2000" dirty="0" err="1" smtClean="0">
+                <a:latin typeface="Helvetica"/>
+                <a:cs typeface="Helvetica"/>
+              </a:rPr>
+              <a:t>Bitcoin</a:t>
+            </a:r>
+            <a:r>
+              <a:rPr lang="en-US" sz="2000" dirty="0" smtClean="0">
+                <a:latin typeface="Helvetica"/>
+                <a:cs typeface="Helvetica"/>
+              </a:rPr>
+              <a:t> price </a:t>
+            </a:r>
+            <a:r>
+              <a:rPr lang="en-US" sz="2000" dirty="0" smtClean="0">
+                <a:latin typeface="Helvetica"/>
+                <a:cs typeface="Helvetica"/>
+              </a:rPr>
+              <a:t>trends.</a:t>
+            </a:r>
+          </a:p>
+          <a:p>
+            <a:endParaRPr lang="en-US" sz="700" dirty="0">
+              <a:latin typeface="Helvetica"/>
+              <a:cs typeface="Helvetica"/>
+            </a:endParaRPr>
+          </a:p>
+        </p:txBody>
+      </p:sp>
+      <p:pic>
+        <p:nvPicPr>
+          <p:cNvPr id="251" name="Picture 250" descr="svm_actualvpred_percentchange.png"/>
+          <p:cNvPicPr>
+            <a:picLocks noChangeAspect="1"/>
+          </p:cNvPicPr>
+          <p:nvPr/>
+        </p:nvPicPr>
+        <p:blipFill rotWithShape="1">
+          <a:blip r:embed="rId3">
+            <a:extLst>
+              <a:ext uri="{28A0092B-C50C-407E-A947-70E740481C1C}">
+                <a14:useLocalDpi xmlns:a14="http://schemas.microsoft.com/office/drawing/2010/main" val="0"/>
+              </a:ext>
+            </a:extLst>
+          </a:blip>
+          <a:srcRect t="5218" r="3892" b="49169"/>
+          <a:stretch/>
+        </p:blipFill>
+        <p:spPr>
+          <a:xfrm>
+            <a:off x="7926332" y="14543176"/>
+            <a:ext cx="5489898" cy="1797902"/>
+          </a:xfrm>
+          <a:prstGeom prst="rect">
+            <a:avLst/>
+          </a:prstGeom>
+        </p:spPr>
+      </p:pic>
+      <p:sp>
+        <p:nvSpPr>
           <p:cNvPr id="30" name="Rectangle 29"/>
           <p:cNvSpPr/>
           <p:nvPr/>
@@ -3830,14 +4185,7 @@
                 <a:latin typeface="Helvetica"/>
                 <a:cs typeface="Helvetica"/>
               </a:rPr>
-              <a:t> Li, </a:t>
-            </a:r>
-            <a:r>
-              <a:rPr lang="en-US" sz="2800" dirty="0" smtClean="0">
-                <a:latin typeface="Helvetica"/>
-                <a:cs typeface="Helvetica"/>
-              </a:rPr>
-              <a:t>Ellen Sebastian</a:t>
+              <a:t> Li, Ellen Sebastian</a:t>
             </a:r>
             <a:endParaRPr lang="en-US" sz="2800" baseline="30000" dirty="0" smtClean="0">
               <a:latin typeface="Helvetica"/>
@@ -3846,16 +4194,50 @@
           </a:p>
         </p:txBody>
       </p:sp>
-      <p:sp>
-        <p:nvSpPr>
-          <p:cNvPr id="62" name="TextBox 61"/>
+      <p:pic>
+        <p:nvPicPr>
+          <p:cNvPr id="2" name="Picture 1"/>
+          <p:cNvPicPr>
+            <a:picLocks noChangeAspect="1"/>
+          </p:cNvPicPr>
+          <p:nvPr/>
+        </p:nvPicPr>
+        <p:blipFill rotWithShape="1">
+          <a:blip r:embed="rId4">
+            <a:clrChange>
+              <a:clrFrom>
+                <a:srgbClr val="FFFFFF"/>
+              </a:clrFrom>
+              <a:clrTo>
+                <a:srgbClr val="FFFFFF">
+                  <a:alpha val="0"/>
+                </a:srgbClr>
+              </a:clrTo>
+            </a:clrChange>
+          </a:blip>
+          <a:srcRect r="7318"/>
+          <a:stretch/>
+        </p:blipFill>
+        <p:spPr>
+          <a:xfrm>
+            <a:off x="1561847" y="171597"/>
+            <a:ext cx="1577013" cy="1545336"/>
+          </a:xfrm>
+          <a:prstGeom prst="rect">
+            <a:avLst/>
+          </a:prstGeom>
+        </p:spPr>
+      </p:pic>
+      <p:sp>
+        <p:nvSpPr>
+          <p:cNvPr id="126" name="TextBox 125"/>
           <p:cNvSpPr txBox="1"/>
           <p:nvPr/>
         </p:nvSpPr>
         <p:spPr>
           <a:xfrm>
-            <a:off x="20648182" y="2262521"/>
-            <a:ext cx="7822473" cy="543733"/>
+            <a:off x="7845780" y="2285674"/>
+            <a:ext cx="7505448" cy="543733"/>
           </a:xfrm>
           <a:prstGeom prst="rect">
             <a:avLst/>
@@ -3876,7 +4258,7 @@
                 <a:latin typeface="Helvetica"/>
                 <a:cs typeface="Helvetica"/>
               </a:rPr>
-              <a:t>Trading decision algorithms</a:t>
+              <a:t>Price prediction algorithms &amp; results </a:t>
             </a:r>
             <a:endParaRPr lang="en-US" sz="3200" b="1" dirty="0">
               <a:latin typeface="Helvetica"/>
@@ -3887,14 +4269,14 @@
       </p:sp>
       <p:sp>
         <p:nvSpPr>
-          <p:cNvPr id="63" name="Rectangle 62"/>
+          <p:cNvPr id="160" name="Rectangle 159"/>
           <p:cNvSpPr/>
           <p:nvPr/>
         </p:nvSpPr>
         <p:spPr>
           <a:xfrm>
-            <a:off x="20662369" y="2900637"/>
-            <a:ext cx="6400800" cy="45720"/>
+            <a:off x="7708766" y="2903633"/>
+            <a:ext cx="11887200" cy="45720"/>
           </a:xfrm>
           <a:prstGeom prst="rect">
             <a:avLst/>
@@ -3939,50 +4321,2435 @@
           </a:p>
         </p:txBody>
       </p:sp>
+      <p:sp>
+        <p:nvSpPr>
+          <p:cNvPr id="6" name="TextBox 5"/>
+          <p:cNvSpPr txBox="1"/>
+          <p:nvPr/>
+        </p:nvSpPr>
+        <p:spPr>
+          <a:xfrm>
+            <a:off x="203201" y="3026423"/>
+            <a:ext cx="6705599" cy="3170099"/>
+          </a:xfrm>
+          <a:prstGeom prst="rect">
+            <a:avLst/>
+          </a:prstGeom>
+          <a:noFill/>
+        </p:spPr>
+        <p:txBody>
+          <a:bodyPr wrap="square" rtlCol="0">
+            <a:spAutoFit/>
+          </a:bodyPr>
+          <a:lstStyle/>
+          <a:p>
+            <a:r>
+              <a:rPr lang="en-US" sz="2000" dirty="0">
+                <a:latin typeface="Helvetica"/>
+                <a:cs typeface="Helvetica"/>
+              </a:rPr>
+              <a:t> </a:t>
+            </a:r>
+            <a:r>
+              <a:rPr lang="en-US" sz="2000" dirty="0" smtClean="0">
+                <a:latin typeface="Helvetica"/>
+                <a:cs typeface="Helvetica"/>
+              </a:rPr>
+              <a:t>       </a:t>
+            </a:r>
+            <a:r>
+              <a:rPr lang="en-US" sz="2000" dirty="0" err="1" smtClean="0">
+                <a:latin typeface="Helvetica"/>
+                <a:cs typeface="Helvetica"/>
+              </a:rPr>
+              <a:t>Bitcoin</a:t>
+            </a:r>
+            <a:r>
+              <a:rPr lang="en-US" sz="2000" dirty="0" smtClean="0">
+                <a:latin typeface="Helvetica"/>
+                <a:cs typeface="Helvetica"/>
+              </a:rPr>
+              <a:t> is the world’s first decentralized</a:t>
+            </a:r>
+            <a:r>
+              <a:rPr lang="en-US" sz="2000" dirty="0">
+                <a:latin typeface="Helvetica"/>
+                <a:cs typeface="Helvetica"/>
+              </a:rPr>
+              <a:t> </a:t>
+            </a:r>
+            <a:r>
+              <a:rPr lang="en-US" sz="2000" dirty="0" err="1" smtClean="0">
+                <a:latin typeface="Helvetica"/>
+                <a:cs typeface="Helvetica"/>
+              </a:rPr>
+              <a:t>cryptocurrency</a:t>
+            </a:r>
+            <a:r>
+              <a:rPr lang="en-US" sz="2000" dirty="0" smtClean="0">
+                <a:latin typeface="Helvetica"/>
+                <a:cs typeface="Helvetica"/>
+              </a:rPr>
+              <a:t>. In this project, we </a:t>
+            </a:r>
+            <a:r>
+              <a:rPr lang="en-US" sz="2000" dirty="0">
+                <a:latin typeface="Helvetica"/>
+                <a:cs typeface="Helvetica"/>
+              </a:rPr>
+              <a:t>take advantage of </a:t>
+            </a:r>
+            <a:r>
+              <a:rPr lang="en-US" sz="2000" dirty="0" smtClean="0">
+                <a:latin typeface="Helvetica"/>
+                <a:cs typeface="Helvetica"/>
+              </a:rPr>
+              <a:t>the </a:t>
+            </a:r>
+            <a:r>
+              <a:rPr lang="en-US" sz="2000" dirty="0">
+                <a:latin typeface="Helvetica"/>
+                <a:cs typeface="Helvetica"/>
+              </a:rPr>
+              <a:t>vast amount of </a:t>
+            </a:r>
+            <a:r>
+              <a:rPr lang="en-US" sz="2000" dirty="0" smtClean="0">
+                <a:latin typeface="Helvetica"/>
+                <a:cs typeface="Helvetica"/>
+              </a:rPr>
+              <a:t>transactional </a:t>
+            </a:r>
+            <a:r>
+              <a:rPr lang="en-US" sz="2000" dirty="0">
+                <a:latin typeface="Helvetica"/>
+                <a:cs typeface="Helvetica"/>
+              </a:rPr>
+              <a:t>data surrounding </a:t>
+            </a:r>
+            <a:r>
+              <a:rPr lang="en-US" sz="2000" dirty="0" err="1">
+                <a:latin typeface="Helvetica"/>
+                <a:cs typeface="Helvetica"/>
+              </a:rPr>
+              <a:t>Bitcoin</a:t>
+            </a:r>
+            <a:r>
+              <a:rPr lang="en-US" sz="2000" dirty="0">
+                <a:latin typeface="Helvetica"/>
+                <a:cs typeface="Helvetica"/>
+              </a:rPr>
+              <a:t> to create a </a:t>
+            </a:r>
+            <a:r>
+              <a:rPr lang="en-US" sz="2000" dirty="0" err="1">
+                <a:latin typeface="Helvetica"/>
+                <a:cs typeface="Helvetica"/>
+              </a:rPr>
+              <a:t>Bitcoin</a:t>
+            </a:r>
+            <a:r>
+              <a:rPr lang="en-US" sz="2000" dirty="0">
+                <a:latin typeface="Helvetica"/>
+                <a:cs typeface="Helvetica"/>
+              </a:rPr>
+              <a:t> </a:t>
+            </a:r>
+            <a:r>
+              <a:rPr lang="en-US" sz="2000" dirty="0" smtClean="0">
+                <a:latin typeface="Helvetica"/>
+                <a:cs typeface="Helvetica"/>
+              </a:rPr>
+              <a:t>trading bot. This bot will maximize </a:t>
+            </a:r>
+            <a:r>
+              <a:rPr lang="en-US" sz="2000" dirty="0">
+                <a:latin typeface="Helvetica"/>
+                <a:cs typeface="Helvetica"/>
+              </a:rPr>
+              <a:t>profit by predicting future </a:t>
+            </a:r>
+            <a:r>
+              <a:rPr lang="en-US" sz="2000" dirty="0" err="1">
+                <a:latin typeface="Helvetica"/>
+                <a:cs typeface="Helvetica"/>
+              </a:rPr>
+              <a:t>Bitcoin</a:t>
+            </a:r>
+            <a:r>
+              <a:rPr lang="en-US" sz="2000" dirty="0">
+                <a:latin typeface="Helvetica"/>
+                <a:cs typeface="Helvetica"/>
+              </a:rPr>
+              <a:t> prices. </a:t>
+            </a:r>
+            <a:endParaRPr lang="en-US" sz="2000" dirty="0" smtClean="0">
+              <a:latin typeface="Helvetica"/>
+              <a:cs typeface="Helvetica"/>
+            </a:endParaRPr>
+          </a:p>
+          <a:p>
+            <a:r>
+              <a:rPr lang="en-US" sz="2000" dirty="0" smtClean="0">
+                <a:latin typeface="Helvetica"/>
+                <a:cs typeface="Helvetica"/>
+              </a:rPr>
+              <a:t>        We split the task into two phases: price prediction and trading decisions. Since trading decisions can be made easily given perfect price predictions, the main challenge in this project </a:t>
+            </a:r>
+            <a:r>
+              <a:rPr lang="en-US" sz="2000" dirty="0" err="1" smtClean="0">
+                <a:latin typeface="Helvetica"/>
+                <a:cs typeface="Helvetica"/>
+              </a:rPr>
+              <a:t>isto</a:t>
+            </a:r>
+            <a:r>
+              <a:rPr lang="en-US" sz="2000" dirty="0" smtClean="0">
+                <a:latin typeface="Helvetica"/>
+                <a:cs typeface="Helvetica"/>
+              </a:rPr>
+              <a:t> </a:t>
+            </a:r>
+            <a:r>
+              <a:rPr lang="en-US" sz="2000" dirty="0" smtClean="0">
+                <a:latin typeface="Helvetica"/>
+                <a:cs typeface="Helvetica"/>
+              </a:rPr>
+              <a:t>generate accurate price predictions. </a:t>
+            </a:r>
+          </a:p>
+        </p:txBody>
+      </p:sp>
+      <p:sp>
+        <p:nvSpPr>
+          <p:cNvPr id="8" name="TextBox 7"/>
+          <p:cNvSpPr txBox="1"/>
+          <p:nvPr/>
+        </p:nvSpPr>
+        <p:spPr>
+          <a:xfrm>
+            <a:off x="564957" y="6765861"/>
+            <a:ext cx="3360866" cy="400110"/>
+          </a:xfrm>
+          <a:prstGeom prst="rect">
+            <a:avLst/>
+          </a:prstGeom>
+          <a:noFill/>
+        </p:spPr>
+        <p:txBody>
+          <a:bodyPr wrap="none" rtlCol="0">
+            <a:spAutoFit/>
+          </a:bodyPr>
+          <a:lstStyle/>
+          <a:p>
+            <a:r>
+              <a:rPr lang="en-US" sz="2000" dirty="0" smtClean="0"/>
+              <a:t>Historical  price &amp; trading data</a:t>
+            </a:r>
+            <a:endParaRPr lang="en-US" sz="2000" dirty="0"/>
+          </a:p>
+        </p:txBody>
+      </p:sp>
+      <p:sp>
+        <p:nvSpPr>
+          <p:cNvPr id="168" name="TextBox 167"/>
+          <p:cNvSpPr txBox="1"/>
+          <p:nvPr/>
+        </p:nvSpPr>
+        <p:spPr>
+          <a:xfrm>
+            <a:off x="1054135" y="7887247"/>
+            <a:ext cx="2612464" cy="400110"/>
+          </a:xfrm>
+          <a:prstGeom prst="rect">
+            <a:avLst/>
+          </a:prstGeom>
+          <a:noFill/>
+        </p:spPr>
+        <p:txBody>
+          <a:bodyPr wrap="none" rtlCol="0">
+            <a:spAutoFit/>
+          </a:bodyPr>
+          <a:lstStyle/>
+          <a:p>
+            <a:r>
+              <a:rPr lang="en-US" sz="2000" dirty="0" smtClean="0"/>
+              <a:t>Future predicted prices </a:t>
+            </a:r>
+            <a:endParaRPr lang="en-US" sz="2000" dirty="0"/>
+          </a:p>
+        </p:txBody>
+      </p:sp>
+      <p:sp>
+        <p:nvSpPr>
+          <p:cNvPr id="170" name="TextBox 169"/>
+          <p:cNvSpPr txBox="1"/>
+          <p:nvPr/>
+        </p:nvSpPr>
+        <p:spPr>
+          <a:xfrm>
+            <a:off x="1573104" y="8975705"/>
+            <a:ext cx="1988169" cy="400110"/>
+          </a:xfrm>
+          <a:prstGeom prst="rect">
+            <a:avLst/>
+          </a:prstGeom>
+          <a:noFill/>
+        </p:spPr>
+        <p:txBody>
+          <a:bodyPr wrap="none" rtlCol="0">
+            <a:spAutoFit/>
+          </a:bodyPr>
+          <a:lstStyle/>
+          <a:p>
+            <a:r>
+              <a:rPr lang="en-US" sz="2000" dirty="0" smtClean="0"/>
+              <a:t>Trading decisions</a:t>
+            </a:r>
+            <a:endParaRPr lang="en-US" sz="2000" dirty="0"/>
+          </a:p>
+        </p:txBody>
+      </p:sp>
+      <p:cxnSp>
+        <p:nvCxnSpPr>
+          <p:cNvPr id="14" name="Straight Arrow Connector 13"/>
+          <p:cNvCxnSpPr/>
+          <p:nvPr/>
+        </p:nvCxnSpPr>
+        <p:spPr>
+          <a:xfrm>
+            <a:off x="2850295" y="7209592"/>
+            <a:ext cx="0" cy="689891"/>
+          </a:xfrm>
+          <a:prstGeom prst="straightConnector1">
+            <a:avLst/>
+          </a:prstGeom>
+          <a:ln w="28575" cmpd="sng">
+            <a:tailEnd type="arrow"/>
+          </a:ln>
+        </p:spPr>
+        <p:style>
+          <a:lnRef idx="2">
+            <a:schemeClr val="dk1"/>
+          </a:lnRef>
+          <a:fillRef idx="0">
+            <a:schemeClr val="dk1"/>
+          </a:fillRef>
+          <a:effectRef idx="1">
+            <a:schemeClr val="dk1"/>
+          </a:effectRef>
+          <a:fontRef idx="minor">
+            <a:schemeClr val="tx1"/>
+          </a:fontRef>
+        </p:style>
+      </p:cxnSp>
+      <p:cxnSp>
+        <p:nvCxnSpPr>
+          <p:cNvPr id="171" name="Straight Arrow Connector 170"/>
+          <p:cNvCxnSpPr/>
+          <p:nvPr/>
+        </p:nvCxnSpPr>
+        <p:spPr>
+          <a:xfrm>
+            <a:off x="2831796" y="8329410"/>
+            <a:ext cx="0" cy="689891"/>
+          </a:xfrm>
+          <a:prstGeom prst="straightConnector1">
+            <a:avLst/>
+          </a:prstGeom>
+          <a:ln w="28575" cmpd="sng">
+            <a:tailEnd type="arrow"/>
+          </a:ln>
+        </p:spPr>
+        <p:style>
+          <a:lnRef idx="2">
+            <a:schemeClr val="dk1"/>
+          </a:lnRef>
+          <a:fillRef idx="0">
+            <a:schemeClr val="dk1"/>
+          </a:fillRef>
+          <a:effectRef idx="1">
+            <a:schemeClr val="dk1"/>
+          </a:effectRef>
+          <a:fontRef idx="minor">
+            <a:schemeClr val="tx1"/>
+          </a:fontRef>
+        </p:style>
+      </p:cxnSp>
+      <p:cxnSp>
+        <p:nvCxnSpPr>
+          <p:cNvPr id="172" name="Straight Arrow Connector 171"/>
+          <p:cNvCxnSpPr/>
+          <p:nvPr/>
+        </p:nvCxnSpPr>
+        <p:spPr>
+          <a:xfrm>
+            <a:off x="2841519" y="9435117"/>
+            <a:ext cx="0" cy="689891"/>
+          </a:xfrm>
+          <a:prstGeom prst="straightConnector1">
+            <a:avLst/>
+          </a:prstGeom>
+          <a:ln w="28575" cmpd="sng">
+            <a:tailEnd type="arrow"/>
+          </a:ln>
+        </p:spPr>
+        <p:style>
+          <a:lnRef idx="2">
+            <a:schemeClr val="dk1"/>
+          </a:lnRef>
+          <a:fillRef idx="0">
+            <a:schemeClr val="dk1"/>
+          </a:fillRef>
+          <a:effectRef idx="1">
+            <a:schemeClr val="dk1"/>
+          </a:effectRef>
+          <a:fontRef idx="minor">
+            <a:schemeClr val="tx1"/>
+          </a:fontRef>
+        </p:style>
+      </p:cxnSp>
+      <p:sp>
+        <p:nvSpPr>
+          <p:cNvPr id="173" name="TextBox 172"/>
+          <p:cNvSpPr txBox="1"/>
+          <p:nvPr/>
+        </p:nvSpPr>
+        <p:spPr>
+          <a:xfrm>
+            <a:off x="1970406" y="10186466"/>
+            <a:ext cx="1320168" cy="400110"/>
+          </a:xfrm>
+          <a:prstGeom prst="rect">
+            <a:avLst/>
+          </a:prstGeom>
+          <a:noFill/>
+        </p:spPr>
+        <p:txBody>
+          <a:bodyPr wrap="none" rtlCol="0">
+            <a:spAutoFit/>
+          </a:bodyPr>
+          <a:lstStyle/>
+          <a:p>
+            <a:r>
+              <a:rPr lang="en-US" sz="2000" dirty="0" err="1" smtClean="0"/>
+              <a:t>Bitcoin</a:t>
+            </a:r>
+            <a:r>
+              <a:rPr lang="en-US" sz="2000" dirty="0" smtClean="0"/>
+              <a:t> bot </a:t>
+            </a:r>
+            <a:endParaRPr lang="en-US" sz="2000" dirty="0"/>
+          </a:p>
+        </p:txBody>
+      </p:sp>
+      <p:cxnSp>
+        <p:nvCxnSpPr>
+          <p:cNvPr id="174" name="Straight Arrow Connector 173"/>
+          <p:cNvCxnSpPr/>
+          <p:nvPr/>
+        </p:nvCxnSpPr>
+        <p:spPr>
+          <a:xfrm>
+            <a:off x="2805774" y="10625493"/>
+            <a:ext cx="0" cy="689891"/>
+          </a:xfrm>
+          <a:prstGeom prst="straightConnector1">
+            <a:avLst/>
+          </a:prstGeom>
+          <a:ln w="28575" cmpd="sng">
+            <a:tailEnd type="arrow"/>
+          </a:ln>
+        </p:spPr>
+        <p:style>
+          <a:lnRef idx="2">
+            <a:schemeClr val="dk1"/>
+          </a:lnRef>
+          <a:fillRef idx="0">
+            <a:schemeClr val="dk1"/>
+          </a:fillRef>
+          <a:effectRef idx="1">
+            <a:schemeClr val="dk1"/>
+          </a:effectRef>
+          <a:fontRef idx="minor">
+            <a:schemeClr val="tx1"/>
+          </a:fontRef>
+        </p:style>
+      </p:cxnSp>
+      <p:sp>
+        <p:nvSpPr>
+          <p:cNvPr id="175" name="TextBox 174"/>
+          <p:cNvSpPr txBox="1"/>
+          <p:nvPr/>
+        </p:nvSpPr>
+        <p:spPr>
+          <a:xfrm>
+            <a:off x="2278027" y="11342348"/>
+            <a:ext cx="847032" cy="400110"/>
+          </a:xfrm>
+          <a:prstGeom prst="rect">
+            <a:avLst/>
+          </a:prstGeom>
+          <a:noFill/>
+        </p:spPr>
+        <p:txBody>
+          <a:bodyPr wrap="none" rtlCol="0">
+            <a:spAutoFit/>
+          </a:bodyPr>
+          <a:lstStyle/>
+          <a:p>
+            <a:r>
+              <a:rPr lang="en-US" sz="2000" dirty="0" smtClean="0"/>
+              <a:t>Profit!</a:t>
+            </a:r>
+            <a:endParaRPr lang="en-US" sz="2000" dirty="0"/>
+          </a:p>
+        </p:txBody>
+      </p:sp>
       <p:pic>
         <p:nvPicPr>
-          <p:cNvPr id="2" name="Picture 1"/>
+          <p:cNvPr id="16" name="Picture 15"/>
           <p:cNvPicPr>
             <a:picLocks noChangeAspect="1"/>
           </p:cNvPicPr>
           <p:nvPr/>
         </p:nvPicPr>
-        <p:blipFill rotWithShape="1">
-          <a:blip r:embed="rId3">
-            <a:clrChange>
-              <a:clrFrom>
-                <a:srgbClr val="FFFFFF"/>
-              </a:clrFrom>
-              <a:clrTo>
-                <a:srgbClr val="FFFFFF">
-                  <a:alpha val="0"/>
-                </a:srgbClr>
-              </a:clrTo>
-            </a:clrChange>
+        <p:blipFill>
+          <a:blip r:embed="rId5"/>
+          <a:stretch>
+            <a:fillRect/>
+          </a:stretch>
+        </p:blipFill>
+        <p:spPr>
+          <a:xfrm>
+            <a:off x="24172777" y="173777"/>
+            <a:ext cx="1473721" cy="1473721"/>
+          </a:xfrm>
+          <a:prstGeom prst="rect">
+            <a:avLst/>
+          </a:prstGeom>
+        </p:spPr>
+      </p:pic>
+      <p:sp>
+        <p:nvSpPr>
+          <p:cNvPr id="176" name="TextBox 175"/>
+          <p:cNvSpPr txBox="1"/>
+          <p:nvPr/>
+        </p:nvSpPr>
+        <p:spPr>
+          <a:xfrm>
+            <a:off x="3158579" y="7310549"/>
+            <a:ext cx="3181530" cy="400110"/>
+          </a:xfrm>
+          <a:prstGeom prst="rect">
+            <a:avLst/>
+          </a:prstGeom>
+          <a:noFill/>
+        </p:spPr>
+        <p:txBody>
+          <a:bodyPr wrap="none" rtlCol="0">
+            <a:spAutoFit/>
+          </a:bodyPr>
+          <a:lstStyle/>
+          <a:p>
+            <a:r>
+              <a:rPr lang="en-US" sz="2000" dirty="0" smtClean="0"/>
+              <a:t>Regression, Neural Net, SVM</a:t>
+            </a:r>
+            <a:endParaRPr lang="en-US" sz="2000" dirty="0"/>
+          </a:p>
+        </p:txBody>
+      </p:sp>
+      <p:sp>
+        <p:nvSpPr>
+          <p:cNvPr id="178" name="TextBox 177"/>
+          <p:cNvSpPr txBox="1"/>
+          <p:nvPr/>
+        </p:nvSpPr>
+        <p:spPr>
+          <a:xfrm>
+            <a:off x="3183979" y="8481772"/>
+            <a:ext cx="1203324" cy="400110"/>
+          </a:xfrm>
+          <a:prstGeom prst="rect">
+            <a:avLst/>
+          </a:prstGeom>
+          <a:noFill/>
+        </p:spPr>
+        <p:txBody>
+          <a:bodyPr wrap="none" rtlCol="0">
+            <a:spAutoFit/>
+          </a:bodyPr>
+          <a:lstStyle/>
+          <a:p>
+            <a:r>
+              <a:rPr lang="en-US" sz="2000" dirty="0" smtClean="0"/>
+              <a:t>CSP, MDP</a:t>
+            </a:r>
+            <a:endParaRPr lang="en-US" sz="2000" dirty="0"/>
+          </a:p>
+        </p:txBody>
+      </p:sp>
+      <p:sp>
+        <p:nvSpPr>
+          <p:cNvPr id="19" name="TextBox 18"/>
+          <p:cNvSpPr txBox="1"/>
+          <p:nvPr/>
+        </p:nvSpPr>
+        <p:spPr>
+          <a:xfrm>
+            <a:off x="685800" y="15489224"/>
+            <a:ext cx="184666" cy="830997"/>
+          </a:xfrm>
+          <a:prstGeom prst="rect">
+            <a:avLst/>
+          </a:prstGeom>
+          <a:noFill/>
+        </p:spPr>
+        <p:txBody>
+          <a:bodyPr wrap="none" rtlCol="0">
+            <a:spAutoFit/>
+          </a:bodyPr>
+          <a:lstStyle/>
+          <a:p>
+            <a:endParaRPr lang="en-US" dirty="0"/>
+          </a:p>
+        </p:txBody>
+      </p:sp>
+      <p:sp>
+        <p:nvSpPr>
+          <p:cNvPr id="183" name="TextBox 182"/>
+          <p:cNvSpPr txBox="1"/>
+          <p:nvPr/>
+        </p:nvSpPr>
+        <p:spPr>
+          <a:xfrm>
+            <a:off x="239887" y="12802433"/>
+            <a:ext cx="6773335" cy="1631216"/>
+          </a:xfrm>
+          <a:prstGeom prst="rect">
+            <a:avLst/>
+          </a:prstGeom>
+          <a:noFill/>
+        </p:spPr>
+        <p:txBody>
+          <a:bodyPr wrap="square" rtlCol="0">
+            <a:spAutoFit/>
+          </a:bodyPr>
+          <a:lstStyle/>
+          <a:p>
+            <a:pPr marL="457200" indent="-457200">
+              <a:buFont typeface="Arial"/>
+              <a:buChar char="•"/>
+            </a:pPr>
+            <a:r>
+              <a:rPr lang="en-US" sz="2000" dirty="0" smtClean="0">
+                <a:latin typeface="Helvetica"/>
+                <a:cs typeface="Helvetica"/>
+              </a:rPr>
+              <a:t>Minute-granularity historical prices</a:t>
+            </a:r>
+          </a:p>
+          <a:p>
+            <a:pPr marL="457200" indent="-457200">
+              <a:buFont typeface="Arial"/>
+              <a:buChar char="•"/>
+            </a:pPr>
+            <a:r>
+              <a:rPr lang="en-US" sz="2000" dirty="0" smtClean="0">
+                <a:latin typeface="Helvetica"/>
+                <a:cs typeface="Helvetica"/>
+              </a:rPr>
+              <a:t>Various </a:t>
+            </a:r>
+            <a:r>
+              <a:rPr lang="en-US" sz="2000" dirty="0" err="1" smtClean="0">
+                <a:latin typeface="Helvetica"/>
+                <a:cs typeface="Helvetica"/>
+              </a:rPr>
+              <a:t>Bitcoin</a:t>
+            </a:r>
+            <a:r>
+              <a:rPr lang="en-US" sz="2000" dirty="0" smtClean="0">
+                <a:latin typeface="Helvetica"/>
+                <a:cs typeface="Helvetica"/>
+              </a:rPr>
+              <a:t> statistics, e.g. market volume</a:t>
+            </a:r>
+          </a:p>
+          <a:p>
+            <a:pPr marL="457200" indent="-457200">
+              <a:buFont typeface="Arial"/>
+              <a:buChar char="•"/>
+            </a:pPr>
+            <a:r>
+              <a:rPr lang="en-US" sz="2000" dirty="0" smtClean="0">
+                <a:latin typeface="Helvetica"/>
+                <a:cs typeface="Helvetica"/>
+              </a:rPr>
+              <a:t>Sampled order book data </a:t>
+            </a:r>
+            <a:r>
+              <a:rPr lang="en-US" sz="2000" dirty="0" smtClean="0">
+                <a:latin typeface="Helvetica"/>
+                <a:cs typeface="Helvetica"/>
+                <a:sym typeface="Wingdings"/>
+              </a:rPr>
+              <a:t> </a:t>
+            </a:r>
+            <a:r>
+              <a:rPr lang="en-US" sz="2000" dirty="0" smtClean="0">
+                <a:latin typeface="Helvetica"/>
+                <a:cs typeface="Helvetica"/>
+              </a:rPr>
+              <a:t>buy/sell ratios</a:t>
+            </a:r>
+          </a:p>
+          <a:p>
+            <a:pPr marL="457200" indent="-457200">
+              <a:buFont typeface="Arial"/>
+              <a:buChar char="•"/>
+            </a:pPr>
+            <a:r>
+              <a:rPr lang="en-US" sz="2000" dirty="0" smtClean="0">
+                <a:latin typeface="Helvetica"/>
+                <a:cs typeface="Helvetica"/>
+              </a:rPr>
+              <a:t>Missing data was cubic-spline interpolated or imputed when appropriate</a:t>
+            </a:r>
+          </a:p>
+        </p:txBody>
+      </p:sp>
+      <p:sp>
+        <p:nvSpPr>
+          <p:cNvPr id="185" name="TextBox 184"/>
+          <p:cNvSpPr txBox="1"/>
+          <p:nvPr/>
+        </p:nvSpPr>
+        <p:spPr>
+          <a:xfrm>
+            <a:off x="20489333" y="2956748"/>
+            <a:ext cx="6942667" cy="9325630"/>
+          </a:xfrm>
+          <a:prstGeom prst="rect">
+            <a:avLst/>
+          </a:prstGeom>
+          <a:noFill/>
+        </p:spPr>
+        <p:txBody>
+          <a:bodyPr wrap="square" rtlCol="0">
+            <a:spAutoFit/>
+          </a:bodyPr>
+          <a:lstStyle/>
+          <a:p>
+            <a:r>
+              <a:rPr lang="en-US" sz="2000" dirty="0" smtClean="0">
+                <a:latin typeface="Helvetica"/>
+                <a:cs typeface="Helvetica"/>
+              </a:rPr>
+              <a:t>We framed the trading decision as a recommendation of the optimal time(s) to sell a fixed number of </a:t>
+            </a:r>
+            <a:r>
+              <a:rPr lang="en-US" sz="2000" dirty="0" err="1" smtClean="0">
+                <a:latin typeface="Helvetica"/>
+                <a:cs typeface="Helvetica"/>
+              </a:rPr>
+              <a:t>Bitcoins</a:t>
+            </a:r>
+            <a:r>
+              <a:rPr lang="en-US" sz="2000" dirty="0" smtClean="0">
+                <a:latin typeface="Helvetica"/>
+                <a:cs typeface="Helvetica"/>
+              </a:rPr>
+              <a:t> within an allotted amount of time</a:t>
+            </a:r>
+            <a:r>
+              <a:rPr lang="en-US" sz="2000" dirty="0" smtClean="0">
+                <a:latin typeface="Helvetica"/>
+                <a:cs typeface="Helvetica"/>
+              </a:rPr>
+              <a:t>.</a:t>
+            </a:r>
+          </a:p>
+          <a:p>
+            <a:endParaRPr lang="en-US" sz="2000" b="1" dirty="0">
+              <a:latin typeface="Helvetica"/>
+              <a:cs typeface="Helvetica"/>
+            </a:endParaRPr>
+          </a:p>
+          <a:p>
+            <a:r>
+              <a:rPr lang="en-US" sz="2000" b="1" dirty="0" smtClean="0">
+                <a:latin typeface="Helvetica"/>
+                <a:cs typeface="Helvetica"/>
+              </a:rPr>
+              <a:t>Markov Decision </a:t>
+            </a:r>
+            <a:r>
+              <a:rPr lang="en-US" sz="2000" b="1" dirty="0" smtClean="0">
+                <a:latin typeface="Helvetica"/>
+                <a:cs typeface="Helvetica"/>
+              </a:rPr>
+              <a:t>Process</a:t>
+            </a:r>
+          </a:p>
+          <a:p>
+            <a:r>
+              <a:rPr lang="en-US" sz="2000" dirty="0" smtClean="0">
+                <a:latin typeface="Helvetica"/>
+                <a:cs typeface="Helvetica"/>
+              </a:rPr>
+              <a:t>Standard deviations come from Gaussian regression in the Price Prediction stage. </a:t>
+            </a:r>
+            <a:endParaRPr lang="en-US" sz="2000" dirty="0" smtClean="0">
+              <a:latin typeface="Helvetica"/>
+              <a:cs typeface="Helvetica"/>
+            </a:endParaRPr>
+          </a:p>
+          <a:p>
+            <a:pPr marL="342900" lvl="0" indent="-342900">
+              <a:buFont typeface="Arial"/>
+              <a:buChar char="•"/>
+            </a:pPr>
+            <a:r>
+              <a:rPr lang="en-US" sz="2000" dirty="0" smtClean="0">
+                <a:latin typeface="Helvetica"/>
+                <a:cs typeface="Helvetica"/>
+              </a:rPr>
+              <a:t>States</a:t>
+            </a:r>
+            <a:r>
+              <a:rPr lang="en-US" sz="2000" dirty="0">
+                <a:latin typeface="Helvetica"/>
+                <a:cs typeface="Helvetica"/>
+              </a:rPr>
+              <a:t>: (time remaining, </a:t>
+            </a:r>
+            <a:r>
+              <a:rPr lang="en-US" sz="2000" dirty="0" err="1">
+                <a:latin typeface="Helvetica"/>
+                <a:cs typeface="Helvetica"/>
+              </a:rPr>
+              <a:t>bitcoins</a:t>
+            </a:r>
+            <a:r>
+              <a:rPr lang="en-US" sz="2000" dirty="0">
+                <a:latin typeface="Helvetica"/>
+                <a:cs typeface="Helvetica"/>
+              </a:rPr>
+              <a:t> remaining, </a:t>
+            </a:r>
+            <a:r>
+              <a:rPr lang="en-US" sz="2000" dirty="0" err="1" smtClean="0">
+                <a:latin typeface="Helvetica"/>
+                <a:cs typeface="Helvetica"/>
+              </a:rPr>
+              <a:t>pricediff</a:t>
+            </a:r>
+            <a:r>
+              <a:rPr lang="en-US" sz="2000" dirty="0" smtClean="0">
+                <a:latin typeface="Helvetica"/>
+                <a:cs typeface="Helvetica"/>
+              </a:rPr>
+              <a:t> </a:t>
+            </a:r>
+            <a:r>
+              <a:rPr lang="en-US" sz="2000" dirty="0">
+                <a:latin typeface="Helvetica"/>
+                <a:cs typeface="Helvetica"/>
+              </a:rPr>
+              <a:t>(predicted price – bought price), </a:t>
+            </a:r>
+            <a:r>
+              <a:rPr lang="en-US" sz="2000" dirty="0" err="1" smtClean="0">
+                <a:latin typeface="Helvetica"/>
+                <a:cs typeface="Helvetica"/>
+              </a:rPr>
+              <a:t>stdev</a:t>
+            </a:r>
+            <a:r>
+              <a:rPr lang="en-US" sz="2000" dirty="0" smtClean="0">
+                <a:latin typeface="Helvetica"/>
+                <a:cs typeface="Helvetica"/>
+              </a:rPr>
+              <a:t> </a:t>
+            </a:r>
+            <a:r>
+              <a:rPr lang="en-US" sz="2000" dirty="0">
+                <a:latin typeface="Helvetica"/>
+                <a:cs typeface="Helvetica"/>
+              </a:rPr>
+              <a:t>of predicted price</a:t>
+            </a:r>
+            <a:r>
+              <a:rPr lang="en-US" sz="2000" dirty="0" smtClean="0">
+                <a:latin typeface="Helvetica"/>
+                <a:cs typeface="Helvetica"/>
+              </a:rPr>
+              <a:t>)</a:t>
+            </a:r>
+            <a:endParaRPr lang="en-US" sz="2000" dirty="0">
+              <a:latin typeface="Helvetica"/>
+              <a:cs typeface="Helvetica"/>
+            </a:endParaRPr>
+          </a:p>
+          <a:p>
+            <a:pPr marL="342900" lvl="0" indent="-342900">
+              <a:buFont typeface="Arial"/>
+              <a:buChar char="•"/>
+            </a:pPr>
+            <a:r>
+              <a:rPr lang="en-US" sz="2000" dirty="0">
+                <a:latin typeface="Helvetica"/>
+                <a:cs typeface="Helvetica"/>
+              </a:rPr>
+              <a:t>Actions: {sell i </a:t>
+            </a:r>
+            <a:r>
+              <a:rPr lang="en-US" sz="2000" dirty="0" err="1">
+                <a:latin typeface="Helvetica"/>
+                <a:cs typeface="Helvetica"/>
+              </a:rPr>
+              <a:t>bitcoins</a:t>
+            </a:r>
+            <a:r>
+              <a:rPr lang="en-US" sz="2000" dirty="0">
+                <a:latin typeface="Helvetica"/>
+                <a:cs typeface="Helvetica"/>
+              </a:rPr>
+              <a:t>, do nothing</a:t>
+            </a:r>
+            <a:r>
+              <a:rPr lang="en-US" sz="2000" dirty="0" smtClean="0">
+                <a:latin typeface="Helvetica"/>
+                <a:cs typeface="Helvetica"/>
+              </a:rPr>
+              <a:t>}</a:t>
+            </a:r>
+            <a:endParaRPr lang="en-US" sz="2000" dirty="0">
+              <a:latin typeface="Helvetica"/>
+              <a:cs typeface="Helvetica"/>
+            </a:endParaRPr>
+          </a:p>
+          <a:p>
+            <a:pPr marL="342900" lvl="0" indent="-342900">
+              <a:buFont typeface="Arial"/>
+              <a:buChar char="•"/>
+            </a:pPr>
+            <a:r>
+              <a:rPr lang="en-US" sz="2000" dirty="0">
+                <a:latin typeface="Helvetica"/>
+                <a:cs typeface="Helvetica"/>
+              </a:rPr>
+              <a:t>Rewards(s, a, s): -#</a:t>
+            </a:r>
+            <a:r>
+              <a:rPr lang="en-US" sz="2000" dirty="0" err="1">
+                <a:latin typeface="Helvetica"/>
+                <a:cs typeface="Helvetica"/>
+              </a:rPr>
+              <a:t>bitcoins</a:t>
+            </a:r>
+            <a:r>
+              <a:rPr lang="en-US" sz="2000" dirty="0">
+                <a:latin typeface="Helvetica"/>
+                <a:cs typeface="Helvetica"/>
+              </a:rPr>
+              <a:t> sold in action a * s[</a:t>
+            </a:r>
+            <a:r>
+              <a:rPr lang="en-US" sz="2000" dirty="0" err="1" smtClean="0">
+                <a:latin typeface="Helvetica"/>
+                <a:cs typeface="Helvetica"/>
+              </a:rPr>
+              <a:t>pricediff</a:t>
+            </a:r>
+            <a:r>
+              <a:rPr lang="en-US" sz="2000" dirty="0" smtClean="0">
+                <a:latin typeface="Helvetica"/>
+                <a:cs typeface="Helvetica"/>
+              </a:rPr>
+              <a:t>]</a:t>
+            </a:r>
+            <a:endParaRPr lang="en-US" sz="2000" dirty="0">
+              <a:latin typeface="Helvetica"/>
+              <a:cs typeface="Helvetica"/>
+            </a:endParaRPr>
+          </a:p>
+          <a:p>
+            <a:pPr marL="342900" lvl="0" indent="-342900">
+              <a:buFont typeface="Arial"/>
+              <a:buChar char="•"/>
+            </a:pPr>
+            <a:r>
+              <a:rPr lang="en-US" sz="2000" dirty="0">
+                <a:latin typeface="Helvetica"/>
+                <a:cs typeface="Helvetica"/>
+              </a:rPr>
+              <a:t>Transition probabilities: T(</a:t>
+            </a:r>
+            <a:r>
+              <a:rPr lang="en-US" sz="2000" dirty="0" err="1">
+                <a:latin typeface="Helvetica"/>
+                <a:cs typeface="Helvetica"/>
+              </a:rPr>
+              <a:t>s,a,s</a:t>
+            </a:r>
+            <a:r>
+              <a:rPr lang="en-US" sz="2000" dirty="0">
+                <a:latin typeface="Helvetica"/>
+                <a:cs typeface="Helvetica"/>
+              </a:rPr>
+              <a:t>) ~ N(s[</a:t>
+            </a:r>
+            <a:r>
+              <a:rPr lang="en-US" sz="2000" dirty="0" err="1" smtClean="0">
+                <a:latin typeface="Helvetica"/>
+                <a:cs typeface="Helvetica"/>
+              </a:rPr>
+              <a:t>pricediff</a:t>
+            </a:r>
+            <a:r>
+              <a:rPr lang="en-US" sz="2000" dirty="0">
+                <a:latin typeface="Helvetica"/>
+                <a:cs typeface="Helvetica"/>
+              </a:rPr>
+              <a:t>],s[</a:t>
+            </a:r>
+            <a:r>
+              <a:rPr lang="en-US" sz="2000" dirty="0" err="1" smtClean="0">
+                <a:latin typeface="Helvetica"/>
+                <a:cs typeface="Helvetica"/>
+              </a:rPr>
+              <a:t>stdev</a:t>
+            </a:r>
+            <a:r>
+              <a:rPr lang="en-US" sz="2000" dirty="0" smtClean="0">
+                <a:latin typeface="Helvetica"/>
+                <a:cs typeface="Helvetica"/>
+              </a:rPr>
+              <a:t>]</a:t>
+            </a:r>
+            <a:r>
+              <a:rPr lang="en-US" sz="2000" baseline="30000" dirty="0">
+                <a:latin typeface="Helvetica"/>
+                <a:cs typeface="Helvetica"/>
+              </a:rPr>
+              <a:t>2</a:t>
+            </a:r>
+            <a:r>
+              <a:rPr lang="en-US" sz="2000" dirty="0" smtClean="0">
+                <a:latin typeface="Helvetica"/>
+                <a:cs typeface="Helvetica"/>
+              </a:rPr>
+              <a:t>)</a:t>
+            </a:r>
+            <a:endParaRPr lang="en-US" sz="2000" dirty="0">
+              <a:latin typeface="Helvetica"/>
+              <a:cs typeface="Helvetica"/>
+            </a:endParaRPr>
+          </a:p>
+          <a:p>
+            <a:pPr marL="342900" lvl="0" indent="-342900">
+              <a:buFont typeface="Arial"/>
+              <a:buChar char="•"/>
+            </a:pPr>
+            <a:r>
+              <a:rPr lang="en-US" sz="2000" dirty="0" err="1">
+                <a:latin typeface="Helvetica"/>
+                <a:cs typeface="Helvetica"/>
+              </a:rPr>
+              <a:t>IsEnd</a:t>
+            </a:r>
+            <a:r>
+              <a:rPr lang="en-US" sz="2000" dirty="0">
+                <a:latin typeface="Helvetica"/>
+                <a:cs typeface="Helvetica"/>
+              </a:rPr>
+              <a:t>(s): s[time remaining] = </a:t>
+            </a:r>
+            <a:r>
+              <a:rPr lang="en-US" sz="2000" dirty="0" smtClean="0">
+                <a:latin typeface="Helvetica"/>
+                <a:cs typeface="Helvetica"/>
+              </a:rPr>
+              <a:t>0</a:t>
+            </a:r>
+            <a:endParaRPr lang="en-US" sz="2000" b="1" dirty="0" smtClean="0">
+              <a:latin typeface="Helvetica"/>
+              <a:cs typeface="Helvetica"/>
+            </a:endParaRPr>
+          </a:p>
+          <a:p>
+            <a:endParaRPr lang="en-US" sz="2000" b="1" dirty="0">
+              <a:latin typeface="Helvetica"/>
+              <a:cs typeface="Helvetica"/>
+            </a:endParaRPr>
+          </a:p>
+          <a:p>
+            <a:endParaRPr lang="en-US" sz="2000" b="1" dirty="0" smtClean="0">
+              <a:latin typeface="Helvetica"/>
+              <a:cs typeface="Helvetica"/>
+            </a:endParaRPr>
+          </a:p>
+          <a:p>
+            <a:endParaRPr lang="en-US" sz="2000" b="1" dirty="0" smtClean="0">
+              <a:latin typeface="Helvetica"/>
+              <a:cs typeface="Helvetica"/>
+            </a:endParaRPr>
+          </a:p>
+          <a:p>
+            <a:pPr lvl="1"/>
+            <a:endParaRPr lang="en-US" sz="2000" b="1" dirty="0">
+              <a:latin typeface="Helvetica"/>
+              <a:cs typeface="Helvetica"/>
+            </a:endParaRPr>
+          </a:p>
+          <a:p>
+            <a:endParaRPr lang="en-US" sz="2000" i="1" dirty="0" smtClean="0">
+              <a:latin typeface="Helvetica"/>
+              <a:cs typeface="Helvetica"/>
+            </a:endParaRPr>
+          </a:p>
+          <a:p>
+            <a:endParaRPr lang="en-US" sz="2000" b="1" dirty="0" smtClean="0">
+              <a:latin typeface="Helvetica"/>
+              <a:cs typeface="Helvetica"/>
+            </a:endParaRPr>
+          </a:p>
+          <a:p>
+            <a:endParaRPr lang="en-US" sz="2000" b="1" dirty="0" smtClean="0">
+              <a:latin typeface="Helvetica"/>
+              <a:cs typeface="Helvetica"/>
+            </a:endParaRPr>
+          </a:p>
+          <a:p>
+            <a:endParaRPr lang="en-US" sz="2000" b="1" dirty="0" smtClean="0">
+              <a:latin typeface="Helvetica"/>
+              <a:cs typeface="Helvetica"/>
+            </a:endParaRPr>
+          </a:p>
+          <a:p>
+            <a:r>
+              <a:rPr lang="en-US" sz="2000" b="1" dirty="0" smtClean="0">
+                <a:latin typeface="Helvetica"/>
+                <a:cs typeface="Helvetica"/>
+              </a:rPr>
+              <a:t>Constraint </a:t>
+            </a:r>
+            <a:r>
+              <a:rPr lang="en-US" sz="2000" b="1" dirty="0" smtClean="0">
+                <a:latin typeface="Helvetica"/>
+                <a:cs typeface="Helvetica"/>
+              </a:rPr>
+              <a:t>Satisfaction </a:t>
+            </a:r>
+            <a:r>
+              <a:rPr lang="en-US" sz="2000" b="1" dirty="0" smtClean="0">
+                <a:latin typeface="Helvetica"/>
+                <a:cs typeface="Helvetica"/>
+              </a:rPr>
+              <a:t>Problem</a:t>
+            </a:r>
+            <a:endParaRPr lang="en-US" sz="2000" b="1" dirty="0" smtClean="0">
+              <a:latin typeface="Helvetica"/>
+              <a:cs typeface="Helvetica"/>
+            </a:endParaRPr>
+          </a:p>
+          <a:p>
+            <a:pPr marL="342900" indent="-342900">
+              <a:buFont typeface="Arial"/>
+              <a:buChar char="•"/>
+            </a:pPr>
+            <a:r>
+              <a:rPr lang="en-US" sz="2000" dirty="0" smtClean="0">
+                <a:latin typeface="Helvetica"/>
+                <a:cs typeface="Helvetica"/>
+              </a:rPr>
+              <a:t>Variables: number of </a:t>
+            </a:r>
+            <a:r>
+              <a:rPr lang="en-US" sz="2000" dirty="0" err="1" smtClean="0">
+                <a:latin typeface="Helvetica"/>
+                <a:cs typeface="Helvetica"/>
+              </a:rPr>
+              <a:t>bitcoins</a:t>
+            </a:r>
+            <a:r>
+              <a:rPr lang="en-US" sz="2000" dirty="0" smtClean="0">
+                <a:latin typeface="Helvetica"/>
+                <a:cs typeface="Helvetica"/>
+              </a:rPr>
+              <a:t> to sell at each timestamp.</a:t>
+            </a:r>
+          </a:p>
+          <a:p>
+            <a:pPr marL="342900" indent="-342900">
+              <a:buFont typeface="Arial"/>
+              <a:buChar char="•"/>
+            </a:pPr>
+            <a:r>
+              <a:rPr lang="en-US" sz="2000" dirty="0">
+                <a:latin typeface="Helvetica"/>
+                <a:cs typeface="Helvetica"/>
+              </a:rPr>
+              <a:t>Potential: Do not sell more </a:t>
+            </a:r>
+            <a:r>
+              <a:rPr lang="en-US" sz="2000" dirty="0" err="1">
+                <a:latin typeface="Helvetica"/>
+                <a:cs typeface="Helvetica"/>
+              </a:rPr>
+              <a:t>Bitcoins</a:t>
+            </a:r>
+            <a:r>
+              <a:rPr lang="en-US" sz="2000" dirty="0">
+                <a:latin typeface="Helvetica"/>
+                <a:cs typeface="Helvetica"/>
+              </a:rPr>
+              <a:t> than you own</a:t>
+            </a:r>
+            <a:r>
+              <a:rPr lang="en-US" sz="2000" dirty="0" smtClean="0">
+                <a:latin typeface="Helvetica"/>
+                <a:cs typeface="Helvetica"/>
+              </a:rPr>
+              <a:t>.</a:t>
+            </a:r>
+            <a:endParaRPr lang="en-US" sz="2000" dirty="0" smtClean="0">
+              <a:latin typeface="Helvetica"/>
+              <a:cs typeface="Helvetica"/>
+            </a:endParaRPr>
+          </a:p>
+          <a:p>
+            <a:pPr marL="342900" indent="-342900">
+              <a:buFont typeface="Arial"/>
+              <a:buChar char="•"/>
+            </a:pPr>
+            <a:r>
+              <a:rPr lang="en-US" sz="2000" dirty="0" smtClean="0">
+                <a:latin typeface="Helvetica"/>
+                <a:cs typeface="Helvetica"/>
+              </a:rPr>
+              <a:t>Potential</a:t>
+            </a:r>
+            <a:r>
+              <a:rPr lang="en-US" sz="2000" dirty="0" smtClean="0">
+                <a:latin typeface="Helvetica"/>
+                <a:cs typeface="Helvetica"/>
+              </a:rPr>
+              <a:t>: </a:t>
+            </a:r>
+            <a:r>
+              <a:rPr lang="en-US" sz="2000" dirty="0" smtClean="0">
+                <a:latin typeface="Helvetica"/>
+                <a:cs typeface="Helvetica"/>
+              </a:rPr>
+              <a:t>timestamps with more certain (earlier) predictions are weighted higher: 1/log(timestamp+2)</a:t>
+            </a:r>
+            <a:endParaRPr lang="en-US" sz="2000" dirty="0" smtClean="0">
+              <a:latin typeface="Helvetica"/>
+              <a:cs typeface="Helvetica"/>
+            </a:endParaRPr>
+          </a:p>
+          <a:p>
+            <a:pPr marL="342900" indent="-342900">
+              <a:buFont typeface="Arial"/>
+              <a:buChar char="•"/>
+            </a:pPr>
+            <a:r>
+              <a:rPr lang="en-US" sz="2000" dirty="0" smtClean="0">
+                <a:latin typeface="Helvetica"/>
+                <a:cs typeface="Helvetica"/>
+              </a:rPr>
+              <a:t>Potential</a:t>
+            </a:r>
+            <a:r>
+              <a:rPr lang="en-US" sz="2000" dirty="0" smtClean="0">
+                <a:latin typeface="Helvetica"/>
+                <a:cs typeface="Helvetica"/>
+              </a:rPr>
+              <a:t>: </a:t>
+            </a:r>
+            <a:r>
+              <a:rPr lang="en-US" sz="2000" dirty="0" smtClean="0">
+                <a:latin typeface="Helvetica"/>
+                <a:cs typeface="Helvetica"/>
+              </a:rPr>
+              <a:t>timestamps with higher predicted prices have higher weight=max(predicted profit,1)</a:t>
+            </a:r>
+          </a:p>
+          <a:p>
+            <a:pPr marL="342900" indent="-342900">
+              <a:buFont typeface="Arial"/>
+              <a:buChar char="•"/>
+            </a:pPr>
+            <a:r>
+              <a:rPr lang="en-US" sz="2000" dirty="0" smtClean="0">
+                <a:latin typeface="Helvetica"/>
+                <a:cs typeface="Helvetica"/>
+              </a:rPr>
+              <a:t>Re-calculate CSP when new data received.</a:t>
+            </a:r>
+            <a:endParaRPr lang="en-US" sz="2000" dirty="0" smtClean="0">
+              <a:latin typeface="Helvetica"/>
+              <a:cs typeface="Helvetica"/>
+            </a:endParaRPr>
+          </a:p>
+        </p:txBody>
+      </p:sp>
+      <p:sp>
+        <p:nvSpPr>
+          <p:cNvPr id="27" name="Oval 26"/>
+          <p:cNvSpPr/>
+          <p:nvPr/>
+        </p:nvSpPr>
+        <p:spPr>
+          <a:xfrm>
+            <a:off x="12065484" y="4917120"/>
+            <a:ext cx="1789841" cy="1336873"/>
+          </a:xfrm>
+          <a:prstGeom prst="ellipse">
+            <a:avLst/>
+          </a:prstGeom>
+        </p:spPr>
+        <p:style>
+          <a:lnRef idx="2">
+            <a:schemeClr val="dk1"/>
+          </a:lnRef>
+          <a:fillRef idx="1">
+            <a:schemeClr val="lt1"/>
+          </a:fillRef>
+          <a:effectRef idx="0">
+            <a:schemeClr val="dk1"/>
+          </a:effectRef>
+          <a:fontRef idx="minor">
+            <a:schemeClr val="dk1"/>
+          </a:fontRef>
+        </p:style>
+        <p:txBody>
+          <a:bodyPr rtlCol="0" anchor="ctr"/>
+          <a:lstStyle/>
+          <a:p>
+            <a:pPr algn="ctr"/>
+            <a:r>
+              <a:rPr lang="en-US" sz="1800" dirty="0" smtClean="0"/>
+              <a:t>Price + other features for t</a:t>
+            </a:r>
+            <a:r>
+              <a:rPr lang="en-US" sz="1800" baseline="-25000" dirty="0" smtClean="0"/>
+              <a:t>1</a:t>
+            </a:r>
+            <a:r>
+              <a:rPr lang="en-US" sz="1800" dirty="0" smtClean="0"/>
+              <a:t>…</a:t>
+            </a:r>
+            <a:r>
+              <a:rPr lang="en-US" sz="1800" dirty="0" err="1" smtClean="0"/>
+              <a:t>t</a:t>
+            </a:r>
+            <a:r>
+              <a:rPr lang="en-US" sz="1800" baseline="-25000" dirty="0" err="1" smtClean="0"/>
+              <a:t>i</a:t>
+            </a:r>
+            <a:endParaRPr lang="en-US" sz="1800" dirty="0"/>
+          </a:p>
+        </p:txBody>
+      </p:sp>
+      <p:sp>
+        <p:nvSpPr>
+          <p:cNvPr id="29" name="Rectangle 28"/>
+          <p:cNvSpPr/>
+          <p:nvPr/>
+        </p:nvSpPr>
+        <p:spPr>
+          <a:xfrm>
+            <a:off x="14594296" y="5401736"/>
+            <a:ext cx="1654316" cy="1303452"/>
+          </a:xfrm>
+          <a:prstGeom prst="rect">
+            <a:avLst/>
+          </a:prstGeom>
+        </p:spPr>
+        <p:style>
+          <a:lnRef idx="2">
+            <a:schemeClr val="dk1"/>
+          </a:lnRef>
+          <a:fillRef idx="1">
+            <a:schemeClr val="lt1"/>
+          </a:fillRef>
+          <a:effectRef idx="0">
+            <a:schemeClr val="dk1"/>
+          </a:effectRef>
+          <a:fontRef idx="minor">
+            <a:schemeClr val="dk1"/>
+          </a:fontRef>
+        </p:style>
+        <p:txBody>
+          <a:bodyPr rtlCol="0" anchor="ctr"/>
+          <a:lstStyle/>
+          <a:p>
+            <a:pPr algn="ctr"/>
+            <a:r>
+              <a:rPr lang="en-US" sz="1600" dirty="0" smtClean="0"/>
+              <a:t>Ridge/Bayesian/Linear/Logistic regression, neural network, SVM</a:t>
+            </a:r>
+            <a:endParaRPr lang="en-US" sz="1600" dirty="0"/>
+          </a:p>
+        </p:txBody>
+      </p:sp>
+      <p:sp>
+        <p:nvSpPr>
+          <p:cNvPr id="194" name="Rectangle 193"/>
+          <p:cNvSpPr/>
+          <p:nvPr/>
+        </p:nvSpPr>
+        <p:spPr>
+          <a:xfrm>
+            <a:off x="14880377" y="4401083"/>
+            <a:ext cx="1084158" cy="766701"/>
+          </a:xfrm>
+          <a:prstGeom prst="rect">
+            <a:avLst/>
+          </a:prstGeom>
+        </p:spPr>
+        <p:style>
+          <a:lnRef idx="2">
+            <a:schemeClr val="dk1"/>
+          </a:lnRef>
+          <a:fillRef idx="1">
+            <a:schemeClr val="lt1"/>
+          </a:fillRef>
+          <a:effectRef idx="0">
+            <a:schemeClr val="dk1"/>
+          </a:effectRef>
+          <a:fontRef idx="minor">
+            <a:schemeClr val="dk1"/>
+          </a:fontRef>
+        </p:style>
+        <p:txBody>
+          <a:bodyPr rtlCol="0" anchor="ctr"/>
+          <a:lstStyle/>
+          <a:p>
+            <a:pPr algn="ctr"/>
+            <a:r>
+              <a:rPr lang="en-US" sz="1600" dirty="0" smtClean="0"/>
+              <a:t>Gaussian regression</a:t>
+            </a:r>
+            <a:endParaRPr lang="en-US" sz="1600" dirty="0"/>
+          </a:p>
+        </p:txBody>
+      </p:sp>
+      <p:cxnSp>
+        <p:nvCxnSpPr>
+          <p:cNvPr id="195" name="Straight Arrow Connector 194"/>
+          <p:cNvCxnSpPr/>
+          <p:nvPr/>
+        </p:nvCxnSpPr>
+        <p:spPr>
+          <a:xfrm>
+            <a:off x="13970453" y="5568848"/>
+            <a:ext cx="540784" cy="4862"/>
+          </a:xfrm>
+          <a:prstGeom prst="straightConnector1">
+            <a:avLst/>
+          </a:prstGeom>
+          <a:ln w="28575" cmpd="sng">
+            <a:tailEnd type="arrow"/>
+          </a:ln>
+        </p:spPr>
+        <p:style>
+          <a:lnRef idx="2">
+            <a:schemeClr val="dk1"/>
+          </a:lnRef>
+          <a:fillRef idx="0">
+            <a:schemeClr val="dk1"/>
+          </a:fillRef>
+          <a:effectRef idx="1">
+            <a:schemeClr val="dk1"/>
+          </a:effectRef>
+          <a:fontRef idx="minor">
+            <a:schemeClr val="tx1"/>
+          </a:fontRef>
+        </p:style>
+      </p:cxnSp>
+      <p:sp>
+        <p:nvSpPr>
+          <p:cNvPr id="197" name="Oval 196"/>
+          <p:cNvSpPr/>
+          <p:nvPr/>
+        </p:nvSpPr>
+        <p:spPr>
+          <a:xfrm>
+            <a:off x="16976571" y="5453871"/>
+            <a:ext cx="1886255" cy="933809"/>
+          </a:xfrm>
+          <a:prstGeom prst="ellipse">
+            <a:avLst/>
+          </a:prstGeom>
+        </p:spPr>
+        <p:style>
+          <a:lnRef idx="2">
+            <a:schemeClr val="dk1"/>
+          </a:lnRef>
+          <a:fillRef idx="1">
+            <a:schemeClr val="lt1"/>
+          </a:fillRef>
+          <a:effectRef idx="0">
+            <a:schemeClr val="dk1"/>
+          </a:effectRef>
+          <a:fontRef idx="minor">
+            <a:schemeClr val="dk1"/>
+          </a:fontRef>
+        </p:style>
+        <p:txBody>
+          <a:bodyPr rtlCol="0" anchor="ctr"/>
+          <a:lstStyle/>
+          <a:p>
+            <a:pPr algn="ctr"/>
+            <a:r>
+              <a:rPr lang="en-US" sz="1800" dirty="0" smtClean="0"/>
+              <a:t>Predicted price for </a:t>
+            </a:r>
+            <a:r>
+              <a:rPr lang="en-US" sz="1800" i="1" dirty="0" err="1" smtClean="0"/>
+              <a:t>t</a:t>
+            </a:r>
+            <a:r>
+              <a:rPr lang="en-US" sz="1800" i="1" baseline="-25000" dirty="0" err="1" smtClean="0"/>
+              <a:t>i+dt</a:t>
+            </a:r>
+            <a:r>
+              <a:rPr lang="en-US" sz="1800" dirty="0" smtClean="0"/>
+              <a:t> </a:t>
+            </a:r>
+            <a:endParaRPr lang="en-US" sz="1800" dirty="0"/>
+          </a:p>
+        </p:txBody>
+      </p:sp>
+      <p:sp>
+        <p:nvSpPr>
+          <p:cNvPr id="198" name="Oval 197"/>
+          <p:cNvSpPr/>
+          <p:nvPr/>
+        </p:nvSpPr>
+        <p:spPr>
+          <a:xfrm>
+            <a:off x="16908019" y="4336243"/>
+            <a:ext cx="1886255" cy="933809"/>
+          </a:xfrm>
+          <a:prstGeom prst="ellipse">
+            <a:avLst/>
+          </a:prstGeom>
+        </p:spPr>
+        <p:style>
+          <a:lnRef idx="2">
+            <a:schemeClr val="dk1"/>
+          </a:lnRef>
+          <a:fillRef idx="1">
+            <a:schemeClr val="lt1"/>
+          </a:fillRef>
+          <a:effectRef idx="0">
+            <a:schemeClr val="dk1"/>
+          </a:effectRef>
+          <a:fontRef idx="minor">
+            <a:schemeClr val="dk1"/>
+          </a:fontRef>
+        </p:style>
+        <p:txBody>
+          <a:bodyPr rtlCol="0" anchor="ctr"/>
+          <a:lstStyle/>
+          <a:p>
+            <a:pPr algn="ctr"/>
+            <a:r>
+              <a:rPr lang="en-US" sz="1800" dirty="0" err="1" smtClean="0"/>
+              <a:t>St.dev</a:t>
+            </a:r>
+            <a:r>
+              <a:rPr lang="en-US" sz="1800" dirty="0" smtClean="0"/>
+              <a:t>. </a:t>
+            </a:r>
+            <a:r>
+              <a:rPr lang="en-US" sz="1800" dirty="0" smtClean="0"/>
+              <a:t>for price for </a:t>
+            </a:r>
+            <a:r>
+              <a:rPr lang="en-US" sz="1800" i="1" dirty="0" err="1" smtClean="0"/>
+              <a:t>t</a:t>
+            </a:r>
+            <a:r>
+              <a:rPr lang="en-US" sz="1800" i="1" baseline="-25000" dirty="0" err="1" smtClean="0"/>
+              <a:t>i+dt</a:t>
+            </a:r>
+            <a:r>
+              <a:rPr lang="en-US" sz="1800" dirty="0" smtClean="0"/>
+              <a:t> </a:t>
+            </a:r>
+            <a:endParaRPr lang="en-US" sz="1800" dirty="0"/>
+          </a:p>
+        </p:txBody>
+      </p:sp>
+      <p:cxnSp>
+        <p:nvCxnSpPr>
+          <p:cNvPr id="199" name="Straight Arrow Connector 198"/>
+          <p:cNvCxnSpPr/>
+          <p:nvPr/>
+        </p:nvCxnSpPr>
+        <p:spPr>
+          <a:xfrm flipV="1">
+            <a:off x="16275776" y="5919775"/>
+            <a:ext cx="548640" cy="8294"/>
+          </a:xfrm>
+          <a:prstGeom prst="straightConnector1">
+            <a:avLst/>
+          </a:prstGeom>
+          <a:ln w="28575" cmpd="sng">
+            <a:tailEnd type="arrow"/>
+          </a:ln>
+        </p:spPr>
+        <p:style>
+          <a:lnRef idx="2">
+            <a:schemeClr val="dk1"/>
+          </a:lnRef>
+          <a:fillRef idx="0">
+            <a:schemeClr val="dk1"/>
+          </a:fillRef>
+          <a:effectRef idx="1">
+            <a:schemeClr val="dk1"/>
+          </a:effectRef>
+          <a:fontRef idx="minor">
+            <a:schemeClr val="tx1"/>
+          </a:fontRef>
+        </p:style>
+      </p:cxnSp>
+      <p:cxnSp>
+        <p:nvCxnSpPr>
+          <p:cNvPr id="200" name="Straight Arrow Connector 199"/>
+          <p:cNvCxnSpPr/>
+          <p:nvPr/>
+        </p:nvCxnSpPr>
+        <p:spPr>
+          <a:xfrm flipV="1">
+            <a:off x="16244361" y="4802146"/>
+            <a:ext cx="548640" cy="8294"/>
+          </a:xfrm>
+          <a:prstGeom prst="straightConnector1">
+            <a:avLst/>
+          </a:prstGeom>
+          <a:ln w="28575" cmpd="sng">
+            <a:tailEnd type="arrow"/>
+          </a:ln>
+        </p:spPr>
+        <p:style>
+          <a:lnRef idx="2">
+            <a:schemeClr val="dk1"/>
+          </a:lnRef>
+          <a:fillRef idx="0">
+            <a:schemeClr val="dk1"/>
+          </a:fillRef>
+          <a:effectRef idx="1">
+            <a:schemeClr val="dk1"/>
+          </a:effectRef>
+          <a:fontRef idx="minor">
+            <a:schemeClr val="tx1"/>
+          </a:fontRef>
+        </p:style>
+      </p:cxnSp>
+      <p:cxnSp>
+        <p:nvCxnSpPr>
+          <p:cNvPr id="201" name="Straight Arrow Connector 200"/>
+          <p:cNvCxnSpPr/>
+          <p:nvPr/>
+        </p:nvCxnSpPr>
+        <p:spPr>
+          <a:xfrm>
+            <a:off x="16263081" y="4962840"/>
+            <a:ext cx="548640" cy="739693"/>
+          </a:xfrm>
+          <a:prstGeom prst="straightConnector1">
+            <a:avLst/>
+          </a:prstGeom>
+          <a:ln w="28575" cmpd="sng">
+            <a:tailEnd type="arrow"/>
+          </a:ln>
+        </p:spPr>
+        <p:style>
+          <a:lnRef idx="2">
+            <a:schemeClr val="dk1"/>
+          </a:lnRef>
+          <a:fillRef idx="0">
+            <a:schemeClr val="dk1"/>
+          </a:fillRef>
+          <a:effectRef idx="1">
+            <a:schemeClr val="dk1"/>
+          </a:effectRef>
+          <a:fontRef idx="minor">
+            <a:schemeClr val="tx1"/>
+          </a:fontRef>
+        </p:style>
+      </p:cxnSp>
+      <p:sp>
+        <p:nvSpPr>
+          <p:cNvPr id="208" name="Oval 207"/>
+          <p:cNvSpPr/>
+          <p:nvPr/>
+        </p:nvSpPr>
+        <p:spPr>
+          <a:xfrm>
+            <a:off x="21650308" y="13196157"/>
+            <a:ext cx="1285423" cy="652671"/>
+          </a:xfrm>
+          <a:prstGeom prst="ellipse">
+            <a:avLst/>
+          </a:prstGeom>
+        </p:spPr>
+        <p:style>
+          <a:lnRef idx="2">
+            <a:schemeClr val="dk1"/>
+          </a:lnRef>
+          <a:fillRef idx="1">
+            <a:schemeClr val="lt1"/>
+          </a:fillRef>
+          <a:effectRef idx="0">
+            <a:schemeClr val="dk1"/>
+          </a:effectRef>
+          <a:fontRef idx="minor">
+            <a:schemeClr val="dk1"/>
+          </a:fontRef>
+        </p:style>
+        <p:txBody>
+          <a:bodyPr rtlCol="0" anchor="ctr"/>
+          <a:lstStyle/>
+          <a:p>
+            <a:pPr algn="ctr"/>
+            <a:r>
+              <a:rPr lang="en-US" sz="1800" dirty="0" smtClean="0"/>
+              <a:t>Sell at t=1?</a:t>
+            </a:r>
+            <a:endParaRPr lang="en-US" sz="1800" dirty="0"/>
+          </a:p>
+        </p:txBody>
+      </p:sp>
+      <p:cxnSp>
+        <p:nvCxnSpPr>
+          <p:cNvPr id="210" name="Straight Arrow Connector 209"/>
+          <p:cNvCxnSpPr/>
+          <p:nvPr/>
+        </p:nvCxnSpPr>
+        <p:spPr>
+          <a:xfrm flipV="1">
+            <a:off x="22954960" y="13529487"/>
+            <a:ext cx="735252" cy="1"/>
+          </a:xfrm>
+          <a:prstGeom prst="straightConnector1">
+            <a:avLst/>
+          </a:prstGeom>
+          <a:ln>
+            <a:headEnd type="none"/>
+            <a:tailEnd type="none"/>
+          </a:ln>
+        </p:spPr>
+        <p:style>
+          <a:lnRef idx="1">
+            <a:schemeClr val="dk1"/>
+          </a:lnRef>
+          <a:fillRef idx="0">
+            <a:schemeClr val="dk1"/>
+          </a:fillRef>
+          <a:effectRef idx="0">
+            <a:schemeClr val="dk1"/>
+          </a:effectRef>
+          <a:fontRef idx="minor">
+            <a:schemeClr val="tx1"/>
+          </a:fontRef>
+        </p:style>
+      </p:cxnSp>
+      <p:sp>
+        <p:nvSpPr>
+          <p:cNvPr id="59" name="Rectangle 58"/>
+          <p:cNvSpPr/>
+          <p:nvPr/>
+        </p:nvSpPr>
+        <p:spPr>
+          <a:xfrm>
+            <a:off x="23220119" y="13425475"/>
+            <a:ext cx="194021" cy="194037"/>
+          </a:xfrm>
+          <a:prstGeom prst="rect">
+            <a:avLst/>
+          </a:prstGeom>
+        </p:spPr>
+        <p:style>
+          <a:lnRef idx="2">
+            <a:schemeClr val="dk1"/>
+          </a:lnRef>
+          <a:fillRef idx="1">
+            <a:schemeClr val="lt1"/>
+          </a:fillRef>
+          <a:effectRef idx="0">
+            <a:schemeClr val="dk1"/>
+          </a:effectRef>
+          <a:fontRef idx="minor">
+            <a:schemeClr val="dk1"/>
+          </a:fontRef>
+        </p:style>
+        <p:txBody>
+          <a:bodyPr rtlCol="0" anchor="ctr"/>
+          <a:lstStyle/>
+          <a:p>
+            <a:pPr algn="ctr"/>
+            <a:endParaRPr lang="en-US"/>
+          </a:p>
+        </p:txBody>
+      </p:sp>
+      <p:cxnSp>
+        <p:nvCxnSpPr>
+          <p:cNvPr id="211" name="Straight Arrow Connector 210"/>
+          <p:cNvCxnSpPr/>
+          <p:nvPr/>
+        </p:nvCxnSpPr>
+        <p:spPr>
+          <a:xfrm flipV="1">
+            <a:off x="24977022" y="13354916"/>
+            <a:ext cx="465526" cy="185855"/>
+          </a:xfrm>
+          <a:prstGeom prst="straightConnector1">
+            <a:avLst/>
+          </a:prstGeom>
+          <a:ln>
+            <a:headEnd type="none"/>
+            <a:tailEnd type="none"/>
+          </a:ln>
+        </p:spPr>
+        <p:style>
+          <a:lnRef idx="1">
+            <a:schemeClr val="dk1"/>
+          </a:lnRef>
+          <a:fillRef idx="0">
+            <a:schemeClr val="dk1"/>
+          </a:fillRef>
+          <a:effectRef idx="0">
+            <a:schemeClr val="dk1"/>
+          </a:effectRef>
+          <a:fontRef idx="minor">
+            <a:schemeClr val="tx1"/>
+          </a:fontRef>
+        </p:style>
+      </p:cxnSp>
+      <p:sp>
+        <p:nvSpPr>
+          <p:cNvPr id="212" name="Rectangle 211"/>
+          <p:cNvSpPr/>
+          <p:nvPr/>
+        </p:nvSpPr>
+        <p:spPr>
+          <a:xfrm>
+            <a:off x="25383288" y="13207441"/>
+            <a:ext cx="194021" cy="194037"/>
+          </a:xfrm>
+          <a:prstGeom prst="rect">
+            <a:avLst/>
+          </a:prstGeom>
+        </p:spPr>
+        <p:style>
+          <a:lnRef idx="2">
+            <a:schemeClr val="dk1"/>
+          </a:lnRef>
+          <a:fillRef idx="1">
+            <a:schemeClr val="lt1"/>
+          </a:fillRef>
+          <a:effectRef idx="0">
+            <a:schemeClr val="dk1"/>
+          </a:effectRef>
+          <a:fontRef idx="minor">
+            <a:schemeClr val="dk1"/>
+          </a:fontRef>
+        </p:style>
+        <p:txBody>
+          <a:bodyPr rtlCol="0" anchor="ctr"/>
+          <a:lstStyle/>
+          <a:p>
+            <a:pPr algn="ctr"/>
+            <a:endParaRPr lang="en-US"/>
+          </a:p>
+        </p:txBody>
+      </p:sp>
+      <p:sp>
+        <p:nvSpPr>
+          <p:cNvPr id="64" name="TextBox 63"/>
+          <p:cNvSpPr txBox="1"/>
+          <p:nvPr/>
+        </p:nvSpPr>
+        <p:spPr>
+          <a:xfrm>
+            <a:off x="25689484" y="12684605"/>
+            <a:ext cx="1463981" cy="923330"/>
+          </a:xfrm>
+          <a:prstGeom prst="rect">
+            <a:avLst/>
+          </a:prstGeom>
+          <a:noFill/>
+        </p:spPr>
+        <p:txBody>
+          <a:bodyPr wrap="square" rtlCol="0">
+            <a:spAutoFit/>
+          </a:bodyPr>
+          <a:lstStyle/>
+          <a:p>
+            <a:r>
+              <a:rPr lang="en-US" sz="1800" dirty="0" smtClean="0"/>
+              <a:t>Sum &lt;= </a:t>
+            </a:r>
+            <a:r>
+              <a:rPr lang="en-US" sz="1800" dirty="0" err="1" smtClean="0"/>
+              <a:t>bitcoins</a:t>
+            </a:r>
+            <a:r>
+              <a:rPr lang="en-US" sz="1800" dirty="0" smtClean="0"/>
+              <a:t> in wallet</a:t>
+            </a:r>
+            <a:endParaRPr lang="en-US" sz="1800" dirty="0"/>
+          </a:p>
+        </p:txBody>
+      </p:sp>
+      <p:sp>
+        <p:nvSpPr>
+          <p:cNvPr id="213" name="Rectangle 212"/>
+          <p:cNvSpPr/>
+          <p:nvPr/>
+        </p:nvSpPr>
+        <p:spPr>
+          <a:xfrm>
+            <a:off x="22237323" y="12724811"/>
+            <a:ext cx="194021" cy="194037"/>
+          </a:xfrm>
+          <a:prstGeom prst="rect">
+            <a:avLst/>
+          </a:prstGeom>
+        </p:spPr>
+        <p:style>
+          <a:lnRef idx="2">
+            <a:schemeClr val="dk1"/>
+          </a:lnRef>
+          <a:fillRef idx="1">
+            <a:schemeClr val="lt1"/>
+          </a:fillRef>
+          <a:effectRef idx="0">
+            <a:schemeClr val="dk1"/>
+          </a:effectRef>
+          <a:fontRef idx="minor">
+            <a:schemeClr val="dk1"/>
+          </a:fontRef>
+        </p:style>
+        <p:txBody>
+          <a:bodyPr rtlCol="0" anchor="ctr"/>
+          <a:lstStyle/>
+          <a:p>
+            <a:pPr algn="ctr"/>
+            <a:endParaRPr lang="en-US"/>
+          </a:p>
+        </p:txBody>
+      </p:sp>
+      <p:sp>
+        <p:nvSpPr>
+          <p:cNvPr id="214" name="Rectangle 213"/>
+          <p:cNvSpPr/>
+          <p:nvPr/>
+        </p:nvSpPr>
+        <p:spPr>
+          <a:xfrm>
+            <a:off x="24265728" y="12689531"/>
+            <a:ext cx="194021" cy="194037"/>
+          </a:xfrm>
+          <a:prstGeom prst="rect">
+            <a:avLst/>
+          </a:prstGeom>
+        </p:spPr>
+        <p:style>
+          <a:lnRef idx="2">
+            <a:schemeClr val="dk1"/>
+          </a:lnRef>
+          <a:fillRef idx="1">
+            <a:schemeClr val="lt1"/>
+          </a:fillRef>
+          <a:effectRef idx="0">
+            <a:schemeClr val="dk1"/>
+          </a:effectRef>
+          <a:fontRef idx="minor">
+            <a:schemeClr val="dk1"/>
+          </a:fontRef>
+        </p:style>
+        <p:txBody>
+          <a:bodyPr rtlCol="0" anchor="ctr"/>
+          <a:lstStyle/>
+          <a:p>
+            <a:pPr algn="ctr"/>
+            <a:endParaRPr lang="en-US"/>
+          </a:p>
+        </p:txBody>
+      </p:sp>
+      <p:cxnSp>
+        <p:nvCxnSpPr>
+          <p:cNvPr id="215" name="Straight Arrow Connector 214"/>
+          <p:cNvCxnSpPr/>
+          <p:nvPr/>
+        </p:nvCxnSpPr>
+        <p:spPr>
+          <a:xfrm flipV="1">
+            <a:off x="22338203" y="12931562"/>
+            <a:ext cx="0" cy="246956"/>
+          </a:xfrm>
+          <a:prstGeom prst="straightConnector1">
+            <a:avLst/>
+          </a:prstGeom>
+          <a:ln>
+            <a:headEnd type="none"/>
+            <a:tailEnd type="none"/>
+          </a:ln>
+        </p:spPr>
+        <p:style>
+          <a:lnRef idx="1">
+            <a:schemeClr val="dk1"/>
+          </a:lnRef>
+          <a:fillRef idx="0">
+            <a:schemeClr val="dk1"/>
+          </a:fillRef>
+          <a:effectRef idx="0">
+            <a:schemeClr val="dk1"/>
+          </a:effectRef>
+          <a:fontRef idx="minor">
+            <a:schemeClr val="tx1"/>
+          </a:fontRef>
+        </p:style>
+      </p:cxnSp>
+      <p:cxnSp>
+        <p:nvCxnSpPr>
+          <p:cNvPr id="216" name="Straight Arrow Connector 215"/>
+          <p:cNvCxnSpPr/>
+          <p:nvPr/>
+        </p:nvCxnSpPr>
+        <p:spPr>
+          <a:xfrm flipH="1" flipV="1">
+            <a:off x="24360265" y="12889925"/>
+            <a:ext cx="4365" cy="267697"/>
+          </a:xfrm>
+          <a:prstGeom prst="straightConnector1">
+            <a:avLst/>
+          </a:prstGeom>
+          <a:ln>
+            <a:headEnd type="none"/>
+            <a:tailEnd type="none"/>
+          </a:ln>
+        </p:spPr>
+        <p:style>
+          <a:lnRef idx="1">
+            <a:schemeClr val="dk1"/>
+          </a:lnRef>
+          <a:fillRef idx="0">
+            <a:schemeClr val="dk1"/>
+          </a:fillRef>
+          <a:effectRef idx="0">
+            <a:schemeClr val="dk1"/>
+          </a:effectRef>
+          <a:fontRef idx="minor">
+            <a:schemeClr val="tx1"/>
+          </a:fontRef>
+        </p:style>
+      </p:cxnSp>
+      <p:cxnSp>
+        <p:nvCxnSpPr>
+          <p:cNvPr id="217" name="Straight Arrow Connector 216"/>
+          <p:cNvCxnSpPr/>
+          <p:nvPr/>
+        </p:nvCxnSpPr>
+        <p:spPr>
+          <a:xfrm flipH="1" flipV="1">
+            <a:off x="24353920" y="13871392"/>
+            <a:ext cx="4365" cy="267697"/>
+          </a:xfrm>
+          <a:prstGeom prst="straightConnector1">
+            <a:avLst/>
+          </a:prstGeom>
+          <a:ln>
+            <a:headEnd type="none"/>
+            <a:tailEnd type="none"/>
+          </a:ln>
+        </p:spPr>
+        <p:style>
+          <a:lnRef idx="1">
+            <a:schemeClr val="dk1"/>
+          </a:lnRef>
+          <a:fillRef idx="0">
+            <a:schemeClr val="dk1"/>
+          </a:fillRef>
+          <a:effectRef idx="0">
+            <a:schemeClr val="dk1"/>
+          </a:effectRef>
+          <a:fontRef idx="minor">
+            <a:schemeClr val="tx1"/>
+          </a:fontRef>
+        </p:style>
+      </p:cxnSp>
+      <p:sp>
+        <p:nvSpPr>
+          <p:cNvPr id="218" name="Rectangle 217"/>
+          <p:cNvSpPr/>
+          <p:nvPr/>
+        </p:nvSpPr>
+        <p:spPr>
+          <a:xfrm>
+            <a:off x="24259383" y="14164912"/>
+            <a:ext cx="194021" cy="194037"/>
+          </a:xfrm>
+          <a:prstGeom prst="rect">
+            <a:avLst/>
+          </a:prstGeom>
+        </p:spPr>
+        <p:style>
+          <a:lnRef idx="2">
+            <a:schemeClr val="dk1"/>
+          </a:lnRef>
+          <a:fillRef idx="1">
+            <a:schemeClr val="lt1"/>
+          </a:fillRef>
+          <a:effectRef idx="0">
+            <a:schemeClr val="dk1"/>
+          </a:effectRef>
+          <a:fontRef idx="minor">
+            <a:schemeClr val="dk1"/>
+          </a:fontRef>
+        </p:style>
+        <p:txBody>
+          <a:bodyPr rtlCol="0" anchor="ctr"/>
+          <a:lstStyle/>
+          <a:p>
+            <a:pPr algn="ctr"/>
+            <a:endParaRPr lang="en-US"/>
+          </a:p>
+        </p:txBody>
+      </p:sp>
+      <p:cxnSp>
+        <p:nvCxnSpPr>
+          <p:cNvPr id="219" name="Straight Arrow Connector 218"/>
+          <p:cNvCxnSpPr/>
+          <p:nvPr/>
+        </p:nvCxnSpPr>
+        <p:spPr>
+          <a:xfrm flipH="1" flipV="1">
+            <a:off x="22319167" y="13865034"/>
+            <a:ext cx="4365" cy="267697"/>
+          </a:xfrm>
+          <a:prstGeom prst="straightConnector1">
+            <a:avLst/>
+          </a:prstGeom>
+          <a:ln>
+            <a:headEnd type="none"/>
+            <a:tailEnd type="none"/>
+          </a:ln>
+        </p:spPr>
+        <p:style>
+          <a:lnRef idx="1">
+            <a:schemeClr val="dk1"/>
+          </a:lnRef>
+          <a:fillRef idx="0">
+            <a:schemeClr val="dk1"/>
+          </a:fillRef>
+          <a:effectRef idx="0">
+            <a:schemeClr val="dk1"/>
+          </a:effectRef>
+          <a:fontRef idx="minor">
+            <a:schemeClr val="tx1"/>
+          </a:fontRef>
+        </p:style>
+      </p:cxnSp>
+      <p:sp>
+        <p:nvSpPr>
+          <p:cNvPr id="220" name="Rectangle 219"/>
+          <p:cNvSpPr/>
+          <p:nvPr/>
+        </p:nvSpPr>
+        <p:spPr>
+          <a:xfrm>
+            <a:off x="22224632" y="14158554"/>
+            <a:ext cx="194021" cy="194037"/>
+          </a:xfrm>
+          <a:prstGeom prst="rect">
+            <a:avLst/>
+          </a:prstGeom>
+        </p:spPr>
+        <p:style>
+          <a:lnRef idx="2">
+            <a:schemeClr val="dk1"/>
+          </a:lnRef>
+          <a:fillRef idx="1">
+            <a:schemeClr val="lt1"/>
+          </a:fillRef>
+          <a:effectRef idx="0">
+            <a:schemeClr val="dk1"/>
+          </a:effectRef>
+          <a:fontRef idx="minor">
+            <a:schemeClr val="dk1"/>
+          </a:fontRef>
+        </p:style>
+        <p:txBody>
+          <a:bodyPr rtlCol="0" anchor="ctr"/>
+          <a:lstStyle/>
+          <a:p>
+            <a:pPr algn="ctr"/>
+            <a:endParaRPr lang="en-US"/>
+          </a:p>
+        </p:txBody>
+      </p:sp>
+      <p:sp>
+        <p:nvSpPr>
+          <p:cNvPr id="221" name="TextBox 220"/>
+          <p:cNvSpPr txBox="1"/>
+          <p:nvPr/>
+        </p:nvSpPr>
+        <p:spPr>
+          <a:xfrm>
+            <a:off x="20973706" y="12238851"/>
+            <a:ext cx="2616817" cy="369332"/>
+          </a:xfrm>
+          <a:prstGeom prst="rect">
+            <a:avLst/>
+          </a:prstGeom>
+          <a:noFill/>
+        </p:spPr>
+        <p:txBody>
+          <a:bodyPr wrap="square" rtlCol="0">
+            <a:spAutoFit/>
+          </a:bodyPr>
+          <a:lstStyle/>
+          <a:p>
+            <a:r>
+              <a:rPr lang="en-US" sz="1800" dirty="0" smtClean="0"/>
+              <a:t>Max(predicted profit,1)</a:t>
+            </a:r>
+            <a:endParaRPr lang="en-US" sz="1800" dirty="0"/>
+          </a:p>
+        </p:txBody>
+      </p:sp>
+      <p:sp>
+        <p:nvSpPr>
+          <p:cNvPr id="222" name="TextBox 221"/>
+          <p:cNvSpPr txBox="1"/>
+          <p:nvPr/>
+        </p:nvSpPr>
+        <p:spPr>
+          <a:xfrm>
+            <a:off x="23383812" y="12254944"/>
+            <a:ext cx="1463981" cy="369332"/>
+          </a:xfrm>
+          <a:prstGeom prst="rect">
+            <a:avLst/>
+          </a:prstGeom>
+          <a:noFill/>
+        </p:spPr>
+        <p:txBody>
+          <a:bodyPr wrap="square" rtlCol="0">
+            <a:spAutoFit/>
+          </a:bodyPr>
+          <a:lstStyle/>
+          <a:p>
+            <a:r>
+              <a:rPr lang="en-US" sz="1800" dirty="0" smtClean="0"/>
+              <a:t>Max(profit,1)</a:t>
+            </a:r>
+            <a:endParaRPr lang="en-US" sz="1800" dirty="0"/>
+          </a:p>
+        </p:txBody>
+      </p:sp>
+      <p:sp>
+        <p:nvSpPr>
+          <p:cNvPr id="223" name="TextBox 222"/>
+          <p:cNvSpPr txBox="1"/>
+          <p:nvPr/>
+        </p:nvSpPr>
+        <p:spPr>
+          <a:xfrm>
+            <a:off x="21313783" y="14288387"/>
+            <a:ext cx="1463981" cy="369332"/>
+          </a:xfrm>
+          <a:prstGeom prst="rect">
+            <a:avLst/>
+          </a:prstGeom>
+          <a:noFill/>
+        </p:spPr>
+        <p:txBody>
+          <a:bodyPr wrap="square" rtlCol="0">
+            <a:spAutoFit/>
+          </a:bodyPr>
+          <a:lstStyle/>
+          <a:p>
+            <a:r>
+              <a:rPr lang="en-US" sz="1800" dirty="0" smtClean="0"/>
+              <a:t>1/log</a:t>
+            </a:r>
+            <a:r>
+              <a:rPr lang="en-US" sz="1800" dirty="0" smtClean="0"/>
+              <a:t>(1+</a:t>
+            </a:r>
+            <a:r>
+              <a:rPr lang="en-US" sz="1800" dirty="0"/>
+              <a:t>2</a:t>
+            </a:r>
+            <a:r>
+              <a:rPr lang="en-US" sz="1800" dirty="0" smtClean="0"/>
+              <a:t>)</a:t>
+            </a:r>
+            <a:endParaRPr lang="en-US" sz="1800" dirty="0"/>
+          </a:p>
+        </p:txBody>
+      </p:sp>
+      <p:sp>
+        <p:nvSpPr>
+          <p:cNvPr id="224" name="Oval 223"/>
+          <p:cNvSpPr/>
+          <p:nvPr/>
+        </p:nvSpPr>
+        <p:spPr>
+          <a:xfrm>
+            <a:off x="23707647" y="13207439"/>
+            <a:ext cx="1285423" cy="652671"/>
+          </a:xfrm>
+          <a:prstGeom prst="ellipse">
+            <a:avLst/>
+          </a:prstGeom>
+        </p:spPr>
+        <p:style>
+          <a:lnRef idx="2">
+            <a:schemeClr val="dk1"/>
+          </a:lnRef>
+          <a:fillRef idx="1">
+            <a:schemeClr val="lt1"/>
+          </a:fillRef>
+          <a:effectRef idx="0">
+            <a:schemeClr val="dk1"/>
+          </a:effectRef>
+          <a:fontRef idx="minor">
+            <a:schemeClr val="dk1"/>
+          </a:fontRef>
+        </p:style>
+        <p:txBody>
+          <a:bodyPr rtlCol="0" anchor="ctr"/>
+          <a:lstStyle/>
+          <a:p>
+            <a:pPr algn="ctr"/>
+            <a:r>
+              <a:rPr lang="en-US" sz="1800" dirty="0" smtClean="0"/>
+              <a:t>Sell at t=2?</a:t>
+            </a:r>
+            <a:endParaRPr lang="en-US" sz="1800" dirty="0"/>
+          </a:p>
+        </p:txBody>
+      </p:sp>
+      <p:sp>
+        <p:nvSpPr>
+          <p:cNvPr id="225" name="TextBox 224"/>
+          <p:cNvSpPr txBox="1"/>
+          <p:nvPr/>
+        </p:nvSpPr>
+        <p:spPr>
+          <a:xfrm>
+            <a:off x="23247652" y="14264388"/>
+            <a:ext cx="1463981" cy="369332"/>
+          </a:xfrm>
+          <a:prstGeom prst="rect">
+            <a:avLst/>
+          </a:prstGeom>
+          <a:noFill/>
+        </p:spPr>
+        <p:txBody>
+          <a:bodyPr wrap="square" rtlCol="0">
+            <a:spAutoFit/>
+          </a:bodyPr>
+          <a:lstStyle/>
+          <a:p>
+            <a:r>
+              <a:rPr lang="en-US" sz="1800" dirty="0" smtClean="0"/>
+              <a:t>1/log</a:t>
+            </a:r>
+            <a:r>
+              <a:rPr lang="en-US" sz="1800" dirty="0" smtClean="0"/>
+              <a:t>(2+</a:t>
+            </a:r>
+            <a:r>
+              <a:rPr lang="en-US" sz="1800" dirty="0"/>
+              <a:t>2</a:t>
+            </a:r>
+            <a:r>
+              <a:rPr lang="en-US" sz="1800" dirty="0" smtClean="0"/>
+              <a:t>)</a:t>
+            </a:r>
+            <a:endParaRPr lang="en-US" sz="1800" dirty="0"/>
+          </a:p>
+        </p:txBody>
+      </p:sp>
+      <p:pic>
+        <p:nvPicPr>
+          <p:cNvPr id="231" name="Picture 230" descr="goal.png"/>
+          <p:cNvPicPr>
+            <a:picLocks noChangeAspect="1"/>
+          </p:cNvPicPr>
+          <p:nvPr/>
+        </p:nvPicPr>
+        <p:blipFill>
+          <a:blip r:embed="rId6">
+            <a:extLst>
+              <a:ext uri="{28A0092B-C50C-407E-A947-70E740481C1C}">
+                <a14:useLocalDpi xmlns:a14="http://schemas.microsoft.com/office/drawing/2010/main" val="0"/>
+              </a:ext>
+            </a:extLst>
           </a:blip>
-          <a:srcRect r="7318"/>
-          <a:stretch/>
+          <a:stretch>
+            <a:fillRect/>
+          </a:stretch>
         </p:blipFill>
         <p:spPr>
           <a:xfrm>
-            <a:off x="1561847" y="171597"/>
-            <a:ext cx="1577013" cy="1545336"/>
+            <a:off x="7550440" y="3712596"/>
+            <a:ext cx="4020671" cy="3567146"/>
           </a:xfrm>
           <a:prstGeom prst="rect">
             <a:avLst/>
           </a:prstGeom>
         </p:spPr>
       </p:pic>
-      <p:sp>
-        <p:nvSpPr>
-          <p:cNvPr id="126" name="TextBox 125"/>
+      <p:pic>
+        <p:nvPicPr>
+          <p:cNvPr id="230" name="Picture 229"/>
+          <p:cNvPicPr>
+            <a:picLocks noChangeAspect="1"/>
+          </p:cNvPicPr>
+          <p:nvPr/>
+        </p:nvPicPr>
+        <p:blipFill>
+          <a:blip r:embed="rId7"/>
+          <a:stretch>
+            <a:fillRect/>
+          </a:stretch>
+        </p:blipFill>
+        <p:spPr>
+          <a:xfrm>
+            <a:off x="9173939" y="4247989"/>
+            <a:ext cx="2005707" cy="479626"/>
+          </a:xfrm>
+          <a:prstGeom prst="rect">
+            <a:avLst/>
+          </a:prstGeom>
+        </p:spPr>
+      </p:pic>
+      <p:sp>
+        <p:nvSpPr>
+          <p:cNvPr id="234" name="TextBox 233"/>
           <p:cNvSpPr txBox="1"/>
           <p:nvPr/>
         </p:nvSpPr>
         <p:spPr>
           <a:xfrm>
-            <a:off x="9484330" y="2285674"/>
-            <a:ext cx="7505448" cy="543733"/>
+            <a:off x="20539393" y="14640948"/>
+            <a:ext cx="6667313" cy="543733"/>
           </a:xfrm>
           <a:prstGeom prst="rect">
             <a:avLst/>
@@ -4003,7 +6770,7 @@
                 <a:latin typeface="Helvetica"/>
                 <a:cs typeface="Helvetica"/>
               </a:rPr>
-              <a:t>Price prediction algorithms &amp; results </a:t>
+              <a:t>Future work</a:t>
             </a:r>
             <a:endParaRPr lang="en-US" sz="3200" b="1" dirty="0">
               <a:latin typeface="Helvetica"/>
@@ -4014,14 +6781,14 @@
       </p:sp>
       <p:sp>
         <p:nvSpPr>
-          <p:cNvPr id="160" name="Rectangle 159"/>
+          <p:cNvPr id="235" name="Rectangle 234"/>
           <p:cNvSpPr/>
           <p:nvPr/>
         </p:nvSpPr>
         <p:spPr>
           <a:xfrm>
-            <a:off x="7708766" y="2903633"/>
-            <a:ext cx="11887200" cy="45720"/>
+            <a:off x="20503371" y="15258907"/>
+            <a:ext cx="6858000" cy="45720"/>
           </a:xfrm>
           <a:prstGeom prst="rect">
             <a:avLst/>
@@ -4066,15 +6833,232 @@
           </a:p>
         </p:txBody>
       </p:sp>
-      <p:sp>
-        <p:nvSpPr>
-          <p:cNvPr id="165" name="TextBox 164"/>
+      <p:pic>
+        <p:nvPicPr>
+          <p:cNvPr id="238" name="Picture 237" descr="accuracy.png"/>
+          <p:cNvPicPr>
+            <a:picLocks noChangeAspect="1"/>
+          </p:cNvPicPr>
+          <p:nvPr/>
+        </p:nvPicPr>
+        <p:blipFill rotWithShape="1">
+          <a:blip r:embed="rId8">
+            <a:extLst>
+              <a:ext uri="{28A0092B-C50C-407E-A947-70E740481C1C}">
+                <a14:useLocalDpi xmlns:a14="http://schemas.microsoft.com/office/drawing/2010/main" val="0"/>
+              </a:ext>
+            </a:extLst>
+          </a:blip>
+          <a:srcRect t="8803" b="10014"/>
+          <a:stretch/>
+        </p:blipFill>
+        <p:spPr>
+          <a:xfrm>
+            <a:off x="8151732" y="11314421"/>
+            <a:ext cx="5453648" cy="2480236"/>
+          </a:xfrm>
+          <a:prstGeom prst="rect">
+            <a:avLst/>
+          </a:prstGeom>
+        </p:spPr>
+      </p:pic>
+      <p:pic>
+        <p:nvPicPr>
+          <p:cNvPr id="250" name="Picture 249" descr="svm_actualvpredprice.png"/>
+          <p:cNvPicPr>
+            <a:picLocks noChangeAspect="1"/>
+          </p:cNvPicPr>
+          <p:nvPr/>
+        </p:nvPicPr>
+        <p:blipFill rotWithShape="1">
+          <a:blip r:embed="rId9">
+            <a:extLst>
+              <a:ext uri="{28A0092B-C50C-407E-A947-70E740481C1C}">
+                <a14:useLocalDpi xmlns:a14="http://schemas.microsoft.com/office/drawing/2010/main" val="0"/>
+              </a:ext>
+            </a:extLst>
+          </a:blip>
+          <a:srcRect t="7628"/>
+          <a:stretch/>
+        </p:blipFill>
+        <p:spPr>
+          <a:xfrm>
+            <a:off x="13898383" y="11323594"/>
+            <a:ext cx="5885395" cy="3030630"/>
+          </a:xfrm>
+          <a:prstGeom prst="rect">
+            <a:avLst/>
+          </a:prstGeom>
+        </p:spPr>
+      </p:pic>
+      <p:pic>
+        <p:nvPicPr>
+          <p:cNvPr id="252" name="Picture 251" descr="nn_percentchange_error.png"/>
+          <p:cNvPicPr>
+            <a:picLocks noChangeAspect="1"/>
+          </p:cNvPicPr>
+          <p:nvPr/>
+        </p:nvPicPr>
+        <p:blipFill rotWithShape="1">
+          <a:blip r:embed="rId10">
+            <a:extLst>
+              <a:ext uri="{28A0092B-C50C-407E-A947-70E740481C1C}">
+                <a14:useLocalDpi xmlns:a14="http://schemas.microsoft.com/office/drawing/2010/main" val="0"/>
+              </a:ext>
+            </a:extLst>
+          </a:blip>
+          <a:srcRect t="5903" b="44060"/>
+          <a:stretch/>
+        </p:blipFill>
+        <p:spPr>
+          <a:xfrm>
+            <a:off x="13946583" y="14601738"/>
+            <a:ext cx="5837195" cy="1907419"/>
+          </a:xfrm>
+          <a:prstGeom prst="rect">
+            <a:avLst/>
+          </a:prstGeom>
+        </p:spPr>
+      </p:pic>
+      <p:sp>
+        <p:nvSpPr>
+          <p:cNvPr id="255" name="TextBox 254"/>
           <p:cNvSpPr txBox="1"/>
           <p:nvPr/>
         </p:nvSpPr>
         <p:spPr>
           <a:xfrm>
-            <a:off x="447593" y="2288670"/>
+            <a:off x="20356687" y="15425678"/>
+            <a:ext cx="6782705" cy="2862322"/>
+          </a:xfrm>
+          <a:prstGeom prst="rect">
+            <a:avLst/>
+          </a:prstGeom>
+          <a:noFill/>
+        </p:spPr>
+        <p:txBody>
+          <a:bodyPr wrap="square" rtlCol="0">
+            <a:spAutoFit/>
+          </a:bodyPr>
+          <a:lstStyle/>
+          <a:p>
+            <a:pPr marL="457200" indent="-457200">
+              <a:buFont typeface="Arial"/>
+              <a:buChar char="•"/>
+            </a:pPr>
+            <a:r>
+              <a:rPr lang="en-US" sz="2000" dirty="0" smtClean="0">
+                <a:latin typeface="Helvetica"/>
+                <a:cs typeface="Helvetica"/>
+              </a:rPr>
+              <a:t>The main objective of future work will be to improve price prediction.</a:t>
+            </a:r>
+          </a:p>
+          <a:p>
+            <a:pPr marL="457200" indent="-457200">
+              <a:buFont typeface="Arial"/>
+              <a:buChar char="•"/>
+            </a:pPr>
+            <a:r>
+              <a:rPr lang="en-US" sz="2000" dirty="0" smtClean="0">
+                <a:latin typeface="Helvetica"/>
+                <a:cs typeface="Helvetica"/>
+              </a:rPr>
+              <a:t>Take </a:t>
+            </a:r>
+            <a:r>
+              <a:rPr lang="en-US" sz="2000" dirty="0" smtClean="0">
+                <a:latin typeface="Helvetica"/>
+                <a:cs typeface="Helvetica"/>
+              </a:rPr>
+              <a:t>the second derivative of price in order to predict its first derivative. </a:t>
+            </a:r>
+          </a:p>
+          <a:p>
+            <a:pPr marL="457200" indent="-457200">
+              <a:buFont typeface="Arial"/>
+              <a:buChar char="•"/>
+            </a:pPr>
+            <a:r>
+              <a:rPr lang="en-US" sz="2000" dirty="0" smtClean="0">
+                <a:latin typeface="Helvetica"/>
+                <a:cs typeface="Helvetica"/>
+              </a:rPr>
+              <a:t>Use a </a:t>
+            </a:r>
+            <a:r>
+              <a:rPr lang="en-US" sz="2000" dirty="0" smtClean="0">
+                <a:latin typeface="Helvetica"/>
+                <a:cs typeface="Helvetica"/>
+              </a:rPr>
+              <a:t>binary classifier to predict </a:t>
+            </a:r>
+            <a:r>
+              <a:rPr lang="en-US" sz="2000" dirty="0" smtClean="0">
+                <a:latin typeface="Helvetica"/>
+                <a:cs typeface="Helvetica"/>
+              </a:rPr>
+              <a:t>negative or positive </a:t>
+            </a:r>
+            <a:r>
+              <a:rPr lang="en-US" sz="2000" dirty="0" smtClean="0">
+                <a:latin typeface="Helvetica"/>
+                <a:cs typeface="Helvetica"/>
+              </a:rPr>
+              <a:t>changes. </a:t>
+            </a:r>
+          </a:p>
+          <a:p>
+            <a:pPr marL="457200" indent="-457200">
+              <a:buFont typeface="Arial"/>
+              <a:buChar char="•"/>
+            </a:pPr>
+            <a:r>
+              <a:rPr lang="en-US" sz="2000" dirty="0" smtClean="0">
+                <a:latin typeface="Helvetica"/>
+                <a:cs typeface="Helvetica"/>
+              </a:rPr>
+              <a:t>Include more non-price data; continue searching for granular data. </a:t>
+            </a:r>
+          </a:p>
+          <a:p>
+            <a:pPr marL="457200" indent="-457200">
+              <a:buFont typeface="Arial"/>
+              <a:buChar char="•"/>
+            </a:pPr>
+            <a:r>
+              <a:rPr lang="en-US" sz="2000" dirty="0" smtClean="0">
+                <a:latin typeface="Helvetica"/>
+                <a:cs typeface="Helvetica"/>
+              </a:rPr>
+              <a:t>Integrate with </a:t>
+            </a:r>
+            <a:r>
+              <a:rPr lang="en-US" sz="2000" dirty="0" err="1" smtClean="0">
+                <a:latin typeface="Helvetica"/>
+                <a:cs typeface="Helvetica"/>
+              </a:rPr>
+              <a:t>Bitcoin</a:t>
+            </a:r>
+            <a:r>
+              <a:rPr lang="en-US" sz="2000" dirty="0" smtClean="0">
+                <a:latin typeface="Helvetica"/>
+                <a:cs typeface="Helvetica"/>
+              </a:rPr>
+              <a:t> trading APIs to create bot</a:t>
+            </a:r>
+          </a:p>
+        </p:txBody>
+      </p:sp>
+      <p:sp>
+        <p:nvSpPr>
+          <p:cNvPr id="256" name="TextBox 255"/>
+          <p:cNvSpPr txBox="1"/>
+          <p:nvPr/>
+        </p:nvSpPr>
+        <p:spPr>
+          <a:xfrm>
+            <a:off x="308250" y="14763714"/>
             <a:ext cx="6667313" cy="543733"/>
           </a:xfrm>
           <a:prstGeom prst="rect">
@@ -4096,7 +7080,7 @@
                 <a:latin typeface="Helvetica"/>
                 <a:cs typeface="Helvetica"/>
               </a:rPr>
-              <a:t>Introduction</a:t>
+              <a:t>Analysis</a:t>
             </a:r>
             <a:endParaRPr lang="en-US" sz="3200" b="1" dirty="0">
               <a:latin typeface="Helvetica"/>
@@ -4107,13 +7091,13 @@
       </p:sp>
       <p:sp>
         <p:nvSpPr>
-          <p:cNvPr id="166" name="Rectangle 165"/>
+          <p:cNvPr id="257" name="Rectangle 256"/>
           <p:cNvSpPr/>
           <p:nvPr/>
         </p:nvSpPr>
         <p:spPr>
           <a:xfrm>
-            <a:off x="446064" y="2906629"/>
+            <a:off x="244006" y="15381673"/>
             <a:ext cx="6858000" cy="45720"/>
           </a:xfrm>
           <a:prstGeom prst="rect">
@@ -4161,14 +7145,14 @@
       </p:sp>
       <p:sp>
         <p:nvSpPr>
-          <p:cNvPr id="6" name="TextBox 5"/>
+          <p:cNvPr id="258" name="TextBox 257"/>
           <p:cNvSpPr txBox="1"/>
           <p:nvPr/>
         </p:nvSpPr>
         <p:spPr>
           <a:xfrm>
-            <a:off x="203201" y="3189111"/>
-            <a:ext cx="6705599" cy="3477875"/>
+            <a:off x="251173" y="15494752"/>
+            <a:ext cx="6773335" cy="2246769"/>
           </a:xfrm>
           <a:prstGeom prst="rect">
             <a:avLst/>
@@ -4181,158 +7165,623 @@
           </a:bodyPr>
           <a:lstStyle/>
           <a:p>
+            <a:pPr marL="457200" indent="-457200">
+              <a:buFont typeface="Arial"/>
+              <a:buChar char="•"/>
+            </a:pPr>
             <a:r>
               <a:rPr lang="en-US" sz="2000" dirty="0">
                 <a:latin typeface="Helvetica"/>
                 <a:cs typeface="Helvetica"/>
               </a:rPr>
+              <a:t>CSP chooses the optimal action given perfect price predictions</a:t>
+            </a:r>
+          </a:p>
+          <a:p>
+            <a:pPr marL="457200" indent="-457200">
+              <a:buFont typeface="Arial"/>
+              <a:buChar char="•"/>
+            </a:pPr>
+            <a:r>
+              <a:rPr lang="en-US" sz="2000" dirty="0" smtClean="0">
+                <a:latin typeface="Helvetica"/>
+                <a:cs typeface="Helvetica"/>
+              </a:rPr>
+              <a:t>Neural network is the best price prediction method</a:t>
+            </a:r>
+          </a:p>
+          <a:p>
+            <a:pPr marL="457200" indent="-457200">
+              <a:buFont typeface="Arial"/>
+              <a:buChar char="•"/>
+            </a:pPr>
+            <a:r>
+              <a:rPr lang="en-US" sz="2000" dirty="0" smtClean="0">
+                <a:latin typeface="Helvetica"/>
+                <a:cs typeface="Helvetica"/>
+              </a:rPr>
+              <a:t>Price prediction is poor overall, achieving maximum 56% accuracy</a:t>
+            </a:r>
+          </a:p>
+          <a:p>
+            <a:pPr marL="457200" indent="-457200">
+              <a:buFont typeface="Arial"/>
+              <a:buChar char="•"/>
+            </a:pPr>
+            <a:r>
+              <a:rPr lang="en-US" sz="2000" dirty="0" smtClean="0">
+                <a:latin typeface="Helvetica"/>
+                <a:cs typeface="Helvetica"/>
+              </a:rPr>
+              <a:t>Price prediction continues to be the most difficult and most important aspect of </a:t>
+            </a:r>
+            <a:r>
+              <a:rPr lang="en-US" sz="2000" dirty="0" err="1" smtClean="0">
+                <a:latin typeface="Helvetica"/>
+                <a:cs typeface="Helvetica"/>
+              </a:rPr>
+              <a:t>bitcoin</a:t>
+            </a:r>
+            <a:r>
+              <a:rPr lang="en-US" sz="2000" dirty="0" smtClean="0">
+                <a:latin typeface="Helvetica"/>
+                <a:cs typeface="Helvetica"/>
+              </a:rPr>
+              <a:t> bot creation</a:t>
+            </a:r>
+          </a:p>
+        </p:txBody>
+      </p:sp>
+      <p:pic>
+        <p:nvPicPr>
+          <p:cNvPr id="77" name="Content Placeholder 3"/>
+          <p:cNvPicPr>
+            <a:picLocks noChangeAspect="1"/>
+          </p:cNvPicPr>
+          <p:nvPr/>
+        </p:nvPicPr>
+        <p:blipFill>
+          <a:blip r:embed="rId11"/>
+          <a:srcRect t="-30176" b="-30176"/>
+          <a:stretch>
+            <a:fillRect/>
+          </a:stretch>
+        </p:blipFill>
+        <p:spPr>
+          <a:xfrm>
+            <a:off x="10431049" y="16204563"/>
+            <a:ext cx="837756" cy="409559"/>
+          </a:xfrm>
+          <a:prstGeom prst="rect">
+            <a:avLst/>
+          </a:prstGeom>
+        </p:spPr>
+      </p:pic>
+      <p:sp>
+        <p:nvSpPr>
+          <p:cNvPr id="9" name="TextBox 8"/>
+          <p:cNvSpPr txBox="1"/>
+          <p:nvPr/>
+        </p:nvSpPr>
+        <p:spPr>
+          <a:xfrm>
+            <a:off x="8306284" y="16656784"/>
+            <a:ext cx="11326421" cy="1631216"/>
+          </a:xfrm>
+          <a:prstGeom prst="rect">
+            <a:avLst/>
+          </a:prstGeom>
+          <a:noFill/>
+        </p:spPr>
+        <p:txBody>
+          <a:bodyPr wrap="square" rtlCol="0">
+            <a:spAutoFit/>
+          </a:bodyPr>
+          <a:lstStyle/>
+          <a:p>
+            <a:r>
+              <a:rPr lang="en-US" sz="2000" b="1" dirty="0" err="1" smtClean="0"/>
+              <a:t>Bitcoin</a:t>
+            </a:r>
+            <a:r>
+              <a:rPr lang="en-US" sz="2000" b="1" dirty="0" smtClean="0"/>
+              <a:t> price prediction errors. </a:t>
+            </a:r>
+            <a:r>
+              <a:rPr lang="en-US" sz="2000" dirty="0" smtClean="0"/>
+              <a:t>(A) Different methods of price prediction achieve 50-56% accuracy, where an “accurate” prediction has the same sign as the actual price change. (B) Price predictions (derived from price change predictions) vs. Actual </a:t>
+            </a:r>
+            <a:r>
+              <a:rPr lang="en-US" sz="2000" dirty="0" err="1" smtClean="0"/>
+              <a:t>bitcoin</a:t>
+            </a:r>
+            <a:r>
+              <a:rPr lang="en-US" sz="2000" dirty="0" smtClean="0"/>
+              <a:t> price. They follow the same trend due to the small change at each time step. (C) Predicted vs. actual price changes for SVM; other algorithms are similar. </a:t>
+            </a:r>
+          </a:p>
+          <a:p>
+            <a:r>
+              <a:rPr lang="en-US" sz="2000" dirty="0" smtClean="0"/>
+              <a:t>(D) Price change prediction errors; other algorithms are similar. Errors are roughly uniform across examples. </a:t>
+            </a:r>
+            <a:endParaRPr lang="en-US" sz="2000" b="1" dirty="0"/>
+          </a:p>
+        </p:txBody>
+      </p:sp>
+      <p:sp>
+        <p:nvSpPr>
+          <p:cNvPr id="10" name="TextBox 9"/>
+          <p:cNvSpPr txBox="1"/>
+          <p:nvPr/>
+        </p:nvSpPr>
+        <p:spPr>
+          <a:xfrm rot="19541020">
+            <a:off x="8520384" y="13829196"/>
+            <a:ext cx="789286" cy="253916"/>
+          </a:xfrm>
+          <a:prstGeom prst="rect">
+            <a:avLst/>
+          </a:prstGeom>
+          <a:noFill/>
+        </p:spPr>
+        <p:txBody>
+          <a:bodyPr wrap="none" rtlCol="0">
+            <a:spAutoFit/>
+          </a:bodyPr>
+          <a:lstStyle/>
+          <a:p>
+            <a:r>
+              <a:rPr lang="en-US" sz="1050" dirty="0" smtClean="0"/>
+              <a:t>Linear Reg.</a:t>
+            </a:r>
+            <a:endParaRPr lang="en-US" sz="1050" dirty="0"/>
+          </a:p>
+        </p:txBody>
+      </p:sp>
+      <p:sp>
+        <p:nvSpPr>
+          <p:cNvPr id="83" name="TextBox 82"/>
+          <p:cNvSpPr txBox="1"/>
+          <p:nvPr/>
+        </p:nvSpPr>
+        <p:spPr>
+          <a:xfrm rot="19541020">
+            <a:off x="8949651" y="13862067"/>
+            <a:ext cx="941283" cy="253916"/>
+          </a:xfrm>
+          <a:prstGeom prst="rect">
+            <a:avLst/>
+          </a:prstGeom>
+          <a:noFill/>
+        </p:spPr>
+        <p:txBody>
+          <a:bodyPr wrap="none" rtlCol="0">
+            <a:spAutoFit/>
+          </a:bodyPr>
+          <a:lstStyle/>
+          <a:p>
+            <a:r>
+              <a:rPr lang="en-US" sz="1050" dirty="0" smtClean="0"/>
+              <a:t>Bayesian Reg.</a:t>
+            </a:r>
+            <a:endParaRPr lang="en-US" sz="1050" dirty="0"/>
+          </a:p>
+        </p:txBody>
+      </p:sp>
+      <p:sp>
+        <p:nvSpPr>
+          <p:cNvPr id="84" name="TextBox 83"/>
+          <p:cNvSpPr txBox="1"/>
+          <p:nvPr/>
+        </p:nvSpPr>
+        <p:spPr>
+          <a:xfrm rot="19541020">
+            <a:off x="9596663" y="13805293"/>
+            <a:ext cx="761747" cy="253916"/>
+          </a:xfrm>
+          <a:prstGeom prst="rect">
+            <a:avLst/>
+          </a:prstGeom>
+          <a:noFill/>
+        </p:spPr>
+        <p:txBody>
+          <a:bodyPr wrap="none" rtlCol="0">
+            <a:spAutoFit/>
+          </a:bodyPr>
+          <a:lstStyle/>
+          <a:p>
+            <a:r>
+              <a:rPr lang="en-US" sz="1050" dirty="0" smtClean="0"/>
+              <a:t>Ridge Reg.</a:t>
+            </a:r>
+            <a:endParaRPr lang="en-US" sz="1050" dirty="0"/>
+          </a:p>
+        </p:txBody>
+      </p:sp>
+      <p:sp>
+        <p:nvSpPr>
+          <p:cNvPr id="85" name="TextBox 84"/>
+          <p:cNvSpPr txBox="1"/>
+          <p:nvPr/>
+        </p:nvSpPr>
+        <p:spPr>
+          <a:xfrm rot="19541020">
+            <a:off x="10053495" y="13838164"/>
+            <a:ext cx="864339" cy="253916"/>
+          </a:xfrm>
+          <a:prstGeom prst="rect">
+            <a:avLst/>
+          </a:prstGeom>
+          <a:noFill/>
+        </p:spPr>
+        <p:txBody>
+          <a:bodyPr wrap="none" rtlCol="0">
+            <a:spAutoFit/>
+          </a:bodyPr>
+          <a:lstStyle/>
+          <a:p>
+            <a:r>
+              <a:rPr lang="en-US" sz="1050" dirty="0" smtClean="0"/>
+              <a:t>Logistic Reg.</a:t>
+            </a:r>
+            <a:endParaRPr lang="en-US" sz="1050" dirty="0"/>
+          </a:p>
+        </p:txBody>
+      </p:sp>
+      <p:sp>
+        <p:nvSpPr>
+          <p:cNvPr id="86" name="TextBox 85"/>
+          <p:cNvSpPr txBox="1"/>
+          <p:nvPr/>
+        </p:nvSpPr>
+        <p:spPr>
+          <a:xfrm rot="19541020">
+            <a:off x="10540900" y="13869604"/>
+            <a:ext cx="954107" cy="253916"/>
+          </a:xfrm>
+          <a:prstGeom prst="rect">
+            <a:avLst/>
+          </a:prstGeom>
+          <a:noFill/>
+        </p:spPr>
+        <p:txBody>
+          <a:bodyPr wrap="none" rtlCol="0">
+            <a:spAutoFit/>
+          </a:bodyPr>
+          <a:lstStyle/>
+          <a:p>
+            <a:r>
+              <a:rPr lang="en-US" sz="1050" dirty="0" smtClean="0"/>
+              <a:t>Gaussian Reg.</a:t>
+            </a:r>
+            <a:endParaRPr lang="en-US" sz="1050" dirty="0"/>
+          </a:p>
+        </p:txBody>
+      </p:sp>
+      <p:sp>
+        <p:nvSpPr>
+          <p:cNvPr id="87" name="TextBox 86"/>
+          <p:cNvSpPr txBox="1"/>
+          <p:nvPr/>
+        </p:nvSpPr>
+        <p:spPr>
+          <a:xfrm rot="19541020">
+            <a:off x="11679115" y="13844142"/>
+            <a:ext cx="781133" cy="253916"/>
+          </a:xfrm>
+          <a:prstGeom prst="rect">
+            <a:avLst/>
+          </a:prstGeom>
+          <a:noFill/>
+        </p:spPr>
+        <p:txBody>
+          <a:bodyPr wrap="none" rtlCol="0">
+            <a:spAutoFit/>
+          </a:bodyPr>
+          <a:lstStyle/>
+          <a:p>
+            <a:r>
+              <a:rPr lang="en-US" sz="1050" dirty="0" smtClean="0"/>
+              <a:t>Neural Net</a:t>
+            </a:r>
+            <a:endParaRPr lang="en-US" sz="1050" dirty="0"/>
+          </a:p>
+        </p:txBody>
+      </p:sp>
+      <p:sp>
+        <p:nvSpPr>
+          <p:cNvPr id="88" name="TextBox 87"/>
+          <p:cNvSpPr txBox="1"/>
+          <p:nvPr/>
+        </p:nvSpPr>
+        <p:spPr>
+          <a:xfrm rot="19541020">
+            <a:off x="11986389" y="13877013"/>
+            <a:ext cx="955234" cy="253916"/>
+          </a:xfrm>
+          <a:prstGeom prst="rect">
+            <a:avLst/>
+          </a:prstGeom>
+          <a:noFill/>
+        </p:spPr>
+        <p:txBody>
+          <a:bodyPr wrap="none" rtlCol="0">
+            <a:spAutoFit/>
+          </a:bodyPr>
+          <a:lstStyle/>
+          <a:p>
+            <a:r>
+              <a:rPr lang="en-US" sz="1050" dirty="0" err="1" smtClean="0"/>
+              <a:t>Bayes+Cluster</a:t>
+            </a:r>
+            <a:endParaRPr lang="en-US" sz="1050" dirty="0"/>
+          </a:p>
+        </p:txBody>
+      </p:sp>
+      <p:sp>
+        <p:nvSpPr>
+          <p:cNvPr id="89" name="TextBox 88"/>
+          <p:cNvSpPr txBox="1"/>
+          <p:nvPr/>
+        </p:nvSpPr>
+        <p:spPr>
+          <a:xfrm rot="19541020">
+            <a:off x="11438673" y="13773856"/>
+            <a:ext cx="441146" cy="253916"/>
+          </a:xfrm>
+          <a:prstGeom prst="rect">
+            <a:avLst/>
+          </a:prstGeom>
+          <a:noFill/>
+        </p:spPr>
+        <p:txBody>
+          <a:bodyPr wrap="none" rtlCol="0">
+            <a:spAutoFit/>
+          </a:bodyPr>
+          <a:lstStyle/>
+          <a:p>
+            <a:r>
+              <a:rPr lang="en-US" sz="1050" dirty="0" smtClean="0"/>
+              <a:t>SVM</a:t>
+            </a:r>
+            <a:endParaRPr lang="en-US" sz="1050" dirty="0"/>
+          </a:p>
+        </p:txBody>
+      </p:sp>
+      <p:sp>
+        <p:nvSpPr>
+          <p:cNvPr id="11" name="Rectangle 10"/>
+          <p:cNvSpPr/>
+          <p:nvPr/>
+        </p:nvSpPr>
+        <p:spPr>
+          <a:xfrm>
+            <a:off x="8688229" y="14450973"/>
+            <a:ext cx="4605310" cy="307777"/>
+          </a:xfrm>
+          <a:prstGeom prst="rect">
+            <a:avLst/>
+          </a:prstGeom>
+        </p:spPr>
+        <p:txBody>
+          <a:bodyPr wrap="none">
+            <a:spAutoFit/>
+          </a:bodyPr>
+          <a:lstStyle/>
+          <a:p>
+            <a:r>
+              <a:rPr lang="en-US" sz="1400" dirty="0">
+                <a:latin typeface="Helvetica"/>
+                <a:cs typeface="Helvetica"/>
+              </a:rPr>
+              <a:t>Predicted vs. Actual </a:t>
+            </a:r>
+            <a:r>
+              <a:rPr lang="en-US" sz="1400" dirty="0" err="1">
+                <a:latin typeface="Helvetica"/>
+                <a:cs typeface="Helvetica"/>
+              </a:rPr>
+              <a:t>Bitcoin</a:t>
+            </a:r>
+            <a:r>
+              <a:rPr lang="en-US" sz="1400" dirty="0">
+                <a:latin typeface="Helvetica"/>
+                <a:cs typeface="Helvetica"/>
+              </a:rPr>
               <a:t> </a:t>
             </a:r>
             <a:r>
-              <a:rPr lang="en-US" sz="2000" dirty="0" smtClean="0">
-                <a:latin typeface="Helvetica"/>
-                <a:cs typeface="Helvetica"/>
-              </a:rPr>
-              <a:t>       </a:t>
-            </a:r>
-            <a:r>
-              <a:rPr lang="en-US" sz="2000" dirty="0" err="1" smtClean="0">
-                <a:latin typeface="Helvetica"/>
-                <a:cs typeface="Helvetica"/>
-              </a:rPr>
-              <a:t>Bitcoin</a:t>
-            </a:r>
-            <a:r>
-              <a:rPr lang="en-US" sz="2000" dirty="0" smtClean="0">
-                <a:latin typeface="Helvetica"/>
-                <a:cs typeface="Helvetica"/>
-              </a:rPr>
-              <a:t> is the world’s first decentralized</a:t>
-            </a:r>
-            <a:r>
-              <a:rPr lang="en-US" sz="2000" dirty="0">
-                <a:latin typeface="Helvetica"/>
-                <a:cs typeface="Helvetica"/>
-              </a:rPr>
-              <a:t> </a:t>
-            </a:r>
-            <a:r>
-              <a:rPr lang="en-US" sz="2000" dirty="0" err="1" smtClean="0">
-                <a:latin typeface="Helvetica"/>
-                <a:cs typeface="Helvetica"/>
-              </a:rPr>
-              <a:t>cryptocurrency</a:t>
-            </a:r>
-            <a:r>
-              <a:rPr lang="en-US" sz="2000" dirty="0" smtClean="0">
-                <a:latin typeface="Helvetica"/>
-                <a:cs typeface="Helvetica"/>
-              </a:rPr>
-              <a:t>. In this project, we </a:t>
-            </a:r>
-            <a:r>
-              <a:rPr lang="en-US" sz="2000" dirty="0">
-                <a:latin typeface="Helvetica"/>
-                <a:cs typeface="Helvetica"/>
-              </a:rPr>
-              <a:t>take advantage of various concepts in artificial intelligence and the vast amount of </a:t>
-            </a:r>
-            <a:r>
-              <a:rPr lang="en-US" sz="2000" dirty="0" smtClean="0">
-                <a:latin typeface="Helvetica"/>
-                <a:cs typeface="Helvetica"/>
-              </a:rPr>
-              <a:t>transactional </a:t>
-            </a:r>
-            <a:r>
-              <a:rPr lang="en-US" sz="2000" dirty="0">
-                <a:latin typeface="Helvetica"/>
-                <a:cs typeface="Helvetica"/>
-              </a:rPr>
-              <a:t>data surrounding </a:t>
-            </a:r>
-            <a:r>
-              <a:rPr lang="en-US" sz="2000" dirty="0" err="1">
-                <a:latin typeface="Helvetica"/>
-                <a:cs typeface="Helvetica"/>
-              </a:rPr>
-              <a:t>Bitcoin</a:t>
-            </a:r>
-            <a:r>
-              <a:rPr lang="en-US" sz="2000" dirty="0">
-                <a:latin typeface="Helvetica"/>
-                <a:cs typeface="Helvetica"/>
-              </a:rPr>
-              <a:t> to create a </a:t>
-            </a:r>
-            <a:r>
-              <a:rPr lang="en-US" sz="2000" dirty="0" err="1">
-                <a:latin typeface="Helvetica"/>
-                <a:cs typeface="Helvetica"/>
-              </a:rPr>
-              <a:t>Bitcoin</a:t>
-            </a:r>
-            <a:r>
-              <a:rPr lang="en-US" sz="2000" dirty="0">
-                <a:latin typeface="Helvetica"/>
-                <a:cs typeface="Helvetica"/>
-              </a:rPr>
-              <a:t> </a:t>
-            </a:r>
-            <a:r>
-              <a:rPr lang="en-US" sz="2000" dirty="0" smtClean="0">
-                <a:latin typeface="Helvetica"/>
-                <a:cs typeface="Helvetica"/>
-              </a:rPr>
-              <a:t>trading bot. This bot will maximize </a:t>
-            </a:r>
-            <a:r>
-              <a:rPr lang="en-US" sz="2000" dirty="0">
-                <a:latin typeface="Helvetica"/>
-                <a:cs typeface="Helvetica"/>
-              </a:rPr>
-              <a:t>profit by predicting future </a:t>
-            </a:r>
-            <a:r>
-              <a:rPr lang="en-US" sz="2000" dirty="0" err="1">
-                <a:latin typeface="Helvetica"/>
-                <a:cs typeface="Helvetica"/>
-              </a:rPr>
-              <a:t>Bitcoin</a:t>
-            </a:r>
-            <a:r>
-              <a:rPr lang="en-US" sz="2000" dirty="0">
-                <a:latin typeface="Helvetica"/>
-                <a:cs typeface="Helvetica"/>
-              </a:rPr>
-              <a:t> prices. </a:t>
-            </a:r>
-            <a:endParaRPr lang="en-US" sz="2000" dirty="0" smtClean="0">
+              <a:rPr lang="en-US" sz="1400" dirty="0" smtClean="0">
+                <a:latin typeface="Helvetica"/>
+                <a:cs typeface="Helvetica"/>
+              </a:rPr>
+              <a:t>Price Changes </a:t>
+            </a:r>
+            <a:r>
+              <a:rPr lang="en-US" sz="1400" dirty="0">
+                <a:latin typeface="Helvetica"/>
+                <a:cs typeface="Helvetica"/>
+              </a:rPr>
+              <a:t>(Neural Net)</a:t>
+            </a:r>
+            <a:endParaRPr lang="en-US" sz="2000" b="1" dirty="0">
               <a:latin typeface="Helvetica"/>
               <a:cs typeface="Helvetica"/>
             </a:endParaRPr>
           </a:p>
-          <a:p>
-            <a:r>
-              <a:rPr lang="en-US" sz="2000" dirty="0" smtClean="0">
-                <a:latin typeface="Helvetica"/>
-                <a:cs typeface="Helvetica"/>
-              </a:rPr>
-              <a:t>        We split the task into two phases: price prediction and trading decisions. Since trading decisions can be made easily given perfect price predictions, the main challenge in this project was to generate accurate price predictions. </a:t>
-            </a:r>
-          </a:p>
-        </p:txBody>
-      </p:sp>
-      <p:sp>
-        <p:nvSpPr>
-          <p:cNvPr id="8" name="TextBox 7"/>
+        </p:txBody>
+      </p:sp>
+      <p:sp>
+        <p:nvSpPr>
+          <p:cNvPr id="90" name="Rectangle 89"/>
+          <p:cNvSpPr/>
+          <p:nvPr/>
+        </p:nvSpPr>
+        <p:spPr>
+          <a:xfrm>
+            <a:off x="14592982" y="11040529"/>
+            <a:ext cx="4605310" cy="307777"/>
+          </a:xfrm>
+          <a:prstGeom prst="rect">
+            <a:avLst/>
+          </a:prstGeom>
+        </p:spPr>
+        <p:txBody>
+          <a:bodyPr wrap="none">
+            <a:spAutoFit/>
+          </a:bodyPr>
+          <a:lstStyle/>
+          <a:p>
+            <a:r>
+              <a:rPr lang="en-US" sz="1400" dirty="0">
+                <a:latin typeface="Helvetica"/>
+                <a:cs typeface="Helvetica"/>
+              </a:rPr>
+              <a:t>Predicted vs. Actual </a:t>
+            </a:r>
+            <a:r>
+              <a:rPr lang="en-US" sz="1400" dirty="0" err="1">
+                <a:latin typeface="Helvetica"/>
+                <a:cs typeface="Helvetica"/>
+              </a:rPr>
+              <a:t>Bitcoin</a:t>
+            </a:r>
+            <a:r>
+              <a:rPr lang="en-US" sz="1400" dirty="0">
+                <a:latin typeface="Helvetica"/>
+                <a:cs typeface="Helvetica"/>
+              </a:rPr>
+              <a:t> </a:t>
+            </a:r>
+            <a:r>
+              <a:rPr lang="en-US" sz="1400" dirty="0" smtClean="0">
+                <a:latin typeface="Helvetica"/>
+                <a:cs typeface="Helvetica"/>
+              </a:rPr>
+              <a:t>Price Changes </a:t>
+            </a:r>
+            <a:r>
+              <a:rPr lang="en-US" sz="1400" dirty="0">
+                <a:latin typeface="Helvetica"/>
+                <a:cs typeface="Helvetica"/>
+              </a:rPr>
+              <a:t>(Neural Net)</a:t>
+            </a:r>
+            <a:endParaRPr lang="en-US" sz="2000" b="1" dirty="0">
+              <a:latin typeface="Helvetica"/>
+              <a:cs typeface="Helvetica"/>
+            </a:endParaRPr>
+          </a:p>
+        </p:txBody>
+      </p:sp>
+      <p:sp>
+        <p:nvSpPr>
+          <p:cNvPr id="91" name="Rectangle 90"/>
+          <p:cNvSpPr/>
+          <p:nvPr/>
+        </p:nvSpPr>
+        <p:spPr>
+          <a:xfrm>
+            <a:off x="8574682" y="11024430"/>
+            <a:ext cx="4595403" cy="307777"/>
+          </a:xfrm>
+          <a:prstGeom prst="rect">
+            <a:avLst/>
+          </a:prstGeom>
+          <a:solidFill>
+            <a:schemeClr val="bg1"/>
+          </a:solidFill>
+        </p:spPr>
+        <p:txBody>
+          <a:bodyPr wrap="none">
+            <a:spAutoFit/>
+          </a:bodyPr>
+          <a:lstStyle/>
+          <a:p>
+            <a:r>
+              <a:rPr lang="en-US" sz="1400" dirty="0" smtClean="0">
+                <a:latin typeface="Helvetica"/>
+                <a:cs typeface="Helvetica"/>
+              </a:rPr>
+              <a:t>Accuracy of 8 </a:t>
+            </a:r>
+            <a:r>
+              <a:rPr lang="en-US" sz="1400" dirty="0" err="1" smtClean="0">
+                <a:latin typeface="Helvetica"/>
+                <a:cs typeface="Helvetica"/>
+              </a:rPr>
+              <a:t>Bitcoin</a:t>
+            </a:r>
+            <a:r>
+              <a:rPr lang="en-US" sz="1400" dirty="0" smtClean="0">
+                <a:latin typeface="Helvetica"/>
+                <a:cs typeface="Helvetica"/>
+              </a:rPr>
+              <a:t> Price Change-Prediction methods</a:t>
+            </a:r>
+            <a:endParaRPr lang="en-US" sz="2000" b="1" dirty="0">
+              <a:latin typeface="Helvetica"/>
+              <a:cs typeface="Helvetica"/>
+            </a:endParaRPr>
+          </a:p>
+        </p:txBody>
+      </p:sp>
+      <p:sp>
+        <p:nvSpPr>
+          <p:cNvPr id="92" name="Rectangle 91"/>
+          <p:cNvSpPr/>
+          <p:nvPr/>
+        </p:nvSpPr>
+        <p:spPr>
+          <a:xfrm>
+            <a:off x="15390846" y="14444996"/>
+            <a:ext cx="3248092" cy="307777"/>
+          </a:xfrm>
+          <a:prstGeom prst="rect">
+            <a:avLst/>
+          </a:prstGeom>
+          <a:solidFill>
+            <a:schemeClr val="bg1"/>
+          </a:solidFill>
+        </p:spPr>
+        <p:txBody>
+          <a:bodyPr wrap="none">
+            <a:spAutoFit/>
+          </a:bodyPr>
+          <a:lstStyle/>
+          <a:p>
+            <a:r>
+              <a:rPr lang="en-US" sz="1400" dirty="0" err="1" smtClean="0">
+                <a:latin typeface="Helvetica"/>
+                <a:cs typeface="Helvetica"/>
+              </a:rPr>
+              <a:t>Bitcoin</a:t>
+            </a:r>
+            <a:r>
+              <a:rPr lang="en-US" sz="1400" dirty="0" smtClean="0">
+                <a:latin typeface="Helvetica"/>
+                <a:cs typeface="Helvetica"/>
+              </a:rPr>
+              <a:t> Price Change Prediction Errors</a:t>
+            </a:r>
+            <a:endParaRPr lang="en-US" sz="2000" b="1" dirty="0">
+              <a:latin typeface="Helvetica"/>
+              <a:cs typeface="Helvetica"/>
+            </a:endParaRPr>
+          </a:p>
+        </p:txBody>
+      </p:sp>
+      <p:sp>
+        <p:nvSpPr>
+          <p:cNvPr id="12" name="TextBox 11"/>
           <p:cNvSpPr txBox="1"/>
           <p:nvPr/>
         </p:nvSpPr>
         <p:spPr>
           <a:xfrm>
-            <a:off x="564957" y="6765861"/>
-            <a:ext cx="3360866" cy="400110"/>
+            <a:off x="7829176" y="11131176"/>
+            <a:ext cx="392430" cy="523220"/>
           </a:xfrm>
           <a:prstGeom prst="rect">
             <a:avLst/>
@@ -4346,23 +7795,22 @@
           <a:lstStyle/>
           <a:p>
             <a:r>
-              <a:rPr lang="en-US" sz="2000" dirty="0" smtClean="0"/>
-              <a:t>Historical  price &amp; trading data</a:t>
-            </a:r>
-            <a:endParaRPr lang="en-US" sz="2000" dirty="0"/>
-          </a:p>
-        </p:txBody>
-      </p:sp>
-      <p:sp>
-        <p:nvSpPr>
-          <p:cNvPr id="168" name="TextBox 167"/>
+              <a:rPr lang="en-US" sz="2800" dirty="0"/>
+              <a:t>A</a:t>
+            </a:r>
+          </a:p>
+        </p:txBody>
+      </p:sp>
+      <p:sp>
+        <p:nvSpPr>
+          <p:cNvPr id="93" name="TextBox 92"/>
           <p:cNvSpPr txBox="1"/>
           <p:nvPr/>
         </p:nvSpPr>
         <p:spPr>
-          <a:xfrm>
-            <a:off x="1054135" y="7887247"/>
-            <a:ext cx="2612464" cy="400110"/>
+          <a:xfrm flipH="1">
+            <a:off x="13402236" y="11212819"/>
+            <a:ext cx="4978400" cy="523220"/>
           </a:xfrm>
           <a:prstGeom prst="rect">
             <a:avLst/>
@@ -4370,29 +7818,29 @@
           <a:noFill/>
         </p:spPr>
         <p:txBody>
-          <a:bodyPr wrap="none" rtlCol="0">
+          <a:bodyPr wrap="square" rtlCol="0">
             <a:spAutoFit/>
           </a:bodyPr>
           <a:lstStyle/>
           <a:p>
             <a:r>
-              <a:rPr lang="en-US" sz="2000" dirty="0" smtClean="0"/>
-              <a:t>Future predicted prices </a:t>
-            </a:r>
-            <a:endParaRPr lang="en-US" sz="2000" dirty="0"/>
-          </a:p>
-        </p:txBody>
-      </p:sp>
-      <p:sp>
-        <p:nvSpPr>
-          <p:cNvPr id="170" name="TextBox 169"/>
+              <a:rPr lang="en-US" sz="2800" dirty="0" smtClean="0"/>
+              <a:t>      B</a:t>
+            </a:r>
+            <a:endParaRPr lang="en-US" sz="2800" dirty="0"/>
+          </a:p>
+        </p:txBody>
+      </p:sp>
+      <p:sp>
+        <p:nvSpPr>
+          <p:cNvPr id="94" name="TextBox 93"/>
           <p:cNvSpPr txBox="1"/>
           <p:nvPr/>
         </p:nvSpPr>
         <p:spPr>
-          <a:xfrm>
-            <a:off x="1573104" y="8975705"/>
-            <a:ext cx="1988169" cy="400110"/>
+          <a:xfrm flipH="1">
+            <a:off x="7626308" y="14578604"/>
+            <a:ext cx="9320305" cy="523220"/>
           </a:xfrm>
           <a:prstGeom prst="rect">
             <a:avLst/>
@@ -4400,34 +7848,206 @@
           <a:noFill/>
         </p:spPr>
         <p:txBody>
-          <a:bodyPr wrap="none" rtlCol="0">
+          <a:bodyPr wrap="square" rtlCol="0">
             <a:spAutoFit/>
           </a:bodyPr>
           <a:lstStyle/>
           <a:p>
             <a:r>
-              <a:rPr lang="en-US" sz="2000" dirty="0" smtClean="0"/>
-              <a:t>Trading decisions</a:t>
-            </a:r>
-            <a:endParaRPr lang="en-US" sz="2000" dirty="0"/>
+              <a:rPr lang="en-US" sz="2400" dirty="0" smtClean="0"/>
+              <a:t>   </a:t>
+            </a:r>
+            <a:r>
+              <a:rPr lang="en-US" sz="2800" dirty="0" smtClean="0"/>
+              <a:t>C 		                 D</a:t>
+            </a:r>
+            <a:endParaRPr lang="en-US" sz="2800" dirty="0"/>
+          </a:p>
+        </p:txBody>
+      </p:sp>
+      <p:sp>
+        <p:nvSpPr>
+          <p:cNvPr id="95" name="Rectangle 94"/>
+          <p:cNvSpPr/>
+          <p:nvPr/>
+        </p:nvSpPr>
+        <p:spPr>
+          <a:xfrm>
+            <a:off x="23447829" y="7165662"/>
+            <a:ext cx="965479" cy="405094"/>
+          </a:xfrm>
+          <a:prstGeom prst="rect">
+            <a:avLst/>
+          </a:prstGeom>
+        </p:spPr>
+        <p:style>
+          <a:lnRef idx="2">
+            <a:schemeClr val="dk1"/>
+          </a:lnRef>
+          <a:fillRef idx="1">
+            <a:schemeClr val="lt1"/>
+          </a:fillRef>
+          <a:effectRef idx="0">
+            <a:schemeClr val="dk1"/>
+          </a:effectRef>
+          <a:fontRef idx="minor">
+            <a:schemeClr val="dk1"/>
+          </a:fontRef>
+        </p:style>
+        <p:txBody>
+          <a:bodyPr rtlCol="0" anchor="ctr"/>
+          <a:lstStyle/>
+          <a:p>
+            <a:pPr algn="ctr"/>
+            <a:r>
+              <a:rPr lang="en-US" sz="1600" dirty="0" smtClean="0"/>
+              <a:t>MDP</a:t>
+            </a:r>
+            <a:endParaRPr lang="en-US" sz="1600" dirty="0"/>
+          </a:p>
+        </p:txBody>
+      </p:sp>
+      <p:sp>
+        <p:nvSpPr>
+          <p:cNvPr id="96" name="Oval 95"/>
+          <p:cNvSpPr/>
+          <p:nvPr/>
+        </p:nvSpPr>
+        <p:spPr>
+          <a:xfrm>
+            <a:off x="23250769" y="7833258"/>
+            <a:ext cx="1393720" cy="933809"/>
+          </a:xfrm>
+          <a:prstGeom prst="ellipse">
+            <a:avLst/>
+          </a:prstGeom>
+        </p:spPr>
+        <p:style>
+          <a:lnRef idx="2">
+            <a:schemeClr val="dk1"/>
+          </a:lnRef>
+          <a:fillRef idx="1">
+            <a:schemeClr val="lt1"/>
+          </a:fillRef>
+          <a:effectRef idx="0">
+            <a:schemeClr val="dk1"/>
+          </a:effectRef>
+          <a:fontRef idx="minor">
+            <a:schemeClr val="dk1"/>
+          </a:fontRef>
+        </p:style>
+        <p:txBody>
+          <a:bodyPr rtlCol="0" anchor="ctr"/>
+          <a:lstStyle/>
+          <a:p>
+            <a:pPr algn="ctr"/>
+            <a:r>
+              <a:rPr lang="en-US" sz="1800" dirty="0" smtClean="0"/>
+              <a:t>Optimal policy</a:t>
+            </a:r>
+            <a:endParaRPr lang="en-US" sz="1800" dirty="0"/>
+          </a:p>
+        </p:txBody>
+      </p:sp>
+      <p:sp>
+        <p:nvSpPr>
+          <p:cNvPr id="97" name="Rectangle 96"/>
+          <p:cNvSpPr/>
+          <p:nvPr/>
+        </p:nvSpPr>
+        <p:spPr>
+          <a:xfrm>
+            <a:off x="26028136" y="8092890"/>
+            <a:ext cx="965479" cy="405094"/>
+          </a:xfrm>
+          <a:prstGeom prst="rect">
+            <a:avLst/>
+          </a:prstGeom>
+        </p:spPr>
+        <p:style>
+          <a:lnRef idx="2">
+            <a:schemeClr val="dk1"/>
+          </a:lnRef>
+          <a:fillRef idx="1">
+            <a:schemeClr val="lt1"/>
+          </a:fillRef>
+          <a:effectRef idx="0">
+            <a:schemeClr val="dk1"/>
+          </a:effectRef>
+          <a:fontRef idx="minor">
+            <a:schemeClr val="dk1"/>
+          </a:fontRef>
+        </p:style>
+        <p:txBody>
+          <a:bodyPr rtlCol="0" anchor="ctr"/>
+          <a:lstStyle/>
+          <a:p>
+            <a:pPr algn="ctr"/>
+            <a:r>
+              <a:rPr lang="en-US" sz="1600" dirty="0" smtClean="0"/>
+              <a:t>Action</a:t>
+            </a:r>
+            <a:endParaRPr lang="en-US" sz="1600" dirty="0"/>
+          </a:p>
+        </p:txBody>
+      </p:sp>
+      <p:sp>
+        <p:nvSpPr>
+          <p:cNvPr id="98" name="Rectangle 97"/>
+          <p:cNvSpPr/>
+          <p:nvPr/>
+        </p:nvSpPr>
+        <p:spPr>
+          <a:xfrm>
+            <a:off x="20595010" y="8037958"/>
+            <a:ext cx="1096108" cy="476250"/>
+          </a:xfrm>
+          <a:prstGeom prst="rect">
+            <a:avLst/>
+          </a:prstGeom>
+        </p:spPr>
+        <p:style>
+          <a:lnRef idx="2">
+            <a:schemeClr val="dk1"/>
+          </a:lnRef>
+          <a:fillRef idx="1">
+            <a:schemeClr val="lt1"/>
+          </a:fillRef>
+          <a:effectRef idx="0">
+            <a:schemeClr val="dk1"/>
+          </a:effectRef>
+          <a:fontRef idx="minor">
+            <a:schemeClr val="dk1"/>
+          </a:fontRef>
+        </p:style>
+        <p:txBody>
+          <a:bodyPr rtlCol="0" anchor="ctr"/>
+          <a:lstStyle/>
+          <a:p>
+            <a:pPr algn="ctr"/>
+            <a:r>
+              <a:rPr lang="en-US" sz="1600" dirty="0" smtClean="0"/>
+              <a:t>Gaussian process</a:t>
+            </a:r>
+            <a:endParaRPr lang="en-US" sz="1600" dirty="0"/>
           </a:p>
         </p:txBody>
       </p:sp>
       <p:cxnSp>
         <p:nvCxnSpPr>
-          <p:cNvPr id="14" name="Straight Arrow Connector 13"/>
+          <p:cNvPr id="99" name="Straight Arrow Connector 98"/>
           <p:cNvCxnSpPr/>
           <p:nvPr/>
         </p:nvCxnSpPr>
         <p:spPr>
           <a:xfrm>
-            <a:off x="2850295" y="7209592"/>
-            <a:ext cx="0" cy="689891"/>
+            <a:off x="21692880" y="8294519"/>
+            <a:ext cx="1526583" cy="0"/>
           </a:xfrm>
           <a:prstGeom prst="straightConnector1">
             <a:avLst/>
           </a:prstGeom>
-          <a:ln w="57150" cmpd="sng">
+          <a:ln w="28575" cmpd="sng">
             <a:tailEnd type="arrow"/>
           </a:ln>
         </p:spPr>
@@ -4448,19 +8068,19 @@
       </p:cxnSp>
       <p:cxnSp>
         <p:nvCxnSpPr>
-          <p:cNvPr id="171" name="Straight Arrow Connector 170"/>
+          <p:cNvPr id="101" name="Straight Arrow Connector 100"/>
           <p:cNvCxnSpPr/>
           <p:nvPr/>
         </p:nvCxnSpPr>
         <p:spPr>
           <a:xfrm>
-            <a:off x="2831796" y="8329410"/>
-            <a:ext cx="0" cy="689891"/>
+            <a:off x="24630554" y="8289827"/>
+            <a:ext cx="1409624" cy="15983"/>
           </a:xfrm>
           <a:prstGeom prst="straightConnector1">
             <a:avLst/>
           </a:prstGeom>
-          <a:ln w="57150" cmpd="sng">
+          <a:ln w="28575" cmpd="sng">
             <a:tailEnd type="arrow"/>
           </a:ln>
         </p:spPr>
@@ -4481,19 +8101,19 @@
       </p:cxnSp>
       <p:cxnSp>
         <p:nvCxnSpPr>
-          <p:cNvPr id="172" name="Straight Arrow Connector 171"/>
+          <p:cNvPr id="102" name="Straight Arrow Connector 101"/>
           <p:cNvCxnSpPr/>
           <p:nvPr/>
         </p:nvCxnSpPr>
         <p:spPr>
-          <a:xfrm>
-            <a:off x="2841519" y="9435117"/>
-            <a:ext cx="0" cy="689891"/>
+          <a:xfrm flipH="1" flipV="1">
+            <a:off x="21344971" y="8523888"/>
+            <a:ext cx="1541" cy="501830"/>
           </a:xfrm>
           <a:prstGeom prst="straightConnector1">
             <a:avLst/>
           </a:prstGeom>
-          <a:ln w="57150" cmpd="sng">
+          <a:ln w="28575" cmpd="sng">
             <a:tailEnd type="arrow"/>
           </a:ln>
         </p:spPr>
@@ -4512,56 +8132,23 @@
           </a:fontRef>
         </p:style>
       </p:cxnSp>
-      <p:sp>
-        <p:nvSpPr>
-          <p:cNvPr id="173" name="TextBox 172"/>
-          <p:cNvSpPr txBox="1"/>
-          <p:nvPr/>
-        </p:nvSpPr>
-        <p:spPr>
-          <a:xfrm>
-            <a:off x="1970406" y="10186466"/>
-            <a:ext cx="1320168" cy="400110"/>
-          </a:xfrm>
-          <a:prstGeom prst="rect">
-            <a:avLst/>
-          </a:prstGeom>
-          <a:noFill/>
-        </p:spPr>
-        <p:txBody>
-          <a:bodyPr wrap="none" rtlCol="0">
-            <a:spAutoFit/>
-          </a:bodyPr>
-          <a:lstStyle/>
-          <a:p>
-            <a:r>
-              <a:rPr lang="en-US" sz="2000" dirty="0" err="1" smtClean="0"/>
-              <a:t>Bitcoin</a:t>
-            </a:r>
-            <a:r>
-              <a:rPr lang="en-US" sz="2000" dirty="0" smtClean="0"/>
-              <a:t> bot </a:t>
-            </a:r>
-            <a:endParaRPr lang="en-US" sz="2000" dirty="0"/>
-          </a:p>
-        </p:txBody>
-      </p:sp>
       <p:cxnSp>
         <p:nvCxnSpPr>
-          <p:cNvPr id="174" name="Straight Arrow Connector 173"/>
+          <p:cNvPr id="104" name="Straight Arrow Connector 103"/>
           <p:cNvCxnSpPr/>
           <p:nvPr/>
         </p:nvCxnSpPr>
         <p:spPr>
           <a:xfrm>
-            <a:off x="2805774" y="10625493"/>
-            <a:ext cx="0" cy="689891"/>
+            <a:off x="21344972" y="9024181"/>
+            <a:ext cx="5222712" cy="1537"/>
           </a:xfrm>
           <a:prstGeom prst="straightConnector1">
             <a:avLst/>
           </a:prstGeom>
-          <a:ln w="57150" cmpd="sng">
-            <a:tailEnd type="arrow"/>
+          <a:ln w="28575" cmpd="sng">
+            <a:headEnd type="none"/>
+            <a:tailEnd type="none"/>
           </a:ln>
         </p:spPr>
         <p:style>
@@ -4579,54 +8166,150 @@
           </a:fontRef>
         </p:style>
       </p:cxnSp>
-      <p:sp>
-        <p:nvSpPr>
-          <p:cNvPr id="175" name="TextBox 174"/>
-          <p:cNvSpPr txBox="1"/>
-          <p:nvPr/>
-        </p:nvSpPr>
-        <p:spPr>
-          <a:xfrm>
-            <a:off x="2278027" y="11342348"/>
-            <a:ext cx="847032" cy="400110"/>
+      <p:cxnSp>
+        <p:nvCxnSpPr>
+          <p:cNvPr id="107" name="Straight Arrow Connector 106"/>
+          <p:cNvCxnSpPr/>
+          <p:nvPr/>
+        </p:nvCxnSpPr>
+        <p:spPr>
+          <a:xfrm flipH="1" flipV="1">
+            <a:off x="26538945" y="8509524"/>
+            <a:ext cx="1541" cy="501830"/>
+          </a:xfrm>
+          <a:prstGeom prst="straightConnector1">
+            <a:avLst/>
+          </a:prstGeom>
+          <a:ln w="28575" cmpd="sng">
+            <a:headEnd type="none"/>
+            <a:tailEnd type="none"/>
+          </a:ln>
+        </p:spPr>
+        <p:style>
+          <a:lnRef idx="2">
+            <a:schemeClr val="dk1"/>
+          </a:lnRef>
+          <a:fillRef idx="0">
+            <a:schemeClr val="dk1"/>
+          </a:fillRef>
+          <a:effectRef idx="1">
+            <a:schemeClr val="dk1"/>
+          </a:effectRef>
+          <a:fontRef idx="minor">
+            <a:schemeClr val="tx1"/>
+          </a:fontRef>
+        </p:style>
+      </p:cxnSp>
+      <p:sp>
+        <p:nvSpPr>
+          <p:cNvPr id="108" name="Rectangle 107"/>
+          <p:cNvSpPr/>
+          <p:nvPr/>
+        </p:nvSpPr>
+        <p:spPr>
+          <a:xfrm>
+            <a:off x="21564595" y="7844012"/>
+            <a:ext cx="1667695" cy="405094"/>
           </a:xfrm>
           <a:prstGeom prst="rect">
             <a:avLst/>
           </a:prstGeom>
           <a:noFill/>
-        </p:spPr>
-        <p:txBody>
-          <a:bodyPr wrap="none" rtlCol="0">
-            <a:spAutoFit/>
-          </a:bodyPr>
-          <a:lstStyle/>
-          <a:p>
-            <a:r>
-              <a:rPr lang="en-US" sz="2000" dirty="0" smtClean="0"/>
-              <a:t>Profit!</a:t>
-            </a:r>
-            <a:endParaRPr lang="en-US" sz="2000" dirty="0"/>
+          <a:ln>
+            <a:noFill/>
+          </a:ln>
+        </p:spPr>
+        <p:style>
+          <a:lnRef idx="2">
+            <a:schemeClr val="dk1"/>
+          </a:lnRef>
+          <a:fillRef idx="1">
+            <a:schemeClr val="lt1"/>
+          </a:fillRef>
+          <a:effectRef idx="0">
+            <a:schemeClr val="dk1"/>
+          </a:effectRef>
+          <a:fontRef idx="minor">
+            <a:schemeClr val="dk1"/>
+          </a:fontRef>
+        </p:style>
+        <p:txBody>
+          <a:bodyPr rtlCol="0" anchor="ctr"/>
+          <a:lstStyle/>
+          <a:p>
+            <a:pPr algn="ctr"/>
+            <a:r>
+              <a:rPr lang="en-US" sz="1600" dirty="0" smtClean="0"/>
+              <a:t>Compute state</a:t>
+            </a:r>
+            <a:endParaRPr lang="en-US" sz="1600" dirty="0"/>
+          </a:p>
+        </p:txBody>
+      </p:sp>
+      <p:sp>
+        <p:nvSpPr>
+          <p:cNvPr id="111" name="Rectangle 110"/>
+          <p:cNvSpPr/>
+          <p:nvPr/>
+        </p:nvSpPr>
+        <p:spPr>
+          <a:xfrm>
+            <a:off x="23128120" y="8920031"/>
+            <a:ext cx="1667695" cy="405094"/>
+          </a:xfrm>
+          <a:prstGeom prst="rect">
+            <a:avLst/>
+          </a:prstGeom>
+          <a:noFill/>
+          <a:ln>
+            <a:noFill/>
+          </a:ln>
+        </p:spPr>
+        <p:style>
+          <a:lnRef idx="2">
+            <a:schemeClr val="dk1"/>
+          </a:lnRef>
+          <a:fillRef idx="1">
+            <a:schemeClr val="lt1"/>
+          </a:fillRef>
+          <a:effectRef idx="0">
+            <a:schemeClr val="dk1"/>
+          </a:effectRef>
+          <a:fontRef idx="minor">
+            <a:schemeClr val="dk1"/>
+          </a:fontRef>
+        </p:style>
+        <p:txBody>
+          <a:bodyPr rtlCol="0" anchor="ctr"/>
+          <a:lstStyle/>
+          <a:p>
+            <a:pPr algn="ctr"/>
+            <a:r>
+              <a:rPr lang="en-US" sz="1600" dirty="0" smtClean="0"/>
+              <a:t>Next time step</a:t>
+            </a:r>
+            <a:endParaRPr lang="en-US" sz="1600" dirty="0"/>
           </a:p>
         </p:txBody>
       </p:sp>
       <p:pic>
         <p:nvPicPr>
-          <p:cNvPr id="16" name="Picture 15"/>
+          <p:cNvPr id="21" name="Picture 20"/>
           <p:cNvPicPr>
             <a:picLocks noChangeAspect="1"/>
           </p:cNvPicPr>
           <p:nvPr/>
         </p:nvPicPr>
         <p:blipFill>
-          <a:blip r:embed="rId4"/>
+          <a:blip r:embed="rId12"/>
           <a:stretch>
             <a:fillRect/>
           </a:stretch>
         </p:blipFill>
         <p:spPr>
           <a:xfrm>
-            <a:off x="24172777" y="173777"/>
-            <a:ext cx="1473721" cy="1473721"/>
+            <a:off x="10688821" y="15656048"/>
+            <a:ext cx="2346807" cy="451309"/>
           </a:xfrm>
           <a:prstGeom prst="rect">
             <a:avLst/>
@@ -4635,14 +8318,14 @@
       </p:pic>
       <p:sp>
         <p:nvSpPr>
-          <p:cNvPr id="176" name="TextBox 175"/>
+          <p:cNvPr id="22" name="TextBox 21"/>
           <p:cNvSpPr txBox="1"/>
           <p:nvPr/>
         </p:nvSpPr>
         <p:spPr>
           <a:xfrm>
-            <a:off x="3158579" y="7310549"/>
-            <a:ext cx="3181530" cy="400110"/>
+            <a:off x="16125341" y="8004707"/>
+            <a:ext cx="2369910" cy="646331"/>
           </a:xfrm>
           <a:prstGeom prst="rect">
             <a:avLst/>
@@ -4656,23 +8339,29 @@
           <a:lstStyle/>
           <a:p>
             <a:r>
-              <a:rPr lang="en-US" sz="2000" dirty="0" smtClean="0"/>
-              <a:t>Regression, Neural Net, SVM</a:t>
-            </a:r>
-            <a:endParaRPr lang="en-US" sz="2000" dirty="0"/>
-          </a:p>
-        </p:txBody>
-      </p:sp>
-      <p:sp>
-        <p:nvSpPr>
-          <p:cNvPr id="178" name="TextBox 177"/>
+              <a:rPr lang="en-US" sz="1800" dirty="0" smtClean="0"/>
+              <a:t>Feature examples used </a:t>
+            </a:r>
+          </a:p>
+          <a:p>
+            <a:r>
+              <a:rPr lang="en-US" sz="1800" dirty="0" smtClean="0"/>
+              <a:t>to train neural network </a:t>
+            </a:r>
+            <a:endParaRPr lang="en-US" sz="1800" dirty="0"/>
+          </a:p>
+        </p:txBody>
+      </p:sp>
+      <p:sp>
+        <p:nvSpPr>
+          <p:cNvPr id="115" name="TextBox 114"/>
           <p:cNvSpPr txBox="1"/>
           <p:nvPr/>
         </p:nvSpPr>
         <p:spPr>
           <a:xfrm>
-            <a:off x="3183979" y="8481772"/>
-            <a:ext cx="1203324" cy="400110"/>
+            <a:off x="16200769" y="8952448"/>
+            <a:ext cx="2538413" cy="646331"/>
           </a:xfrm>
           <a:prstGeom prst="rect">
             <a:avLst/>
@@ -4686,22 +8375,175 @@
           <a:lstStyle/>
           <a:p>
             <a:r>
-              <a:rPr lang="en-US" sz="2000" dirty="0" smtClean="0"/>
-              <a:t>CSP, MDP</a:t>
-            </a:r>
-            <a:endParaRPr lang="en-US" sz="2000" dirty="0"/>
-          </a:p>
-        </p:txBody>
-      </p:sp>
-      <p:sp>
-        <p:nvSpPr>
-          <p:cNvPr id="181" name="TextBox 180"/>
+              <a:rPr lang="en-US" sz="1800" dirty="0" smtClean="0"/>
+              <a:t>Feature examples used </a:t>
+            </a:r>
+          </a:p>
+          <a:p>
+            <a:r>
+              <a:rPr lang="en-US" sz="1800" dirty="0" smtClean="0"/>
+              <a:t>To predict next time step</a:t>
+            </a:r>
+            <a:endParaRPr lang="en-US" sz="1800" dirty="0"/>
+          </a:p>
+        </p:txBody>
+      </p:sp>
+      <p:pic>
+        <p:nvPicPr>
+          <p:cNvPr id="24" name="Picture 23"/>
+          <p:cNvPicPr>
+            <a:picLocks noChangeAspect="1"/>
+          </p:cNvPicPr>
+          <p:nvPr/>
+        </p:nvPicPr>
+        <p:blipFill>
+          <a:blip r:embed="rId13"/>
+          <a:stretch>
+            <a:fillRect/>
+          </a:stretch>
+        </p:blipFill>
+        <p:spPr>
+          <a:xfrm>
+            <a:off x="12818667" y="7893382"/>
+            <a:ext cx="2654300" cy="1282700"/>
+          </a:xfrm>
+          <a:prstGeom prst="rect">
+            <a:avLst/>
+          </a:prstGeom>
+        </p:spPr>
+      </p:pic>
+      <p:pic>
+        <p:nvPicPr>
+          <p:cNvPr id="26" name="Picture 25"/>
+          <p:cNvPicPr>
+            <a:picLocks noChangeAspect="1"/>
+          </p:cNvPicPr>
+          <p:nvPr/>
+        </p:nvPicPr>
+        <p:blipFill>
+          <a:blip r:embed="rId14"/>
+          <a:stretch>
+            <a:fillRect/>
+          </a:stretch>
+        </p:blipFill>
+        <p:spPr>
+          <a:xfrm>
+            <a:off x="15028610" y="9285749"/>
+            <a:ext cx="800100" cy="127000"/>
+          </a:xfrm>
+          <a:prstGeom prst="rect">
+            <a:avLst/>
+          </a:prstGeom>
+        </p:spPr>
+      </p:pic>
+      <p:cxnSp>
+        <p:nvCxnSpPr>
+          <p:cNvPr id="119" name="Straight Arrow Connector 118"/>
+          <p:cNvCxnSpPr/>
+          <p:nvPr/>
+        </p:nvCxnSpPr>
+        <p:spPr>
+          <a:xfrm>
+            <a:off x="13432740" y="7735288"/>
+            <a:ext cx="2230776" cy="0"/>
+          </a:xfrm>
+          <a:prstGeom prst="straightConnector1">
+            <a:avLst/>
+          </a:prstGeom>
+          <a:ln w="28575" cmpd="sng">
+            <a:tailEnd type="arrow"/>
+          </a:ln>
+        </p:spPr>
+        <p:style>
+          <a:lnRef idx="2">
+            <a:schemeClr val="dk1"/>
+          </a:lnRef>
+          <a:fillRef idx="0">
+            <a:schemeClr val="dk1"/>
+          </a:fillRef>
+          <a:effectRef idx="1">
+            <a:schemeClr val="dk1"/>
+          </a:effectRef>
+          <a:fontRef idx="minor">
+            <a:schemeClr val="tx1"/>
+          </a:fontRef>
+        </p:style>
+      </p:cxnSp>
+      <p:cxnSp>
+        <p:nvCxnSpPr>
+          <p:cNvPr id="122" name="Straight Arrow Connector 121"/>
+          <p:cNvCxnSpPr/>
+          <p:nvPr/>
+        </p:nvCxnSpPr>
+        <p:spPr>
+          <a:xfrm flipH="1">
+            <a:off x="15625032" y="9120750"/>
+            <a:ext cx="577279" cy="102624"/>
+          </a:xfrm>
+          <a:prstGeom prst="straightConnector1">
+            <a:avLst/>
+          </a:prstGeom>
+          <a:ln w="28575" cmpd="sng">
+            <a:tailEnd type="arrow"/>
+          </a:ln>
+        </p:spPr>
+        <p:style>
+          <a:lnRef idx="2">
+            <a:schemeClr val="dk1"/>
+          </a:lnRef>
+          <a:fillRef idx="0">
+            <a:schemeClr val="dk1"/>
+          </a:fillRef>
+          <a:effectRef idx="1">
+            <a:schemeClr val="dk1"/>
+          </a:effectRef>
+          <a:fontRef idx="minor">
+            <a:schemeClr val="tx1"/>
+          </a:fontRef>
+        </p:style>
+      </p:cxnSp>
+      <p:cxnSp>
+        <p:nvCxnSpPr>
+          <p:cNvPr id="125" name="Straight Arrow Connector 124"/>
+          <p:cNvCxnSpPr/>
+          <p:nvPr/>
+        </p:nvCxnSpPr>
+        <p:spPr>
+          <a:xfrm flipH="1">
+            <a:off x="15674804" y="8554778"/>
+            <a:ext cx="577279" cy="102624"/>
+          </a:xfrm>
+          <a:prstGeom prst="straightConnector1">
+            <a:avLst/>
+          </a:prstGeom>
+          <a:ln w="28575" cmpd="sng">
+            <a:tailEnd type="arrow"/>
+          </a:ln>
+        </p:spPr>
+        <p:style>
+          <a:lnRef idx="2">
+            <a:schemeClr val="dk1"/>
+          </a:lnRef>
+          <a:fillRef idx="0">
+            <a:schemeClr val="dk1"/>
+          </a:fillRef>
+          <a:effectRef idx="1">
+            <a:schemeClr val="dk1"/>
+          </a:effectRef>
+          <a:fontRef idx="minor">
+            <a:schemeClr val="tx1"/>
+          </a:fontRef>
+        </p:style>
+      </p:cxnSp>
+      <p:sp>
+        <p:nvSpPr>
+          <p:cNvPr id="127" name="TextBox 126"/>
           <p:cNvSpPr txBox="1"/>
           <p:nvPr/>
         </p:nvSpPr>
         <p:spPr>
           <a:xfrm>
-            <a:off x="377439" y="11754368"/>
+            <a:off x="318242" y="12037470"/>
             <a:ext cx="6667313" cy="543733"/>
           </a:xfrm>
           <a:prstGeom prst="rect">
@@ -4723,7 +8565,7 @@
                 <a:latin typeface="Helvetica"/>
                 <a:cs typeface="Helvetica"/>
               </a:rPr>
-              <a:t>Data Acquisition and processing</a:t>
+              <a:t>Data Acquisition &amp; Processing</a:t>
             </a:r>
             <a:endParaRPr lang="en-US" sz="3200" b="1" dirty="0">
               <a:latin typeface="Helvetica"/>
@@ -4734,13 +8576,13 @@
       </p:sp>
       <p:sp>
         <p:nvSpPr>
-          <p:cNvPr id="182" name="Rectangle 181"/>
+          <p:cNvPr id="128" name="Rectangle 127"/>
           <p:cNvSpPr/>
           <p:nvPr/>
         </p:nvSpPr>
         <p:spPr>
           <a:xfrm>
-            <a:off x="313195" y="12372327"/>
+            <a:off x="253998" y="12655429"/>
             <a:ext cx="6858000" cy="45720"/>
           </a:xfrm>
           <a:prstGeom prst="rect">
@@ -4788,2106 +8630,14 @@
       </p:sp>
       <p:sp>
         <p:nvSpPr>
-          <p:cNvPr id="19" name="TextBox 18"/>
+          <p:cNvPr id="129" name="TextBox 128"/>
           <p:cNvSpPr txBox="1"/>
           <p:nvPr/>
         </p:nvSpPr>
         <p:spPr>
           <a:xfrm>
-            <a:off x="685800" y="15214600"/>
-            <a:ext cx="184666" cy="830997"/>
-          </a:xfrm>
-          <a:prstGeom prst="rect">
-            <a:avLst/>
-          </a:prstGeom>
-          <a:noFill/>
-        </p:spPr>
-        <p:txBody>
-          <a:bodyPr wrap="none" rtlCol="0">
-            <a:spAutoFit/>
-          </a:bodyPr>
-          <a:lstStyle/>
-          <a:p>
-            <a:endParaRPr lang="en-US" dirty="0"/>
-          </a:p>
-        </p:txBody>
-      </p:sp>
-      <p:sp>
-        <p:nvSpPr>
-          <p:cNvPr id="183" name="TextBox 182"/>
-          <p:cNvSpPr txBox="1"/>
-          <p:nvPr/>
-        </p:nvSpPr>
-        <p:spPr>
-          <a:xfrm>
-            <a:off x="239887" y="12527809"/>
-            <a:ext cx="6773335" cy="1631216"/>
-          </a:xfrm>
-          <a:prstGeom prst="rect">
-            <a:avLst/>
-          </a:prstGeom>
-          <a:noFill/>
-        </p:spPr>
-        <p:txBody>
-          <a:bodyPr wrap="square" rtlCol="0">
-            <a:spAutoFit/>
-          </a:bodyPr>
-          <a:lstStyle/>
-          <a:p>
-            <a:pPr marL="457200" indent="-457200">
-              <a:buFont typeface="Arial"/>
-              <a:buChar char="•"/>
-            </a:pPr>
-            <a:r>
-              <a:rPr lang="en-US" sz="2000" dirty="0" smtClean="0">
-                <a:latin typeface="Helvetica"/>
-                <a:cs typeface="Helvetica"/>
-              </a:rPr>
-              <a:t>Minute-granularity historical prices</a:t>
-            </a:r>
-          </a:p>
-          <a:p>
-            <a:pPr marL="457200" indent="-457200">
-              <a:buFont typeface="Arial"/>
-              <a:buChar char="•"/>
-            </a:pPr>
-            <a:r>
-              <a:rPr lang="en-US" sz="2000" dirty="0" smtClean="0">
-                <a:latin typeface="Helvetica"/>
-                <a:cs typeface="Helvetica"/>
-              </a:rPr>
-              <a:t>Various </a:t>
-            </a:r>
-            <a:r>
-              <a:rPr lang="en-US" sz="2000" dirty="0" err="1" smtClean="0">
-                <a:latin typeface="Helvetica"/>
-                <a:cs typeface="Helvetica"/>
-              </a:rPr>
-              <a:t>Bitcoin</a:t>
-            </a:r>
-            <a:r>
-              <a:rPr lang="en-US" sz="2000" dirty="0" smtClean="0">
-                <a:latin typeface="Helvetica"/>
-                <a:cs typeface="Helvetica"/>
-              </a:rPr>
-              <a:t> statistics, e.g. market volume</a:t>
-            </a:r>
-          </a:p>
-          <a:p>
-            <a:pPr marL="457200" indent="-457200">
-              <a:buFont typeface="Arial"/>
-              <a:buChar char="•"/>
-            </a:pPr>
-            <a:r>
-              <a:rPr lang="en-US" sz="2000" dirty="0" smtClean="0">
-                <a:latin typeface="Helvetica"/>
-                <a:cs typeface="Helvetica"/>
-              </a:rPr>
-              <a:t>Sampled order book data </a:t>
-            </a:r>
-            <a:r>
-              <a:rPr lang="en-US" sz="2000" dirty="0" smtClean="0">
-                <a:latin typeface="Helvetica"/>
-                <a:cs typeface="Helvetica"/>
-                <a:sym typeface="Wingdings"/>
-              </a:rPr>
-              <a:t> </a:t>
-            </a:r>
-            <a:r>
-              <a:rPr lang="en-US" sz="2000" dirty="0" smtClean="0">
-                <a:latin typeface="Helvetica"/>
-                <a:cs typeface="Helvetica"/>
-              </a:rPr>
-              <a:t>buy/sell ratios</a:t>
-            </a:r>
-          </a:p>
-          <a:p>
-            <a:pPr marL="457200" indent="-457200">
-              <a:buFont typeface="Arial"/>
-              <a:buChar char="•"/>
-            </a:pPr>
-            <a:r>
-              <a:rPr lang="en-US" sz="2000" dirty="0" smtClean="0">
-                <a:latin typeface="Helvetica"/>
-                <a:cs typeface="Helvetica"/>
-              </a:rPr>
-              <a:t>Missing data was cubic-spline interpolated or imputed when appropriate</a:t>
-            </a:r>
-          </a:p>
-        </p:txBody>
-      </p:sp>
-      <p:sp>
-        <p:nvSpPr>
-          <p:cNvPr id="184" name="TextBox 183"/>
-          <p:cNvSpPr txBox="1"/>
-          <p:nvPr/>
-        </p:nvSpPr>
-        <p:spPr>
-          <a:xfrm>
-            <a:off x="7671141" y="3251828"/>
-            <a:ext cx="12836322" cy="9941183"/>
-          </a:xfrm>
-          <a:prstGeom prst="rect">
-            <a:avLst/>
-          </a:prstGeom>
-          <a:noFill/>
-        </p:spPr>
-        <p:txBody>
-          <a:bodyPr wrap="square" rtlCol="0">
-            <a:spAutoFit/>
-          </a:bodyPr>
-          <a:lstStyle/>
-          <a:p>
-            <a:r>
-              <a:rPr lang="en-US" sz="2000" dirty="0" smtClean="0">
-                <a:latin typeface="Helvetica"/>
-                <a:cs typeface="Helvetica"/>
-              </a:rPr>
-              <a:t>Goal: predict </a:t>
-            </a:r>
-            <a:r>
-              <a:rPr lang="en-US" sz="2000" i="1" dirty="0" smtClean="0">
-                <a:latin typeface="Helvetica"/>
-                <a:cs typeface="Helvetica"/>
-              </a:rPr>
-              <a:t>n </a:t>
-            </a:r>
-            <a:r>
-              <a:rPr lang="en-US" sz="2000" dirty="0" smtClean="0">
-                <a:latin typeface="Helvetica"/>
-                <a:cs typeface="Helvetica"/>
-              </a:rPr>
-              <a:t>future </a:t>
-            </a:r>
-            <a:r>
-              <a:rPr lang="en-US" sz="2000" dirty="0" err="1" smtClean="0">
-                <a:latin typeface="Helvetica"/>
-                <a:cs typeface="Helvetica"/>
-              </a:rPr>
-              <a:t>Bitcoin</a:t>
-            </a:r>
-            <a:r>
-              <a:rPr lang="en-US" sz="2000" dirty="0" smtClean="0">
-                <a:latin typeface="Helvetica"/>
-                <a:cs typeface="Helvetica"/>
-              </a:rPr>
-              <a:t> price changes over </a:t>
-            </a:r>
-            <a:r>
-              <a:rPr lang="en-US" sz="2000" i="1" dirty="0" err="1" smtClean="0">
-                <a:latin typeface="Helvetica"/>
-                <a:cs typeface="Helvetica"/>
-              </a:rPr>
-              <a:t>dt</a:t>
-            </a:r>
-            <a:r>
-              <a:rPr lang="en-US" sz="2000" dirty="0" smtClean="0">
-                <a:latin typeface="Helvetica"/>
-                <a:cs typeface="Helvetica"/>
-              </a:rPr>
-              <a:t> from past </a:t>
-            </a:r>
-            <a:r>
-              <a:rPr lang="en-US" sz="2000" dirty="0" err="1" smtClean="0">
-                <a:latin typeface="Helvetica"/>
-                <a:cs typeface="Helvetica"/>
-              </a:rPr>
-              <a:t>bitcoin</a:t>
-            </a:r>
-            <a:r>
-              <a:rPr lang="en-US" sz="2000" dirty="0" smtClean="0">
-                <a:latin typeface="Helvetica"/>
-                <a:cs typeface="Helvetica"/>
-              </a:rPr>
-              <a:t> prices and other data </a:t>
-            </a:r>
-            <a:endParaRPr lang="en-US" sz="2000" dirty="0">
-              <a:latin typeface="Helvetica"/>
-              <a:cs typeface="Helvetica"/>
-            </a:endParaRPr>
-          </a:p>
-          <a:p>
-            <a:endParaRPr lang="en-US" sz="2000" b="1" dirty="0" smtClean="0">
-              <a:latin typeface="Helvetica"/>
-              <a:cs typeface="Helvetica"/>
-            </a:endParaRPr>
-          </a:p>
-          <a:p>
-            <a:endParaRPr lang="en-US" sz="2000" i="1" dirty="0" smtClean="0">
-              <a:latin typeface="Helvetica"/>
-              <a:cs typeface="Helvetica"/>
-            </a:endParaRPr>
-          </a:p>
-          <a:p>
-            <a:endParaRPr lang="en-US" sz="2000" i="1" dirty="0">
-              <a:latin typeface="Helvetica"/>
-              <a:cs typeface="Helvetica"/>
-            </a:endParaRPr>
-          </a:p>
-          <a:p>
-            <a:endParaRPr lang="en-US" sz="2000" i="1" dirty="0" smtClean="0">
-              <a:latin typeface="Helvetica"/>
-              <a:cs typeface="Helvetica"/>
-            </a:endParaRPr>
-          </a:p>
-          <a:p>
-            <a:endParaRPr lang="en-US" sz="2000" i="1" dirty="0">
-              <a:latin typeface="Helvetica"/>
-              <a:cs typeface="Helvetica"/>
-            </a:endParaRPr>
-          </a:p>
-          <a:p>
-            <a:endParaRPr lang="en-US" sz="2000" i="1" dirty="0" smtClean="0">
-              <a:latin typeface="Helvetica"/>
-              <a:cs typeface="Helvetica"/>
-            </a:endParaRPr>
-          </a:p>
-          <a:p>
-            <a:endParaRPr lang="en-US" sz="2000" b="1" dirty="0" smtClean="0">
-              <a:latin typeface="Helvetica"/>
-              <a:cs typeface="Helvetica"/>
-            </a:endParaRPr>
-          </a:p>
-          <a:p>
-            <a:endParaRPr lang="en-US" sz="2000" b="1" dirty="0">
-              <a:latin typeface="Helvetica"/>
-              <a:cs typeface="Helvetica"/>
-            </a:endParaRPr>
-          </a:p>
-          <a:p>
-            <a:r>
-              <a:rPr lang="en-US" sz="2000" b="1" dirty="0" smtClean="0">
-                <a:latin typeface="Helvetica"/>
-                <a:cs typeface="Helvetica"/>
-              </a:rPr>
-              <a:t>Neural Networks</a:t>
-            </a:r>
-          </a:p>
-          <a:p>
-            <a:endParaRPr lang="en-US" sz="2000" dirty="0" smtClean="0">
-              <a:latin typeface="Helvetica"/>
-              <a:cs typeface="Helvetica"/>
-            </a:endParaRPr>
-          </a:p>
-          <a:p>
-            <a:endParaRPr lang="en-US" sz="2000" b="1" dirty="0">
-              <a:latin typeface="Helvetica"/>
-              <a:cs typeface="Helvetica"/>
-            </a:endParaRPr>
-          </a:p>
-          <a:p>
-            <a:endParaRPr lang="en-US" sz="2000" b="1" dirty="0" smtClean="0">
-              <a:latin typeface="Helvetica"/>
-              <a:cs typeface="Helvetica"/>
-            </a:endParaRPr>
-          </a:p>
-          <a:p>
-            <a:endParaRPr lang="en-US" sz="2000" b="1" dirty="0">
-              <a:latin typeface="Helvetica"/>
-              <a:cs typeface="Helvetica"/>
-            </a:endParaRPr>
-          </a:p>
-          <a:p>
-            <a:r>
-              <a:rPr lang="en-US" sz="2000" b="1" dirty="0" smtClean="0">
-                <a:latin typeface="Helvetica"/>
-                <a:cs typeface="Helvetica"/>
-              </a:rPr>
-              <a:t>Neural Networks		   </a:t>
-            </a:r>
-            <a:r>
-              <a:rPr lang="en-US" sz="1800" dirty="0" smtClean="0">
-                <a:latin typeface="Helvetica"/>
-                <a:cs typeface="Helvetica"/>
-              </a:rPr>
-              <a:t>past	                     future</a:t>
-            </a:r>
-            <a:endParaRPr lang="en-US" sz="2000" b="1" dirty="0" smtClean="0">
-              <a:latin typeface="Helvetica"/>
-              <a:cs typeface="Helvetica"/>
-            </a:endParaRPr>
-          </a:p>
-          <a:p>
-            <a:r>
-              <a:rPr lang="en-US" sz="2000" dirty="0" smtClean="0">
-                <a:latin typeface="Helvetica"/>
-                <a:cs typeface="Helvetica"/>
-              </a:rPr>
-              <a:t>Our most effective method of price </a:t>
-            </a:r>
-          </a:p>
-          <a:p>
-            <a:r>
-              <a:rPr lang="en-US" sz="2000" dirty="0" smtClean="0">
-                <a:latin typeface="Helvetica"/>
-                <a:cs typeface="Helvetica"/>
-              </a:rPr>
-              <a:t>Prediction was a Neural Network</a:t>
-            </a:r>
-          </a:p>
-          <a:p>
-            <a:r>
-              <a:rPr lang="en-US" sz="2000" dirty="0" smtClean="0">
-                <a:latin typeface="Helvetica"/>
-                <a:cs typeface="Helvetica"/>
-              </a:rPr>
-              <a:t>In which we trained the network on </a:t>
-            </a:r>
-          </a:p>
-          <a:p>
-            <a:r>
-              <a:rPr lang="en-US" sz="2000" dirty="0" smtClean="0">
-                <a:latin typeface="Helvetica"/>
-                <a:cs typeface="Helvetica"/>
-              </a:rPr>
-              <a:t>Multiple windows of past prices and </a:t>
-            </a:r>
-          </a:p>
-          <a:p>
-            <a:r>
-              <a:rPr lang="en-US" sz="2000" dirty="0" smtClean="0">
-                <a:latin typeface="Helvetica"/>
-                <a:cs typeface="Helvetica"/>
-              </a:rPr>
-              <a:t>Used a final window to predict an </a:t>
-            </a:r>
-          </a:p>
-          <a:p>
-            <a:r>
-              <a:rPr lang="en-US" sz="2000" dirty="0" smtClean="0">
-                <a:latin typeface="Helvetica"/>
-                <a:cs typeface="Helvetica"/>
-              </a:rPr>
-              <a:t>Unseen future price. </a:t>
-            </a:r>
-            <a:endParaRPr lang="en-US" sz="2000" dirty="0">
-              <a:latin typeface="Helvetica"/>
-              <a:cs typeface="Helvetica"/>
-            </a:endParaRPr>
-          </a:p>
-          <a:p>
-            <a:endParaRPr lang="en-US" sz="2000" b="1" dirty="0" smtClean="0">
-              <a:latin typeface="Helvetica"/>
-              <a:cs typeface="Helvetica"/>
-            </a:endParaRPr>
-          </a:p>
-          <a:p>
-            <a:r>
-              <a:rPr lang="en-US" sz="2000" b="1" dirty="0" smtClean="0">
-                <a:latin typeface="Helvetica"/>
-                <a:cs typeface="Helvetica"/>
-              </a:rPr>
-              <a:t>Regression</a:t>
-            </a:r>
-          </a:p>
-          <a:p>
-            <a:pPr marL="342900" indent="-342900">
-              <a:buFont typeface="Arial"/>
-              <a:buChar char="•"/>
-            </a:pPr>
-            <a:r>
-              <a:rPr lang="en-US" sz="2000" dirty="0" smtClean="0">
-                <a:latin typeface="Helvetica"/>
-                <a:cs typeface="Helvetica"/>
-              </a:rPr>
-              <a:t>Gaussian regression outputs a standard deviation for the prediction (useful for MDP transition probabilities). </a:t>
-            </a:r>
-          </a:p>
-          <a:p>
-            <a:pPr marL="342900" indent="-342900">
-              <a:buFont typeface="Arial"/>
-              <a:buChar char="•"/>
-            </a:pPr>
-            <a:r>
-              <a:rPr lang="en-US" sz="2000" dirty="0" smtClean="0">
-                <a:latin typeface="Helvetica"/>
-                <a:cs typeface="Helvetica"/>
-              </a:rPr>
-              <a:t>We combined Bayesian regression with k-means trend clustering learn from hidden </a:t>
-            </a:r>
-            <a:r>
-              <a:rPr lang="en-US" sz="2000" dirty="0" err="1" smtClean="0">
-                <a:latin typeface="Helvetica"/>
-                <a:cs typeface="Helvetica"/>
-              </a:rPr>
-              <a:t>Bitcoin</a:t>
-            </a:r>
-            <a:r>
-              <a:rPr lang="en-US" sz="2000" dirty="0" smtClean="0">
-                <a:latin typeface="Helvetica"/>
-                <a:cs typeface="Helvetica"/>
-              </a:rPr>
-              <a:t> price trends.</a:t>
-            </a:r>
-          </a:p>
-          <a:p>
-            <a:endParaRPr lang="en-US" sz="2000" b="1" dirty="0">
-              <a:latin typeface="Helvetica"/>
-              <a:cs typeface="Helvetica"/>
-            </a:endParaRPr>
-          </a:p>
-          <a:p>
-            <a:endParaRPr lang="en-US" sz="2000" b="1" dirty="0" smtClean="0">
-              <a:latin typeface="Helvetica"/>
-              <a:cs typeface="Helvetica"/>
-            </a:endParaRPr>
-          </a:p>
-          <a:p>
-            <a:endParaRPr lang="en-US" sz="2000" b="1" dirty="0">
-              <a:latin typeface="Helvetica"/>
-              <a:cs typeface="Helvetica"/>
-            </a:endParaRPr>
-          </a:p>
-          <a:p>
-            <a:endParaRPr lang="en-US" sz="2000" b="1" dirty="0" smtClean="0">
-              <a:latin typeface="Helvetica"/>
-              <a:cs typeface="Helvetica"/>
-            </a:endParaRPr>
-          </a:p>
-          <a:p>
-            <a:endParaRPr lang="en-US" sz="2000" dirty="0">
-              <a:latin typeface="Helvetica"/>
-              <a:cs typeface="Helvetica"/>
-            </a:endParaRPr>
-          </a:p>
-          <a:p>
-            <a:endParaRPr lang="en-US" sz="2000" b="1" dirty="0" smtClean="0">
-              <a:latin typeface="Helvetica"/>
-              <a:cs typeface="Helvetica"/>
-            </a:endParaRPr>
-          </a:p>
-        </p:txBody>
-      </p:sp>
-      <p:sp>
-        <p:nvSpPr>
-          <p:cNvPr id="185" name="TextBox 184"/>
-          <p:cNvSpPr txBox="1"/>
-          <p:nvPr/>
-        </p:nvSpPr>
-        <p:spPr>
-          <a:xfrm>
-            <a:off x="20489333" y="2956748"/>
-            <a:ext cx="6942667" cy="7478970"/>
-          </a:xfrm>
-          <a:prstGeom prst="rect">
-            <a:avLst/>
-          </a:prstGeom>
-          <a:noFill/>
-        </p:spPr>
-        <p:txBody>
-          <a:bodyPr wrap="square" rtlCol="0">
-            <a:spAutoFit/>
-          </a:bodyPr>
-          <a:lstStyle/>
-          <a:p>
-            <a:r>
-              <a:rPr lang="en-US" sz="2000" dirty="0" smtClean="0">
-                <a:latin typeface="Helvetica"/>
-                <a:cs typeface="Helvetica"/>
-              </a:rPr>
-              <a:t>We framed the trading decision as a recommendation of the optimal time(s) to sell a fixed number of </a:t>
-            </a:r>
-            <a:r>
-              <a:rPr lang="en-US" sz="2000" dirty="0" err="1" smtClean="0">
-                <a:latin typeface="Helvetica"/>
-                <a:cs typeface="Helvetica"/>
-              </a:rPr>
-              <a:t>Bitcoins</a:t>
-            </a:r>
-            <a:r>
-              <a:rPr lang="en-US" sz="2000" dirty="0" smtClean="0">
-                <a:latin typeface="Helvetica"/>
-                <a:cs typeface="Helvetica"/>
-              </a:rPr>
-              <a:t> within an allotted amount of time.</a:t>
-            </a:r>
-            <a:endParaRPr lang="en-US" sz="2000" b="1" dirty="0">
-              <a:latin typeface="Helvetica"/>
-              <a:cs typeface="Helvetica"/>
-            </a:endParaRPr>
-          </a:p>
-          <a:p>
-            <a:r>
-              <a:rPr lang="en-US" sz="2000" b="1" dirty="0" smtClean="0">
-                <a:latin typeface="Helvetica"/>
-                <a:cs typeface="Helvetica"/>
-              </a:rPr>
-              <a:t>Markov Decision Process</a:t>
-            </a:r>
-          </a:p>
-          <a:p>
-            <a:pPr marL="342900" lvl="0" indent="-342900">
-              <a:buFont typeface="Arial"/>
-              <a:buChar char="•"/>
-            </a:pPr>
-            <a:r>
-              <a:rPr lang="en-US" sz="2000" dirty="0" smtClean="0">
-                <a:latin typeface="Helvetica"/>
-                <a:cs typeface="Helvetica"/>
-              </a:rPr>
-              <a:t>States</a:t>
-            </a:r>
-            <a:r>
-              <a:rPr lang="en-US" sz="2000" dirty="0">
-                <a:latin typeface="Helvetica"/>
-                <a:cs typeface="Helvetica"/>
-              </a:rPr>
-              <a:t>: (time remaining, </a:t>
-            </a:r>
-            <a:r>
-              <a:rPr lang="en-US" sz="2000" dirty="0" err="1">
-                <a:latin typeface="Helvetica"/>
-                <a:cs typeface="Helvetica"/>
-              </a:rPr>
-              <a:t>bitcoins</a:t>
-            </a:r>
-            <a:r>
-              <a:rPr lang="en-US" sz="2000" dirty="0">
-                <a:latin typeface="Helvetica"/>
-                <a:cs typeface="Helvetica"/>
-              </a:rPr>
-              <a:t> remaining, price diff (predicted price – bought price), </a:t>
-            </a:r>
-            <a:r>
-              <a:rPr lang="en-US" sz="2000" dirty="0" err="1" smtClean="0">
-                <a:latin typeface="Helvetica"/>
-                <a:cs typeface="Helvetica"/>
-              </a:rPr>
-              <a:t>stdev</a:t>
-            </a:r>
-            <a:r>
-              <a:rPr lang="en-US" sz="2000" dirty="0" smtClean="0">
-                <a:latin typeface="Helvetica"/>
-                <a:cs typeface="Helvetica"/>
-              </a:rPr>
-              <a:t> </a:t>
-            </a:r>
-            <a:r>
-              <a:rPr lang="en-US" sz="2000" dirty="0">
-                <a:latin typeface="Helvetica"/>
-                <a:cs typeface="Helvetica"/>
-              </a:rPr>
-              <a:t>of predicted price</a:t>
-            </a:r>
-            <a:r>
-              <a:rPr lang="en-US" sz="2000" dirty="0" smtClean="0">
-                <a:latin typeface="Helvetica"/>
-                <a:cs typeface="Helvetica"/>
-              </a:rPr>
-              <a:t>)</a:t>
-            </a:r>
-            <a:endParaRPr lang="en-US" sz="2000" dirty="0">
-              <a:latin typeface="Helvetica"/>
-              <a:cs typeface="Helvetica"/>
-            </a:endParaRPr>
-          </a:p>
-          <a:p>
-            <a:pPr marL="342900" lvl="0" indent="-342900">
-              <a:buFont typeface="Arial"/>
-              <a:buChar char="•"/>
-            </a:pPr>
-            <a:r>
-              <a:rPr lang="en-US" sz="2000" dirty="0">
-                <a:latin typeface="Helvetica"/>
-                <a:cs typeface="Helvetica"/>
-              </a:rPr>
-              <a:t>Actions: {sell i </a:t>
-            </a:r>
-            <a:r>
-              <a:rPr lang="en-US" sz="2000" dirty="0" err="1">
-                <a:latin typeface="Helvetica"/>
-                <a:cs typeface="Helvetica"/>
-              </a:rPr>
-              <a:t>bitcoins</a:t>
-            </a:r>
-            <a:r>
-              <a:rPr lang="en-US" sz="2000" dirty="0">
-                <a:latin typeface="Helvetica"/>
-                <a:cs typeface="Helvetica"/>
-              </a:rPr>
-              <a:t>, do nothing</a:t>
-            </a:r>
-            <a:r>
-              <a:rPr lang="en-US" sz="2000" dirty="0" smtClean="0">
-                <a:latin typeface="Helvetica"/>
-                <a:cs typeface="Helvetica"/>
-              </a:rPr>
-              <a:t>}</a:t>
-            </a:r>
-            <a:endParaRPr lang="en-US" sz="2000" dirty="0">
-              <a:latin typeface="Helvetica"/>
-              <a:cs typeface="Helvetica"/>
-            </a:endParaRPr>
-          </a:p>
-          <a:p>
-            <a:pPr marL="342900" lvl="0" indent="-342900">
-              <a:buFont typeface="Arial"/>
-              <a:buChar char="•"/>
-            </a:pPr>
-            <a:r>
-              <a:rPr lang="en-US" sz="2000" dirty="0">
-                <a:latin typeface="Helvetica"/>
-                <a:cs typeface="Helvetica"/>
-              </a:rPr>
-              <a:t>Rewards(s, a, s): -#</a:t>
-            </a:r>
-            <a:r>
-              <a:rPr lang="en-US" sz="2000" dirty="0" err="1">
-                <a:latin typeface="Helvetica"/>
-                <a:cs typeface="Helvetica"/>
-              </a:rPr>
-              <a:t>bitcoins</a:t>
-            </a:r>
-            <a:r>
-              <a:rPr lang="en-US" sz="2000" dirty="0">
-                <a:latin typeface="Helvetica"/>
-                <a:cs typeface="Helvetica"/>
-              </a:rPr>
-              <a:t> sold in action a * s[price diff</a:t>
-            </a:r>
-            <a:r>
-              <a:rPr lang="en-US" sz="2000" dirty="0" smtClean="0">
-                <a:latin typeface="Helvetica"/>
-                <a:cs typeface="Helvetica"/>
-              </a:rPr>
-              <a:t>]</a:t>
-            </a:r>
-            <a:endParaRPr lang="en-US" sz="2000" dirty="0">
-              <a:latin typeface="Helvetica"/>
-              <a:cs typeface="Helvetica"/>
-            </a:endParaRPr>
-          </a:p>
-          <a:p>
-            <a:pPr marL="342900" lvl="0" indent="-342900">
-              <a:buFont typeface="Arial"/>
-              <a:buChar char="•"/>
-            </a:pPr>
-            <a:r>
-              <a:rPr lang="en-US" sz="2000" dirty="0">
-                <a:latin typeface="Helvetica"/>
-                <a:cs typeface="Helvetica"/>
-              </a:rPr>
-              <a:t>Transition probabilities: T(</a:t>
-            </a:r>
-            <a:r>
-              <a:rPr lang="en-US" sz="2000" dirty="0" err="1">
-                <a:latin typeface="Helvetica"/>
-                <a:cs typeface="Helvetica"/>
-              </a:rPr>
-              <a:t>s,a,s</a:t>
-            </a:r>
-            <a:r>
-              <a:rPr lang="en-US" sz="2000" dirty="0">
-                <a:latin typeface="Helvetica"/>
-                <a:cs typeface="Helvetica"/>
-              </a:rPr>
-              <a:t>) ~ N(s[price diff],s[</a:t>
-            </a:r>
-            <a:r>
-              <a:rPr lang="en-US" sz="2000" dirty="0" err="1">
-                <a:latin typeface="Helvetica"/>
-                <a:cs typeface="Helvetica"/>
-              </a:rPr>
-              <a:t>std</a:t>
-            </a:r>
-            <a:r>
-              <a:rPr lang="en-US" sz="2000" dirty="0">
-                <a:latin typeface="Helvetica"/>
-                <a:cs typeface="Helvetica"/>
-              </a:rPr>
-              <a:t>]2</a:t>
-            </a:r>
-            <a:r>
-              <a:rPr lang="en-US" sz="2000" dirty="0" smtClean="0">
-                <a:latin typeface="Helvetica"/>
-                <a:cs typeface="Helvetica"/>
-              </a:rPr>
-              <a:t>)</a:t>
-            </a:r>
-            <a:endParaRPr lang="en-US" sz="2000" dirty="0">
-              <a:latin typeface="Helvetica"/>
-              <a:cs typeface="Helvetica"/>
-            </a:endParaRPr>
-          </a:p>
-          <a:p>
-            <a:pPr marL="342900" lvl="0" indent="-342900">
-              <a:buFont typeface="Arial"/>
-              <a:buChar char="•"/>
-            </a:pPr>
-            <a:r>
-              <a:rPr lang="en-US" sz="2000" dirty="0" err="1">
-                <a:latin typeface="Helvetica"/>
-                <a:cs typeface="Helvetica"/>
-              </a:rPr>
-              <a:t>IsEnd</a:t>
-            </a:r>
-            <a:r>
-              <a:rPr lang="en-US" sz="2000" dirty="0">
-                <a:latin typeface="Helvetica"/>
-                <a:cs typeface="Helvetica"/>
-              </a:rPr>
-              <a:t>(s): s[time remaining] = </a:t>
-            </a:r>
-            <a:r>
-              <a:rPr lang="en-US" sz="2000" dirty="0" smtClean="0">
-                <a:latin typeface="Helvetica"/>
-                <a:cs typeface="Helvetica"/>
-              </a:rPr>
-              <a:t>0</a:t>
-            </a:r>
-            <a:endParaRPr lang="en-US" sz="2000" b="1" dirty="0" smtClean="0">
-              <a:latin typeface="Helvetica"/>
-              <a:cs typeface="Helvetica"/>
-            </a:endParaRPr>
-          </a:p>
-          <a:p>
-            <a:endParaRPr lang="en-US" sz="2000" b="1" dirty="0">
-              <a:latin typeface="Helvetica"/>
-              <a:cs typeface="Helvetica"/>
-            </a:endParaRPr>
-          </a:p>
-          <a:p>
-            <a:endParaRPr lang="en-US" sz="2000" b="1" dirty="0" smtClean="0">
-              <a:latin typeface="Helvetica"/>
-              <a:cs typeface="Helvetica"/>
-            </a:endParaRPr>
-          </a:p>
-          <a:p>
-            <a:endParaRPr lang="en-US" sz="2000" b="1" dirty="0" smtClean="0">
-              <a:latin typeface="Helvetica"/>
-              <a:cs typeface="Helvetica"/>
-            </a:endParaRPr>
-          </a:p>
-          <a:p>
-            <a:endParaRPr lang="en-US" sz="2000" b="1" dirty="0">
-              <a:latin typeface="Helvetica"/>
-              <a:cs typeface="Helvetica"/>
-            </a:endParaRPr>
-          </a:p>
-          <a:p>
-            <a:endParaRPr lang="en-US" sz="2000" b="1" dirty="0" smtClean="0">
-              <a:latin typeface="Helvetica"/>
-              <a:cs typeface="Helvetica"/>
-            </a:endParaRPr>
-          </a:p>
-          <a:p>
-            <a:endParaRPr lang="en-US" sz="2000" b="1" dirty="0">
-              <a:latin typeface="Helvetica"/>
-              <a:cs typeface="Helvetica"/>
-            </a:endParaRPr>
-          </a:p>
-          <a:p>
-            <a:endParaRPr lang="en-US" sz="2000" i="1" dirty="0" smtClean="0">
-              <a:latin typeface="Helvetica"/>
-              <a:cs typeface="Helvetica"/>
-            </a:endParaRPr>
-          </a:p>
-          <a:p>
-            <a:r>
-              <a:rPr lang="en-US" sz="2000" b="1" dirty="0" smtClean="0">
-                <a:latin typeface="Helvetica"/>
-                <a:cs typeface="Helvetica"/>
-              </a:rPr>
-              <a:t>Constraint Satisfaction Problem</a:t>
-            </a:r>
-          </a:p>
-          <a:p>
-            <a:pPr marL="342900" indent="-342900">
-              <a:buFont typeface="Arial"/>
-              <a:buChar char="•"/>
-            </a:pPr>
-            <a:r>
-              <a:rPr lang="en-US" sz="2000" dirty="0" smtClean="0">
-                <a:latin typeface="Helvetica"/>
-                <a:cs typeface="Helvetica"/>
-              </a:rPr>
-              <a:t>Variables: number of </a:t>
-            </a:r>
-            <a:r>
-              <a:rPr lang="en-US" sz="2000" dirty="0" err="1" smtClean="0">
-                <a:latin typeface="Helvetica"/>
-                <a:cs typeface="Helvetica"/>
-              </a:rPr>
-              <a:t>bitcoins</a:t>
-            </a:r>
-            <a:r>
-              <a:rPr lang="en-US" sz="2000" dirty="0" smtClean="0">
-                <a:latin typeface="Helvetica"/>
-                <a:cs typeface="Helvetica"/>
-              </a:rPr>
-              <a:t> to sell at each timestamp.</a:t>
-            </a:r>
-          </a:p>
-          <a:p>
-            <a:pPr marL="342900" indent="-342900">
-              <a:buFont typeface="Arial"/>
-              <a:buChar char="•"/>
-            </a:pPr>
-            <a:r>
-              <a:rPr lang="en-US" sz="2000" dirty="0" smtClean="0">
-                <a:latin typeface="Helvetica"/>
-                <a:cs typeface="Helvetica"/>
-              </a:rPr>
-              <a:t>Potential: earlier, more certain predictions are weighted higher.</a:t>
-            </a:r>
-          </a:p>
-          <a:p>
-            <a:pPr marL="342900" indent="-342900">
-              <a:buFont typeface="Arial"/>
-              <a:buChar char="•"/>
-            </a:pPr>
-            <a:r>
-              <a:rPr lang="en-US" sz="2000" dirty="0" smtClean="0">
-                <a:latin typeface="Helvetica"/>
-                <a:cs typeface="Helvetica"/>
-              </a:rPr>
-              <a:t>Potential: </a:t>
-            </a:r>
-          </a:p>
-          <a:p>
-            <a:pPr marL="342900" indent="-342900">
-              <a:buFont typeface="Arial"/>
-              <a:buChar char="•"/>
-            </a:pPr>
-            <a:r>
-              <a:rPr lang="en-US" sz="2000" dirty="0" smtClean="0">
-                <a:latin typeface="Helvetica"/>
-                <a:cs typeface="Helvetica"/>
-              </a:rPr>
-              <a:t>Potential: do not sell more </a:t>
-            </a:r>
-            <a:r>
-              <a:rPr lang="en-US" sz="2000" dirty="0" err="1" smtClean="0">
-                <a:latin typeface="Helvetica"/>
-                <a:cs typeface="Helvetica"/>
-              </a:rPr>
-              <a:t>Bitcoins</a:t>
-            </a:r>
-            <a:r>
-              <a:rPr lang="en-US" sz="2000" dirty="0" smtClean="0">
-                <a:latin typeface="Helvetica"/>
-                <a:cs typeface="Helvetica"/>
-              </a:rPr>
-              <a:t> than you own.</a:t>
-            </a:r>
-          </a:p>
-          <a:p>
-            <a:pPr marL="342900" indent="-342900">
-              <a:buFont typeface="Arial"/>
-              <a:buChar char="•"/>
-            </a:pPr>
-            <a:r>
-              <a:rPr lang="en-US" sz="2000" dirty="0" smtClean="0">
-                <a:latin typeface="Helvetica"/>
-                <a:cs typeface="Helvetica"/>
-              </a:rPr>
-              <a:t>Potential: more </a:t>
-            </a:r>
-            <a:r>
-              <a:rPr lang="en-US" sz="2000" dirty="0" err="1" smtClean="0">
-                <a:latin typeface="Helvetica"/>
-                <a:cs typeface="Helvetica"/>
-              </a:rPr>
-              <a:t>profit</a:t>
-            </a:r>
-            <a:r>
-              <a:rPr lang="en-US" sz="2000" dirty="0" err="1" smtClean="0">
-                <a:latin typeface="Helvetica"/>
-                <a:cs typeface="Helvetica"/>
-                <a:sym typeface="Wingdings"/>
-              </a:rPr>
-              <a:t>higher</a:t>
-            </a:r>
-            <a:r>
-              <a:rPr lang="en-US" sz="2000" dirty="0" smtClean="0">
-                <a:latin typeface="Helvetica"/>
-                <a:cs typeface="Helvetica"/>
-                <a:sym typeface="Wingdings"/>
-              </a:rPr>
-              <a:t> weight.</a:t>
-            </a:r>
-            <a:endParaRPr lang="en-US" sz="2000" dirty="0" smtClean="0">
-              <a:latin typeface="Helvetica"/>
-              <a:cs typeface="Helvetica"/>
-            </a:endParaRPr>
-          </a:p>
-        </p:txBody>
-      </p:sp>
-      <p:pic>
-        <p:nvPicPr>
-          <p:cNvPr id="23" name="Picture 22"/>
-          <p:cNvPicPr>
-            <a:picLocks noChangeAspect="1"/>
-          </p:cNvPicPr>
-          <p:nvPr/>
-        </p:nvPicPr>
-        <p:blipFill rotWithShape="1">
-          <a:blip r:embed="rId5"/>
-          <a:srcRect l="800" t="33167" r="41365" b="32188"/>
-          <a:stretch/>
-        </p:blipFill>
-        <p:spPr>
-          <a:xfrm>
-            <a:off x="12802950" y="7449438"/>
-            <a:ext cx="7452165" cy="2416291"/>
-          </a:xfrm>
-          <a:prstGeom prst="rect">
-            <a:avLst/>
-          </a:prstGeom>
-        </p:spPr>
-      </p:pic>
-      <p:pic>
-        <p:nvPicPr>
-          <p:cNvPr id="186" name="Picture 185"/>
-          <p:cNvPicPr/>
-          <p:nvPr/>
-        </p:nvPicPr>
-        <p:blipFill>
-          <a:blip r:embed="rId6">
-            <a:extLst>
-              <a:ext uri="{28A0092B-C50C-407E-A947-70E740481C1C}">
-                <a14:useLocalDpi xmlns:a14="http://schemas.microsoft.com/office/drawing/2010/main" val="0"/>
-              </a:ext>
-            </a:extLst>
-          </a:blip>
-          <a:stretch>
-            <a:fillRect/>
-          </a:stretch>
-        </p:blipFill>
-        <p:spPr>
-          <a:xfrm>
-            <a:off x="21871910" y="6083565"/>
-            <a:ext cx="5027010" cy="1991299"/>
-          </a:xfrm>
-          <a:prstGeom prst="rect">
-            <a:avLst/>
-          </a:prstGeom>
-        </p:spPr>
-      </p:pic>
-      <p:sp>
-        <p:nvSpPr>
-          <p:cNvPr id="27" name="Oval 26"/>
-          <p:cNvSpPr/>
-          <p:nvPr/>
-        </p:nvSpPr>
-        <p:spPr>
-          <a:xfrm>
-            <a:off x="12065484" y="4917120"/>
-            <a:ext cx="1789841" cy="1336873"/>
-          </a:xfrm>
-          <a:prstGeom prst="ellipse">
-            <a:avLst/>
-          </a:prstGeom>
-        </p:spPr>
-        <p:style>
-          <a:lnRef idx="2">
-            <a:schemeClr val="dk1"/>
-          </a:lnRef>
-          <a:fillRef idx="1">
-            <a:schemeClr val="lt1"/>
-          </a:fillRef>
-          <a:effectRef idx="0">
-            <a:schemeClr val="dk1"/>
-          </a:effectRef>
-          <a:fontRef idx="minor">
-            <a:schemeClr val="dk1"/>
-          </a:fontRef>
-        </p:style>
-        <p:txBody>
-          <a:bodyPr rtlCol="0" anchor="ctr"/>
-          <a:lstStyle/>
-          <a:p>
-            <a:pPr algn="ctr"/>
-            <a:r>
-              <a:rPr lang="en-US" sz="1800" dirty="0" smtClean="0"/>
-              <a:t>Price + other features for t</a:t>
-            </a:r>
-            <a:r>
-              <a:rPr lang="en-US" sz="1800" baseline="-25000" dirty="0" smtClean="0"/>
-              <a:t>1</a:t>
-            </a:r>
-            <a:r>
-              <a:rPr lang="en-US" sz="1800" dirty="0" smtClean="0"/>
-              <a:t>…</a:t>
-            </a:r>
-            <a:r>
-              <a:rPr lang="en-US" sz="1800" dirty="0" err="1" smtClean="0"/>
-              <a:t>t</a:t>
-            </a:r>
-            <a:r>
-              <a:rPr lang="en-US" sz="1800" baseline="-25000" dirty="0" err="1" smtClean="0"/>
-              <a:t>i</a:t>
-            </a:r>
-            <a:endParaRPr lang="en-US" sz="1800" dirty="0"/>
-          </a:p>
-        </p:txBody>
-      </p:sp>
-      <p:sp>
-        <p:nvSpPr>
-          <p:cNvPr id="29" name="Rectangle 28"/>
-          <p:cNvSpPr/>
-          <p:nvPr/>
-        </p:nvSpPr>
-        <p:spPr>
-          <a:xfrm>
-            <a:off x="14805967" y="5401736"/>
-            <a:ext cx="1654316" cy="1303452"/>
-          </a:xfrm>
-          <a:prstGeom prst="rect">
-            <a:avLst/>
-          </a:prstGeom>
-        </p:spPr>
-        <p:style>
-          <a:lnRef idx="2">
-            <a:schemeClr val="dk1"/>
-          </a:lnRef>
-          <a:fillRef idx="1">
-            <a:schemeClr val="lt1"/>
-          </a:fillRef>
-          <a:effectRef idx="0">
-            <a:schemeClr val="dk1"/>
-          </a:effectRef>
-          <a:fontRef idx="minor">
-            <a:schemeClr val="dk1"/>
-          </a:fontRef>
-        </p:style>
-        <p:txBody>
-          <a:bodyPr rtlCol="0" anchor="ctr"/>
-          <a:lstStyle/>
-          <a:p>
-            <a:pPr algn="ctr"/>
-            <a:r>
-              <a:rPr lang="en-US" sz="1600" dirty="0" smtClean="0"/>
-              <a:t>Ridge/Bayesian/Linear/Logistic regression, neural network, SVM</a:t>
-            </a:r>
-            <a:endParaRPr lang="en-US" sz="1600" dirty="0"/>
-          </a:p>
-        </p:txBody>
-      </p:sp>
-      <p:sp>
-        <p:nvSpPr>
-          <p:cNvPr id="194" name="Rectangle 193"/>
-          <p:cNvSpPr/>
-          <p:nvPr/>
-        </p:nvSpPr>
-        <p:spPr>
-          <a:xfrm>
-            <a:off x="15092048" y="4401083"/>
-            <a:ext cx="1084158" cy="766701"/>
-          </a:xfrm>
-          <a:prstGeom prst="rect">
-            <a:avLst/>
-          </a:prstGeom>
-        </p:spPr>
-        <p:style>
-          <a:lnRef idx="2">
-            <a:schemeClr val="dk1"/>
-          </a:lnRef>
-          <a:fillRef idx="1">
-            <a:schemeClr val="lt1"/>
-          </a:fillRef>
-          <a:effectRef idx="0">
-            <a:schemeClr val="dk1"/>
-          </a:effectRef>
-          <a:fontRef idx="minor">
-            <a:schemeClr val="dk1"/>
-          </a:fontRef>
-        </p:style>
-        <p:txBody>
-          <a:bodyPr rtlCol="0" anchor="ctr"/>
-          <a:lstStyle/>
-          <a:p>
-            <a:pPr algn="ctr"/>
-            <a:r>
-              <a:rPr lang="en-US" sz="1600" dirty="0" smtClean="0"/>
-              <a:t>Gaussian regression</a:t>
-            </a:r>
-            <a:endParaRPr lang="en-US" sz="1600" dirty="0"/>
-          </a:p>
-        </p:txBody>
-      </p:sp>
-      <p:cxnSp>
-        <p:nvCxnSpPr>
-          <p:cNvPr id="195" name="Straight Arrow Connector 194"/>
-          <p:cNvCxnSpPr/>
-          <p:nvPr/>
-        </p:nvCxnSpPr>
-        <p:spPr>
-          <a:xfrm flipV="1">
-            <a:off x="13970453" y="5568846"/>
-            <a:ext cx="735252" cy="1"/>
-          </a:xfrm>
-          <a:prstGeom prst="straightConnector1">
-            <a:avLst/>
-          </a:prstGeom>
-          <a:ln w="57150" cmpd="sng">
-            <a:tailEnd type="arrow"/>
-          </a:ln>
-        </p:spPr>
-        <p:style>
-          <a:lnRef idx="2">
-            <a:schemeClr val="dk1"/>
-          </a:lnRef>
-          <a:fillRef idx="0">
-            <a:schemeClr val="dk1"/>
-          </a:fillRef>
-          <a:effectRef idx="1">
-            <a:schemeClr val="dk1"/>
-          </a:effectRef>
-          <a:fontRef idx="minor">
-            <a:schemeClr val="tx1"/>
-          </a:fontRef>
-        </p:style>
-      </p:cxnSp>
-      <p:sp>
-        <p:nvSpPr>
-          <p:cNvPr id="197" name="Oval 196"/>
-          <p:cNvSpPr/>
-          <p:nvPr/>
-        </p:nvSpPr>
-        <p:spPr>
-          <a:xfrm>
-            <a:off x="17682142" y="5453871"/>
-            <a:ext cx="1886255" cy="933809"/>
-          </a:xfrm>
-          <a:prstGeom prst="ellipse">
-            <a:avLst/>
-          </a:prstGeom>
-        </p:spPr>
-        <p:style>
-          <a:lnRef idx="2">
-            <a:schemeClr val="dk1"/>
-          </a:lnRef>
-          <a:fillRef idx="1">
-            <a:schemeClr val="lt1"/>
-          </a:fillRef>
-          <a:effectRef idx="0">
-            <a:schemeClr val="dk1"/>
-          </a:effectRef>
-          <a:fontRef idx="minor">
-            <a:schemeClr val="dk1"/>
-          </a:fontRef>
-        </p:style>
-        <p:txBody>
-          <a:bodyPr rtlCol="0" anchor="ctr"/>
-          <a:lstStyle/>
-          <a:p>
-            <a:pPr algn="ctr"/>
-            <a:r>
-              <a:rPr lang="en-US" sz="1800" dirty="0" smtClean="0"/>
-              <a:t>Predicted price for </a:t>
-            </a:r>
-            <a:r>
-              <a:rPr lang="en-US" sz="1800" i="1" dirty="0" err="1" smtClean="0"/>
-              <a:t>t</a:t>
-            </a:r>
-            <a:r>
-              <a:rPr lang="en-US" sz="1800" i="1" baseline="-25000" dirty="0" err="1" smtClean="0"/>
-              <a:t>i+dt</a:t>
-            </a:r>
-            <a:r>
-              <a:rPr lang="en-US" sz="1800" dirty="0" smtClean="0"/>
-              <a:t> </a:t>
-            </a:r>
-            <a:endParaRPr lang="en-US" sz="1800" dirty="0"/>
-          </a:p>
-        </p:txBody>
-      </p:sp>
-      <p:sp>
-        <p:nvSpPr>
-          <p:cNvPr id="198" name="Oval 197"/>
-          <p:cNvSpPr/>
-          <p:nvPr/>
-        </p:nvSpPr>
-        <p:spPr>
-          <a:xfrm>
-            <a:off x="17684147" y="4336243"/>
-            <a:ext cx="1886255" cy="933809"/>
-          </a:xfrm>
-          <a:prstGeom prst="ellipse">
-            <a:avLst/>
-          </a:prstGeom>
-        </p:spPr>
-        <p:style>
-          <a:lnRef idx="2">
-            <a:schemeClr val="dk1"/>
-          </a:lnRef>
-          <a:fillRef idx="1">
-            <a:schemeClr val="lt1"/>
-          </a:fillRef>
-          <a:effectRef idx="0">
-            <a:schemeClr val="dk1"/>
-          </a:effectRef>
-          <a:fontRef idx="minor">
-            <a:schemeClr val="dk1"/>
-          </a:fontRef>
-        </p:style>
-        <p:txBody>
-          <a:bodyPr rtlCol="0" anchor="ctr"/>
-          <a:lstStyle/>
-          <a:p>
-            <a:pPr algn="ctr"/>
-            <a:r>
-              <a:rPr lang="en-US" sz="1800" dirty="0" err="1" smtClean="0"/>
-              <a:t>Stdev</a:t>
-            </a:r>
-            <a:r>
-              <a:rPr lang="en-US" sz="1800" dirty="0" smtClean="0"/>
-              <a:t> for price for </a:t>
-            </a:r>
-            <a:r>
-              <a:rPr lang="en-US" sz="1800" i="1" dirty="0" err="1" smtClean="0"/>
-              <a:t>t</a:t>
-            </a:r>
-            <a:r>
-              <a:rPr lang="en-US" sz="1800" i="1" baseline="-25000" dirty="0" err="1" smtClean="0"/>
-              <a:t>i+dt</a:t>
-            </a:r>
-            <a:r>
-              <a:rPr lang="en-US" sz="1800" dirty="0" smtClean="0"/>
-              <a:t> </a:t>
-            </a:r>
-            <a:endParaRPr lang="en-US" sz="1800" dirty="0"/>
-          </a:p>
-        </p:txBody>
-      </p:sp>
-      <p:cxnSp>
-        <p:nvCxnSpPr>
-          <p:cNvPr id="199" name="Straight Arrow Connector 198"/>
-          <p:cNvCxnSpPr/>
-          <p:nvPr/>
-        </p:nvCxnSpPr>
-        <p:spPr>
-          <a:xfrm flipV="1">
-            <a:off x="16628561" y="5919775"/>
-            <a:ext cx="884471" cy="8294"/>
-          </a:xfrm>
-          <a:prstGeom prst="straightConnector1">
-            <a:avLst/>
-          </a:prstGeom>
-          <a:ln w="57150" cmpd="sng">
-            <a:tailEnd type="arrow"/>
-          </a:ln>
-        </p:spPr>
-        <p:style>
-          <a:lnRef idx="2">
-            <a:schemeClr val="dk1"/>
-          </a:lnRef>
-          <a:fillRef idx="0">
-            <a:schemeClr val="dk1"/>
-          </a:fillRef>
-          <a:effectRef idx="1">
-            <a:schemeClr val="dk1"/>
-          </a:effectRef>
-          <a:fontRef idx="minor">
-            <a:schemeClr val="tx1"/>
-          </a:fontRef>
-        </p:style>
-      </p:cxnSp>
-      <p:cxnSp>
-        <p:nvCxnSpPr>
-          <p:cNvPr id="200" name="Straight Arrow Connector 199"/>
-          <p:cNvCxnSpPr/>
-          <p:nvPr/>
-        </p:nvCxnSpPr>
-        <p:spPr>
-          <a:xfrm flipV="1">
-            <a:off x="16597146" y="4802146"/>
-            <a:ext cx="884471" cy="8294"/>
-          </a:xfrm>
-          <a:prstGeom prst="straightConnector1">
-            <a:avLst/>
-          </a:prstGeom>
-          <a:ln w="57150" cmpd="sng">
-            <a:tailEnd type="arrow"/>
-          </a:ln>
-        </p:spPr>
-        <p:style>
-          <a:lnRef idx="2">
-            <a:schemeClr val="dk1"/>
-          </a:lnRef>
-          <a:fillRef idx="0">
-            <a:schemeClr val="dk1"/>
-          </a:fillRef>
-          <a:effectRef idx="1">
-            <a:schemeClr val="dk1"/>
-          </a:effectRef>
-          <a:fontRef idx="minor">
-            <a:schemeClr val="tx1"/>
-          </a:fontRef>
-        </p:style>
-      </p:cxnSp>
-      <p:cxnSp>
-        <p:nvCxnSpPr>
-          <p:cNvPr id="201" name="Straight Arrow Connector 200"/>
-          <p:cNvCxnSpPr/>
-          <p:nvPr/>
-        </p:nvCxnSpPr>
-        <p:spPr>
-          <a:xfrm>
-            <a:off x="16615866" y="4962840"/>
-            <a:ext cx="830325" cy="739693"/>
-          </a:xfrm>
-          <a:prstGeom prst="straightConnector1">
-            <a:avLst/>
-          </a:prstGeom>
-          <a:ln w="57150" cmpd="sng">
-            <a:tailEnd type="arrow"/>
-          </a:ln>
-        </p:spPr>
-        <p:style>
-          <a:lnRef idx="2">
-            <a:schemeClr val="dk1"/>
-          </a:lnRef>
-          <a:fillRef idx="0">
-            <a:schemeClr val="dk1"/>
-          </a:fillRef>
-          <a:effectRef idx="1">
-            <a:schemeClr val="dk1"/>
-          </a:effectRef>
-          <a:fontRef idx="minor">
-            <a:schemeClr val="tx1"/>
-          </a:fontRef>
-        </p:style>
-      </p:cxnSp>
-      <p:sp>
-        <p:nvSpPr>
-          <p:cNvPr id="208" name="Oval 207"/>
-          <p:cNvSpPr/>
-          <p:nvPr/>
-        </p:nvSpPr>
-        <p:spPr>
-          <a:xfrm>
-            <a:off x="21725016" y="11491447"/>
-            <a:ext cx="1285423" cy="652671"/>
-          </a:xfrm>
-          <a:prstGeom prst="ellipse">
-            <a:avLst/>
-          </a:prstGeom>
-        </p:spPr>
-        <p:style>
-          <a:lnRef idx="2">
-            <a:schemeClr val="dk1"/>
-          </a:lnRef>
-          <a:fillRef idx="1">
-            <a:schemeClr val="lt1"/>
-          </a:fillRef>
-          <a:effectRef idx="0">
-            <a:schemeClr val="dk1"/>
-          </a:effectRef>
-          <a:fontRef idx="minor">
-            <a:schemeClr val="dk1"/>
-          </a:fontRef>
-        </p:style>
-        <p:txBody>
-          <a:bodyPr rtlCol="0" anchor="ctr"/>
-          <a:lstStyle/>
-          <a:p>
-            <a:pPr algn="ctr"/>
-            <a:r>
-              <a:rPr lang="en-US" sz="1800" dirty="0" smtClean="0"/>
-              <a:t>Sell at t=1?</a:t>
-            </a:r>
-            <a:endParaRPr lang="en-US" sz="1800" dirty="0"/>
-          </a:p>
-        </p:txBody>
-      </p:sp>
-      <p:cxnSp>
-        <p:nvCxnSpPr>
-          <p:cNvPr id="210" name="Straight Arrow Connector 209"/>
-          <p:cNvCxnSpPr/>
-          <p:nvPr/>
-        </p:nvCxnSpPr>
-        <p:spPr>
-          <a:xfrm flipV="1">
-            <a:off x="23029668" y="11824777"/>
-            <a:ext cx="735252" cy="1"/>
-          </a:xfrm>
-          <a:prstGeom prst="straightConnector1">
-            <a:avLst/>
-          </a:prstGeom>
-          <a:ln>
-            <a:headEnd type="none"/>
-            <a:tailEnd type="none"/>
-          </a:ln>
-        </p:spPr>
-        <p:style>
-          <a:lnRef idx="1">
-            <a:schemeClr val="dk1"/>
-          </a:lnRef>
-          <a:fillRef idx="0">
-            <a:schemeClr val="dk1"/>
-          </a:fillRef>
-          <a:effectRef idx="0">
-            <a:schemeClr val="dk1"/>
-          </a:effectRef>
-          <a:fontRef idx="minor">
-            <a:schemeClr val="tx1"/>
-          </a:fontRef>
-        </p:style>
-      </p:cxnSp>
-      <p:sp>
-        <p:nvSpPr>
-          <p:cNvPr id="59" name="Rectangle 58"/>
-          <p:cNvSpPr/>
-          <p:nvPr/>
-        </p:nvSpPr>
-        <p:spPr>
-          <a:xfrm>
-            <a:off x="23294827" y="11720765"/>
-            <a:ext cx="194021" cy="194037"/>
-          </a:xfrm>
-          <a:prstGeom prst="rect">
-            <a:avLst/>
-          </a:prstGeom>
-        </p:spPr>
-        <p:style>
-          <a:lnRef idx="2">
-            <a:schemeClr val="dk1"/>
-          </a:lnRef>
-          <a:fillRef idx="1">
-            <a:schemeClr val="lt1"/>
-          </a:fillRef>
-          <a:effectRef idx="0">
-            <a:schemeClr val="dk1"/>
-          </a:effectRef>
-          <a:fontRef idx="minor">
-            <a:schemeClr val="dk1"/>
-          </a:fontRef>
-        </p:style>
-        <p:txBody>
-          <a:bodyPr rtlCol="0" anchor="ctr"/>
-          <a:lstStyle/>
-          <a:p>
-            <a:pPr algn="ctr"/>
-            <a:endParaRPr lang="en-US"/>
-          </a:p>
-        </p:txBody>
-      </p:sp>
-      <p:cxnSp>
-        <p:nvCxnSpPr>
-          <p:cNvPr id="211" name="Straight Arrow Connector 210"/>
-          <p:cNvCxnSpPr/>
-          <p:nvPr/>
-        </p:nvCxnSpPr>
-        <p:spPr>
-          <a:xfrm flipV="1">
-            <a:off x="25051730" y="11650206"/>
-            <a:ext cx="465526" cy="185855"/>
-          </a:xfrm>
-          <a:prstGeom prst="straightConnector1">
-            <a:avLst/>
-          </a:prstGeom>
-          <a:ln>
-            <a:headEnd type="none"/>
-            <a:tailEnd type="none"/>
-          </a:ln>
-        </p:spPr>
-        <p:style>
-          <a:lnRef idx="1">
-            <a:schemeClr val="dk1"/>
-          </a:lnRef>
-          <a:fillRef idx="0">
-            <a:schemeClr val="dk1"/>
-          </a:fillRef>
-          <a:effectRef idx="0">
-            <a:schemeClr val="dk1"/>
-          </a:effectRef>
-          <a:fontRef idx="minor">
-            <a:schemeClr val="tx1"/>
-          </a:fontRef>
-        </p:style>
-      </p:cxnSp>
-      <p:sp>
-        <p:nvSpPr>
-          <p:cNvPr id="212" name="Rectangle 211"/>
-          <p:cNvSpPr/>
-          <p:nvPr/>
-        </p:nvSpPr>
-        <p:spPr>
-          <a:xfrm>
-            <a:off x="25457996" y="11502731"/>
-            <a:ext cx="194021" cy="194037"/>
-          </a:xfrm>
-          <a:prstGeom prst="rect">
-            <a:avLst/>
-          </a:prstGeom>
-        </p:spPr>
-        <p:style>
-          <a:lnRef idx="2">
-            <a:schemeClr val="dk1"/>
-          </a:lnRef>
-          <a:fillRef idx="1">
-            <a:schemeClr val="lt1"/>
-          </a:fillRef>
-          <a:effectRef idx="0">
-            <a:schemeClr val="dk1"/>
-          </a:effectRef>
-          <a:fontRef idx="minor">
-            <a:schemeClr val="dk1"/>
-          </a:fontRef>
-        </p:style>
-        <p:txBody>
-          <a:bodyPr rtlCol="0" anchor="ctr"/>
-          <a:lstStyle/>
-          <a:p>
-            <a:pPr algn="ctr"/>
-            <a:endParaRPr lang="en-US"/>
-          </a:p>
-        </p:txBody>
-      </p:sp>
-      <p:sp>
-        <p:nvSpPr>
-          <p:cNvPr id="64" name="TextBox 63"/>
-          <p:cNvSpPr txBox="1"/>
-          <p:nvPr/>
-        </p:nvSpPr>
-        <p:spPr>
-          <a:xfrm>
-            <a:off x="25764192" y="10979895"/>
-            <a:ext cx="1463981" cy="923330"/>
-          </a:xfrm>
-          <a:prstGeom prst="rect">
-            <a:avLst/>
-          </a:prstGeom>
-          <a:noFill/>
-        </p:spPr>
-        <p:txBody>
-          <a:bodyPr wrap="square" rtlCol="0">
-            <a:spAutoFit/>
-          </a:bodyPr>
-          <a:lstStyle/>
-          <a:p>
-            <a:r>
-              <a:rPr lang="en-US" sz="1800" dirty="0" smtClean="0"/>
-              <a:t>Sum &lt;= </a:t>
-            </a:r>
-            <a:r>
-              <a:rPr lang="en-US" sz="1800" dirty="0" err="1" smtClean="0"/>
-              <a:t>bitcoins</a:t>
-            </a:r>
-            <a:r>
-              <a:rPr lang="en-US" sz="1800" dirty="0" smtClean="0"/>
-              <a:t> in wallet</a:t>
-            </a:r>
-            <a:endParaRPr lang="en-US" sz="1800" dirty="0"/>
-          </a:p>
-        </p:txBody>
-      </p:sp>
-      <p:sp>
-        <p:nvSpPr>
-          <p:cNvPr id="213" name="Rectangle 212"/>
-          <p:cNvSpPr/>
-          <p:nvPr/>
-        </p:nvSpPr>
-        <p:spPr>
-          <a:xfrm>
-            <a:off x="22312031" y="11020101"/>
-            <a:ext cx="194021" cy="194037"/>
-          </a:xfrm>
-          <a:prstGeom prst="rect">
-            <a:avLst/>
-          </a:prstGeom>
-        </p:spPr>
-        <p:style>
-          <a:lnRef idx="2">
-            <a:schemeClr val="dk1"/>
-          </a:lnRef>
-          <a:fillRef idx="1">
-            <a:schemeClr val="lt1"/>
-          </a:fillRef>
-          <a:effectRef idx="0">
-            <a:schemeClr val="dk1"/>
-          </a:effectRef>
-          <a:fontRef idx="minor">
-            <a:schemeClr val="dk1"/>
-          </a:fontRef>
-        </p:style>
-        <p:txBody>
-          <a:bodyPr rtlCol="0" anchor="ctr"/>
-          <a:lstStyle/>
-          <a:p>
-            <a:pPr algn="ctr"/>
-            <a:endParaRPr lang="en-US"/>
-          </a:p>
-        </p:txBody>
-      </p:sp>
-      <p:sp>
-        <p:nvSpPr>
-          <p:cNvPr id="214" name="Rectangle 213"/>
-          <p:cNvSpPr/>
-          <p:nvPr/>
-        </p:nvSpPr>
-        <p:spPr>
-          <a:xfrm>
-            <a:off x="24340436" y="10984821"/>
-            <a:ext cx="194021" cy="194037"/>
-          </a:xfrm>
-          <a:prstGeom prst="rect">
-            <a:avLst/>
-          </a:prstGeom>
-        </p:spPr>
-        <p:style>
-          <a:lnRef idx="2">
-            <a:schemeClr val="dk1"/>
-          </a:lnRef>
-          <a:fillRef idx="1">
-            <a:schemeClr val="lt1"/>
-          </a:fillRef>
-          <a:effectRef idx="0">
-            <a:schemeClr val="dk1"/>
-          </a:effectRef>
-          <a:fontRef idx="minor">
-            <a:schemeClr val="dk1"/>
-          </a:fontRef>
-        </p:style>
-        <p:txBody>
-          <a:bodyPr rtlCol="0" anchor="ctr"/>
-          <a:lstStyle/>
-          <a:p>
-            <a:pPr algn="ctr"/>
-            <a:endParaRPr lang="en-US"/>
-          </a:p>
-        </p:txBody>
-      </p:sp>
-      <p:cxnSp>
-        <p:nvCxnSpPr>
-          <p:cNvPr id="215" name="Straight Arrow Connector 214"/>
-          <p:cNvCxnSpPr/>
-          <p:nvPr/>
-        </p:nvCxnSpPr>
-        <p:spPr>
-          <a:xfrm flipV="1">
-            <a:off x="22412911" y="11226852"/>
-            <a:ext cx="0" cy="246956"/>
-          </a:xfrm>
-          <a:prstGeom prst="straightConnector1">
-            <a:avLst/>
-          </a:prstGeom>
-          <a:ln>
-            <a:headEnd type="none"/>
-            <a:tailEnd type="none"/>
-          </a:ln>
-        </p:spPr>
-        <p:style>
-          <a:lnRef idx="1">
-            <a:schemeClr val="dk1"/>
-          </a:lnRef>
-          <a:fillRef idx="0">
-            <a:schemeClr val="dk1"/>
-          </a:fillRef>
-          <a:effectRef idx="0">
-            <a:schemeClr val="dk1"/>
-          </a:effectRef>
-          <a:fontRef idx="minor">
-            <a:schemeClr val="tx1"/>
-          </a:fontRef>
-        </p:style>
-      </p:cxnSp>
-      <p:cxnSp>
-        <p:nvCxnSpPr>
-          <p:cNvPr id="216" name="Straight Arrow Connector 215"/>
-          <p:cNvCxnSpPr/>
-          <p:nvPr/>
-        </p:nvCxnSpPr>
-        <p:spPr>
-          <a:xfrm flipH="1" flipV="1">
-            <a:off x="24434973" y="11185215"/>
-            <a:ext cx="4365" cy="267697"/>
-          </a:xfrm>
-          <a:prstGeom prst="straightConnector1">
-            <a:avLst/>
-          </a:prstGeom>
-          <a:ln>
-            <a:headEnd type="none"/>
-            <a:tailEnd type="none"/>
-          </a:ln>
-        </p:spPr>
-        <p:style>
-          <a:lnRef idx="1">
-            <a:schemeClr val="dk1"/>
-          </a:lnRef>
-          <a:fillRef idx="0">
-            <a:schemeClr val="dk1"/>
-          </a:fillRef>
-          <a:effectRef idx="0">
-            <a:schemeClr val="dk1"/>
-          </a:effectRef>
-          <a:fontRef idx="minor">
-            <a:schemeClr val="tx1"/>
-          </a:fontRef>
-        </p:style>
-      </p:cxnSp>
-      <p:cxnSp>
-        <p:nvCxnSpPr>
-          <p:cNvPr id="217" name="Straight Arrow Connector 216"/>
-          <p:cNvCxnSpPr/>
-          <p:nvPr/>
-        </p:nvCxnSpPr>
-        <p:spPr>
-          <a:xfrm flipH="1" flipV="1">
-            <a:off x="24428628" y="12166682"/>
-            <a:ext cx="4365" cy="267697"/>
-          </a:xfrm>
-          <a:prstGeom prst="straightConnector1">
-            <a:avLst/>
-          </a:prstGeom>
-          <a:ln>
-            <a:headEnd type="none"/>
-            <a:tailEnd type="none"/>
-          </a:ln>
-        </p:spPr>
-        <p:style>
-          <a:lnRef idx="1">
-            <a:schemeClr val="dk1"/>
-          </a:lnRef>
-          <a:fillRef idx="0">
-            <a:schemeClr val="dk1"/>
-          </a:fillRef>
-          <a:effectRef idx="0">
-            <a:schemeClr val="dk1"/>
-          </a:effectRef>
-          <a:fontRef idx="minor">
-            <a:schemeClr val="tx1"/>
-          </a:fontRef>
-        </p:style>
-      </p:cxnSp>
-      <p:sp>
-        <p:nvSpPr>
-          <p:cNvPr id="218" name="Rectangle 217"/>
-          <p:cNvSpPr/>
-          <p:nvPr/>
-        </p:nvSpPr>
-        <p:spPr>
-          <a:xfrm>
-            <a:off x="24334091" y="12460202"/>
-            <a:ext cx="194021" cy="194037"/>
-          </a:xfrm>
-          <a:prstGeom prst="rect">
-            <a:avLst/>
-          </a:prstGeom>
-        </p:spPr>
-        <p:style>
-          <a:lnRef idx="2">
-            <a:schemeClr val="dk1"/>
-          </a:lnRef>
-          <a:fillRef idx="1">
-            <a:schemeClr val="lt1"/>
-          </a:fillRef>
-          <a:effectRef idx="0">
-            <a:schemeClr val="dk1"/>
-          </a:effectRef>
-          <a:fontRef idx="minor">
-            <a:schemeClr val="dk1"/>
-          </a:fontRef>
-        </p:style>
-        <p:txBody>
-          <a:bodyPr rtlCol="0" anchor="ctr"/>
-          <a:lstStyle/>
-          <a:p>
-            <a:pPr algn="ctr"/>
-            <a:endParaRPr lang="en-US"/>
-          </a:p>
-        </p:txBody>
-      </p:sp>
-      <p:cxnSp>
-        <p:nvCxnSpPr>
-          <p:cNvPr id="219" name="Straight Arrow Connector 218"/>
-          <p:cNvCxnSpPr/>
-          <p:nvPr/>
-        </p:nvCxnSpPr>
-        <p:spPr>
-          <a:xfrm flipH="1" flipV="1">
-            <a:off x="22393875" y="12160324"/>
-            <a:ext cx="4365" cy="267697"/>
-          </a:xfrm>
-          <a:prstGeom prst="straightConnector1">
-            <a:avLst/>
-          </a:prstGeom>
-          <a:ln>
-            <a:headEnd type="none"/>
-            <a:tailEnd type="none"/>
-          </a:ln>
-        </p:spPr>
-        <p:style>
-          <a:lnRef idx="1">
-            <a:schemeClr val="dk1"/>
-          </a:lnRef>
-          <a:fillRef idx="0">
-            <a:schemeClr val="dk1"/>
-          </a:fillRef>
-          <a:effectRef idx="0">
-            <a:schemeClr val="dk1"/>
-          </a:effectRef>
-          <a:fontRef idx="minor">
-            <a:schemeClr val="tx1"/>
-          </a:fontRef>
-        </p:style>
-      </p:cxnSp>
-      <p:sp>
-        <p:nvSpPr>
-          <p:cNvPr id="220" name="Rectangle 219"/>
-          <p:cNvSpPr/>
-          <p:nvPr/>
-        </p:nvSpPr>
-        <p:spPr>
-          <a:xfrm>
-            <a:off x="22299340" y="12453844"/>
-            <a:ext cx="194021" cy="194037"/>
-          </a:xfrm>
-          <a:prstGeom prst="rect">
-            <a:avLst/>
-          </a:prstGeom>
-        </p:spPr>
-        <p:style>
-          <a:lnRef idx="2">
-            <a:schemeClr val="dk1"/>
-          </a:lnRef>
-          <a:fillRef idx="1">
-            <a:schemeClr val="lt1"/>
-          </a:fillRef>
-          <a:effectRef idx="0">
-            <a:schemeClr val="dk1"/>
-          </a:effectRef>
-          <a:fontRef idx="minor">
-            <a:schemeClr val="dk1"/>
-          </a:fontRef>
-        </p:style>
-        <p:txBody>
-          <a:bodyPr rtlCol="0" anchor="ctr"/>
-          <a:lstStyle/>
-          <a:p>
-            <a:pPr algn="ctr"/>
-            <a:endParaRPr lang="en-US"/>
-          </a:p>
-        </p:txBody>
-      </p:sp>
-      <p:sp>
-        <p:nvSpPr>
-          <p:cNvPr id="221" name="TextBox 220"/>
-          <p:cNvSpPr txBox="1"/>
-          <p:nvPr/>
-        </p:nvSpPr>
-        <p:spPr>
-          <a:xfrm>
-            <a:off x="21048414" y="10444345"/>
-            <a:ext cx="2616817" cy="369332"/>
-          </a:xfrm>
-          <a:prstGeom prst="rect">
-            <a:avLst/>
-          </a:prstGeom>
-          <a:noFill/>
-        </p:spPr>
-        <p:txBody>
-          <a:bodyPr wrap="square" rtlCol="0">
-            <a:spAutoFit/>
-          </a:bodyPr>
-          <a:lstStyle/>
-          <a:p>
-            <a:r>
-              <a:rPr lang="en-US" sz="1800" dirty="0" smtClean="0"/>
-              <a:t>Max(predicted profit,1)</a:t>
-            </a:r>
-            <a:endParaRPr lang="en-US" sz="1800" dirty="0"/>
-          </a:p>
-        </p:txBody>
-      </p:sp>
-      <p:sp>
-        <p:nvSpPr>
-          <p:cNvPr id="222" name="TextBox 221"/>
-          <p:cNvSpPr txBox="1"/>
-          <p:nvPr/>
-        </p:nvSpPr>
-        <p:spPr>
-          <a:xfrm>
-            <a:off x="23458520" y="10473266"/>
-            <a:ext cx="1463981" cy="369332"/>
-          </a:xfrm>
-          <a:prstGeom prst="rect">
-            <a:avLst/>
-          </a:prstGeom>
-          <a:noFill/>
-        </p:spPr>
-        <p:txBody>
-          <a:bodyPr wrap="square" rtlCol="0">
-            <a:spAutoFit/>
-          </a:bodyPr>
-          <a:lstStyle/>
-          <a:p>
-            <a:r>
-              <a:rPr lang="en-US" sz="1800" dirty="0" smtClean="0"/>
-              <a:t>Max(profit,1)</a:t>
-            </a:r>
-            <a:endParaRPr lang="en-US" sz="1800" dirty="0"/>
-          </a:p>
-        </p:txBody>
-      </p:sp>
-      <p:sp>
-        <p:nvSpPr>
-          <p:cNvPr id="223" name="TextBox 222"/>
-          <p:cNvSpPr txBox="1"/>
-          <p:nvPr/>
-        </p:nvSpPr>
-        <p:spPr>
-          <a:xfrm>
-            <a:off x="21388491" y="12583677"/>
-            <a:ext cx="1463981" cy="369332"/>
-          </a:xfrm>
-          <a:prstGeom prst="rect">
-            <a:avLst/>
-          </a:prstGeom>
-          <a:noFill/>
-        </p:spPr>
-        <p:txBody>
-          <a:bodyPr wrap="square" rtlCol="0">
-            <a:spAutoFit/>
-          </a:bodyPr>
-          <a:lstStyle/>
-          <a:p>
-            <a:r>
-              <a:rPr lang="en-US" sz="1800" dirty="0" smtClean="0"/>
-              <a:t>1/log(i+1)</a:t>
-            </a:r>
-            <a:endParaRPr lang="en-US" sz="1800" dirty="0"/>
-          </a:p>
-        </p:txBody>
-      </p:sp>
-      <p:sp>
-        <p:nvSpPr>
-          <p:cNvPr id="224" name="Oval 223"/>
-          <p:cNvSpPr/>
-          <p:nvPr/>
-        </p:nvSpPr>
-        <p:spPr>
-          <a:xfrm>
-            <a:off x="23782355" y="11502729"/>
-            <a:ext cx="1285423" cy="652671"/>
-          </a:xfrm>
-          <a:prstGeom prst="ellipse">
-            <a:avLst/>
-          </a:prstGeom>
-        </p:spPr>
-        <p:style>
-          <a:lnRef idx="2">
-            <a:schemeClr val="dk1"/>
-          </a:lnRef>
-          <a:fillRef idx="1">
-            <a:schemeClr val="lt1"/>
-          </a:fillRef>
-          <a:effectRef idx="0">
-            <a:schemeClr val="dk1"/>
-          </a:effectRef>
-          <a:fontRef idx="minor">
-            <a:schemeClr val="dk1"/>
-          </a:fontRef>
-        </p:style>
-        <p:txBody>
-          <a:bodyPr rtlCol="0" anchor="ctr"/>
-          <a:lstStyle/>
-          <a:p>
-            <a:pPr algn="ctr"/>
-            <a:r>
-              <a:rPr lang="en-US" sz="1800" dirty="0" smtClean="0"/>
-              <a:t>Sell at t=2?</a:t>
-            </a:r>
-            <a:endParaRPr lang="en-US" sz="1800" dirty="0"/>
-          </a:p>
-        </p:txBody>
-      </p:sp>
-      <p:sp>
-        <p:nvSpPr>
-          <p:cNvPr id="225" name="TextBox 224"/>
-          <p:cNvSpPr txBox="1"/>
-          <p:nvPr/>
-        </p:nvSpPr>
-        <p:spPr>
-          <a:xfrm>
-            <a:off x="23322360" y="12559678"/>
-            <a:ext cx="1463981" cy="369332"/>
-          </a:xfrm>
-          <a:prstGeom prst="rect">
-            <a:avLst/>
-          </a:prstGeom>
-          <a:noFill/>
-        </p:spPr>
-        <p:txBody>
-          <a:bodyPr wrap="square" rtlCol="0">
-            <a:spAutoFit/>
-          </a:bodyPr>
-          <a:lstStyle/>
-          <a:p>
-            <a:r>
-              <a:rPr lang="en-US" sz="1800" dirty="0" smtClean="0"/>
-              <a:t>1/log(i+1)</a:t>
-            </a:r>
-            <a:endParaRPr lang="en-US" sz="1800" dirty="0"/>
-          </a:p>
-        </p:txBody>
-      </p:sp>
-      <p:pic>
-        <p:nvPicPr>
-          <p:cNvPr id="231" name="Picture 230" descr="goal.png"/>
-          <p:cNvPicPr>
-            <a:picLocks noChangeAspect="1"/>
-          </p:cNvPicPr>
-          <p:nvPr/>
-        </p:nvPicPr>
-        <p:blipFill>
-          <a:blip r:embed="rId7">
-            <a:extLst>
-              <a:ext uri="{28A0092B-C50C-407E-A947-70E740481C1C}">
-                <a14:useLocalDpi xmlns:a14="http://schemas.microsoft.com/office/drawing/2010/main" val="0"/>
-              </a:ext>
-            </a:extLst>
-          </a:blip>
-          <a:stretch>
-            <a:fillRect/>
-          </a:stretch>
-        </p:blipFill>
-        <p:spPr>
-          <a:xfrm>
-            <a:off x="7550440" y="3712596"/>
-            <a:ext cx="4020671" cy="3567146"/>
-          </a:xfrm>
-          <a:prstGeom prst="rect">
-            <a:avLst/>
-          </a:prstGeom>
-        </p:spPr>
-      </p:pic>
-      <p:pic>
-        <p:nvPicPr>
-          <p:cNvPr id="230" name="Picture 229"/>
-          <p:cNvPicPr>
-            <a:picLocks noChangeAspect="1"/>
-          </p:cNvPicPr>
-          <p:nvPr/>
-        </p:nvPicPr>
-        <p:blipFill>
-          <a:blip r:embed="rId8"/>
-          <a:stretch>
-            <a:fillRect/>
-          </a:stretch>
-        </p:blipFill>
-        <p:spPr>
-          <a:xfrm>
-            <a:off x="9173939" y="4247989"/>
-            <a:ext cx="2005707" cy="479626"/>
-          </a:xfrm>
-          <a:prstGeom prst="rect">
-            <a:avLst/>
-          </a:prstGeom>
-        </p:spPr>
-      </p:pic>
-      <p:sp>
-        <p:nvSpPr>
-          <p:cNvPr id="234" name="TextBox 233"/>
-          <p:cNvSpPr txBox="1"/>
-          <p:nvPr/>
-        </p:nvSpPr>
-        <p:spPr>
-          <a:xfrm>
-            <a:off x="20398283" y="13106212"/>
-            <a:ext cx="6667313" cy="543733"/>
+            <a:off x="329532" y="2283948"/>
+            <a:ext cx="3170023" cy="543733"/>
           </a:xfrm>
           <a:prstGeom prst="rect">
             <a:avLst/>
@@ -6908,7 +8658,7 @@
                 <a:latin typeface="Helvetica"/>
                 <a:cs typeface="Helvetica"/>
               </a:rPr>
-              <a:t>Future work</a:t>
+              <a:t>Introduction</a:t>
             </a:r>
             <a:endParaRPr lang="en-US" sz="3200" b="1" dirty="0">
               <a:latin typeface="Helvetica"/>
@@ -6919,13 +8669,13 @@
       </p:sp>
       <p:sp>
         <p:nvSpPr>
-          <p:cNvPr id="235" name="Rectangle 234"/>
+          <p:cNvPr id="130" name="Rectangle 129"/>
           <p:cNvSpPr/>
           <p:nvPr/>
         </p:nvSpPr>
         <p:spPr>
           <a:xfrm>
-            <a:off x="20334039" y="13724171"/>
+            <a:off x="265288" y="2901907"/>
             <a:ext cx="6858000" cy="45720"/>
           </a:xfrm>
           <a:prstGeom prst="rect">
@@ -6971,222 +8721,16 @@
           </a:p>
         </p:txBody>
       </p:sp>
-      <p:pic>
-        <p:nvPicPr>
-          <p:cNvPr id="238" name="Picture 237" descr="accuracy.png"/>
-          <p:cNvPicPr>
-            <a:picLocks noChangeAspect="1"/>
-          </p:cNvPicPr>
-          <p:nvPr/>
-        </p:nvPicPr>
-        <p:blipFill rotWithShape="1">
-          <a:blip r:embed="rId9">
-            <a:extLst>
-              <a:ext uri="{28A0092B-C50C-407E-A947-70E740481C1C}">
-                <a14:useLocalDpi xmlns:a14="http://schemas.microsoft.com/office/drawing/2010/main" val="0"/>
-              </a:ext>
-            </a:extLst>
-          </a:blip>
-          <a:srcRect b="10014"/>
-          <a:stretch/>
-        </p:blipFill>
-        <p:spPr>
-          <a:xfrm>
-            <a:off x="8151732" y="13637584"/>
-            <a:ext cx="5749878" cy="3459830"/>
-          </a:xfrm>
-          <a:prstGeom prst="rect">
-            <a:avLst/>
-          </a:prstGeom>
-        </p:spPr>
-      </p:pic>
-      <p:pic>
-        <p:nvPicPr>
-          <p:cNvPr id="250" name="Picture 249" descr="svm_actualvpredprice.png"/>
-          <p:cNvPicPr>
-            <a:picLocks noChangeAspect="1"/>
-          </p:cNvPicPr>
-          <p:nvPr/>
-        </p:nvPicPr>
-        <p:blipFill>
-          <a:blip r:embed="rId10">
-            <a:extLst>
-              <a:ext uri="{28A0092B-C50C-407E-A947-70E740481C1C}">
-                <a14:useLocalDpi xmlns:a14="http://schemas.microsoft.com/office/drawing/2010/main" val="0"/>
-              </a:ext>
-            </a:extLst>
-          </a:blip>
-          <a:stretch>
-            <a:fillRect/>
-          </a:stretch>
-        </p:blipFill>
-        <p:spPr>
-          <a:xfrm>
-            <a:off x="14047002" y="13466735"/>
-            <a:ext cx="5957998" cy="4468499"/>
-          </a:xfrm>
-          <a:prstGeom prst="rect">
-            <a:avLst/>
-          </a:prstGeom>
-        </p:spPr>
-      </p:pic>
-      <p:pic>
-        <p:nvPicPr>
-          <p:cNvPr id="251" name="Picture 250" descr="svm_actualvpred_percentchange.png"/>
-          <p:cNvPicPr>
-            <a:picLocks noChangeAspect="1"/>
-          </p:cNvPicPr>
-          <p:nvPr/>
-        </p:nvPicPr>
-        <p:blipFill rotWithShape="1">
-          <a:blip r:embed="rId11">
-            <a:extLst>
-              <a:ext uri="{28A0092B-C50C-407E-A947-70E740481C1C}">
-                <a14:useLocalDpi xmlns:a14="http://schemas.microsoft.com/office/drawing/2010/main" val="0"/>
-              </a:ext>
-            </a:extLst>
-          </a:blip>
-          <a:srcRect t="5218" r="3892" b="49169"/>
-          <a:stretch/>
-        </p:blipFill>
-        <p:spPr>
-          <a:xfrm>
-            <a:off x="7575050" y="10943847"/>
-            <a:ext cx="6750291" cy="2402796"/>
-          </a:xfrm>
-          <a:prstGeom prst="rect">
-            <a:avLst/>
-          </a:prstGeom>
-        </p:spPr>
-      </p:pic>
-      <p:pic>
-        <p:nvPicPr>
-          <p:cNvPr id="252" name="Picture 251" descr="nn_percentchange_error.png"/>
-          <p:cNvPicPr>
-            <a:picLocks noChangeAspect="1"/>
-          </p:cNvPicPr>
-          <p:nvPr/>
-        </p:nvPicPr>
-        <p:blipFill rotWithShape="1">
-          <a:blip r:embed="rId12">
-            <a:extLst>
-              <a:ext uri="{28A0092B-C50C-407E-A947-70E740481C1C}">
-                <a14:useLocalDpi xmlns:a14="http://schemas.microsoft.com/office/drawing/2010/main" val="0"/>
-              </a:ext>
-            </a:extLst>
-          </a:blip>
-          <a:srcRect t="5903" b="44060"/>
-          <a:stretch/>
-        </p:blipFill>
-        <p:spPr>
-          <a:xfrm>
-            <a:off x="14188731" y="11111926"/>
-            <a:ext cx="6314713" cy="2369831"/>
-          </a:xfrm>
-          <a:prstGeom prst="rect">
-            <a:avLst/>
-          </a:prstGeom>
-        </p:spPr>
-      </p:pic>
-      <p:sp>
-        <p:nvSpPr>
-          <p:cNvPr id="255" name="TextBox 254"/>
+      <p:sp>
+        <p:nvSpPr>
+          <p:cNvPr id="132" name="TextBox 131"/>
           <p:cNvSpPr txBox="1"/>
           <p:nvPr/>
         </p:nvSpPr>
         <p:spPr>
           <a:xfrm>
-            <a:off x="20356687" y="13890942"/>
-            <a:ext cx="6782705" cy="2246769"/>
-          </a:xfrm>
-          <a:prstGeom prst="rect">
-            <a:avLst/>
-          </a:prstGeom>
-          <a:noFill/>
-        </p:spPr>
-        <p:txBody>
-          <a:bodyPr wrap="square" rtlCol="0">
-            <a:spAutoFit/>
-          </a:bodyPr>
-          <a:lstStyle/>
-          <a:p>
-            <a:pPr marL="457200" indent="-457200">
-              <a:buFont typeface="Arial"/>
-              <a:buChar char="•"/>
-            </a:pPr>
-            <a:r>
-              <a:rPr lang="en-US" sz="2000" dirty="0" smtClean="0">
-                <a:latin typeface="Helvetica"/>
-                <a:cs typeface="Helvetica"/>
-              </a:rPr>
-              <a:t>Take the second derivative of price in order to predict its first derivative. </a:t>
-            </a:r>
-          </a:p>
-          <a:p>
-            <a:pPr marL="457200" indent="-457200">
-              <a:buFont typeface="Arial"/>
-              <a:buChar char="•"/>
-            </a:pPr>
-            <a:r>
-              <a:rPr lang="en-US" sz="2000" dirty="0" smtClean="0">
-                <a:latin typeface="Helvetica"/>
-                <a:cs typeface="Helvetica"/>
-              </a:rPr>
-              <a:t>Use a binary classifier to predict negative or positive changes. </a:t>
-            </a:r>
-          </a:p>
-          <a:p>
-            <a:pPr marL="457200" indent="-457200">
-              <a:buFont typeface="Arial"/>
-              <a:buChar char="•"/>
-            </a:pPr>
-            <a:r>
-              <a:rPr lang="en-US" sz="2000" dirty="0" smtClean="0">
-                <a:latin typeface="Helvetica"/>
-                <a:cs typeface="Helvetica"/>
-              </a:rPr>
-              <a:t>Include more non-price data; continue searching for granular data. </a:t>
-            </a:r>
-          </a:p>
-          <a:p>
-            <a:pPr marL="457200" indent="-457200">
-              <a:buFont typeface="Arial"/>
-              <a:buChar char="•"/>
-            </a:pPr>
-            <a:r>
-              <a:rPr lang="en-US" sz="2000" dirty="0" smtClean="0">
-                <a:latin typeface="Helvetica"/>
-                <a:cs typeface="Helvetica"/>
-              </a:rPr>
-              <a:t>Integrate with </a:t>
-            </a:r>
-            <a:r>
-              <a:rPr lang="en-US" sz="2000" dirty="0" err="1" smtClean="0">
-                <a:latin typeface="Helvetica"/>
-                <a:cs typeface="Helvetica"/>
-              </a:rPr>
-              <a:t>Bitcoin</a:t>
-            </a:r>
-            <a:r>
-              <a:rPr lang="en-US" sz="2000" dirty="0" smtClean="0">
-                <a:latin typeface="Helvetica"/>
-                <a:cs typeface="Helvetica"/>
-              </a:rPr>
-              <a:t> trading APIs to create bot</a:t>
-            </a:r>
-          </a:p>
-        </p:txBody>
-      </p:sp>
-      <p:sp>
-        <p:nvSpPr>
-          <p:cNvPr id="256" name="TextBox 255"/>
-          <p:cNvSpPr txBox="1"/>
-          <p:nvPr/>
-        </p:nvSpPr>
-        <p:spPr>
-          <a:xfrm>
-            <a:off x="205284" y="14489090"/>
-            <a:ext cx="6667313" cy="543733"/>
+            <a:off x="20547867" y="2286936"/>
+            <a:ext cx="6406015" cy="543733"/>
           </a:xfrm>
           <a:prstGeom prst="rect">
             <a:avLst/>
@@ -7207,7 +8751,7 @@
                 <a:latin typeface="Helvetica"/>
                 <a:cs typeface="Helvetica"/>
               </a:rPr>
-              <a:t>Analysis</a:t>
+              <a:t>Trading Decision Algorithms</a:t>
             </a:r>
             <a:endParaRPr lang="en-US" sz="3200" b="1" dirty="0">
               <a:latin typeface="Helvetica"/>
@@ -7218,13 +8762,13 @@
       </p:sp>
       <p:sp>
         <p:nvSpPr>
-          <p:cNvPr id="257" name="Rectangle 256"/>
+          <p:cNvPr id="133" name="Rectangle 132"/>
           <p:cNvSpPr/>
           <p:nvPr/>
         </p:nvSpPr>
         <p:spPr>
           <a:xfrm>
-            <a:off x="141040" y="15107049"/>
+            <a:off x="20483623" y="2904895"/>
             <a:ext cx="6858000" cy="45720"/>
           </a:xfrm>
           <a:prstGeom prst="rect">
@@ -7267,69 +8811,6 @@
               <a:latin typeface="Helvetica"/>
               <a:cs typeface="Helvetica"/>
             </a:endParaRPr>
-          </a:p>
-        </p:txBody>
-      </p:sp>
-      <p:sp>
-        <p:nvSpPr>
-          <p:cNvPr id="258" name="TextBox 257"/>
-          <p:cNvSpPr txBox="1"/>
-          <p:nvPr/>
-        </p:nvSpPr>
-        <p:spPr>
-          <a:xfrm>
-            <a:off x="251173" y="15220128"/>
-            <a:ext cx="6773335" cy="1323439"/>
-          </a:xfrm>
-          <a:prstGeom prst="rect">
-            <a:avLst/>
-          </a:prstGeom>
-          <a:noFill/>
-        </p:spPr>
-        <p:txBody>
-          <a:bodyPr wrap="square" rtlCol="0">
-            <a:spAutoFit/>
-          </a:bodyPr>
-          <a:lstStyle/>
-          <a:p>
-            <a:pPr marL="457200" indent="-457200">
-              <a:buFont typeface="Arial"/>
-              <a:buChar char="•"/>
-            </a:pPr>
-            <a:r>
-              <a:rPr lang="en-US" sz="2000" dirty="0" smtClean="0">
-                <a:latin typeface="Helvetica"/>
-                <a:cs typeface="Helvetica"/>
-              </a:rPr>
-              <a:t>Price prediction continues to be the most difficult and most important aspect of </a:t>
-            </a:r>
-            <a:r>
-              <a:rPr lang="en-US" sz="2000" dirty="0" err="1" smtClean="0">
-                <a:latin typeface="Helvetica"/>
-                <a:cs typeface="Helvetica"/>
-              </a:rPr>
-              <a:t>bitcoin</a:t>
-            </a:r>
-            <a:r>
-              <a:rPr lang="en-US" sz="2000" dirty="0" smtClean="0">
-                <a:latin typeface="Helvetica"/>
-                <a:cs typeface="Helvetica"/>
-              </a:rPr>
-              <a:t> bot creation</a:t>
-            </a:r>
-          </a:p>
-          <a:p>
-            <a:pPr marL="457200" indent="-457200">
-              <a:buFont typeface="Arial"/>
-              <a:buChar char="•"/>
-            </a:pPr>
-            <a:r>
-              <a:rPr lang="en-US" sz="2000" dirty="0" smtClean="0">
-                <a:latin typeface="Helvetica"/>
-                <a:cs typeface="Helvetica"/>
-              </a:rPr>
-              <a:t>CSP chooses the optimal action given perfect price predictions</a:t>
-            </a:r>
           </a:p>
         </p:txBody>
       </p:sp>
